--- a/소프 AD과제.pptx
+++ b/소프 AD과제.pptx
@@ -16,16 +16,16 @@
     <p:sldId id="263" r:id="rId4"/>
     <p:sldId id="288" r:id="rId5"/>
     <p:sldId id="287" r:id="rId6"/>
-    <p:sldId id="348" r:id="rId7"/>
-    <p:sldId id="351" r:id="rId8"/>
-    <p:sldId id="350" r:id="rId9"/>
-    <p:sldId id="352" r:id="rId10"/>
-    <p:sldId id="353" r:id="rId11"/>
-    <p:sldId id="355" r:id="rId12"/>
-    <p:sldId id="358" r:id="rId13"/>
-    <p:sldId id="359" r:id="rId14"/>
-    <p:sldId id="360" r:id="rId15"/>
-    <p:sldId id="361" r:id="rId16"/>
+    <p:sldId id="355" r:id="rId7"/>
+    <p:sldId id="358" r:id="rId8"/>
+    <p:sldId id="359" r:id="rId9"/>
+    <p:sldId id="360" r:id="rId10"/>
+    <p:sldId id="361" r:id="rId11"/>
+    <p:sldId id="348" r:id="rId12"/>
+    <p:sldId id="351" r:id="rId13"/>
+    <p:sldId id="350" r:id="rId14"/>
+    <p:sldId id="352" r:id="rId15"/>
+    <p:sldId id="353" r:id="rId16"/>
     <p:sldId id="345" r:id="rId17"/>
   </p:sldIdLst>
   <p:sldSz cx="9144000" cy="6858000" type="screen4x3"/>
@@ -249,7 +249,7 @@
           <a:p>
             <a:fld id="{7DEC5CAD-015D-4A64-BE05-B203A341CBE7}" type="datetimeFigureOut">
               <a:rPr lang="ko-KR" altLang="en-US" smtClean="0"/>
-              <a:t>2018-12-12</a:t>
+              <a:t>2018-12-13</a:t>
             </a:fld>
             <a:endParaRPr lang="ko-KR" altLang="en-US"/>
           </a:p>
@@ -415,7 +415,7 @@
           <a:p>
             <a:fld id="{86AC822F-C37D-4ADD-BDEB-69166D131A94}" type="datetimeFigureOut">
               <a:rPr lang="ko-KR" altLang="en-US" smtClean="0"/>
-              <a:t>2018-12-12</a:t>
+              <a:t>2018-12-13</a:t>
             </a:fld>
             <a:endParaRPr lang="ko-KR" altLang="en-US"/>
           </a:p>
@@ -2173,14 +2173,20 @@
       </p:grpSpPr>
       <p:sp>
         <p:nvSpPr>
-          <p:cNvPr id="6" name="TextBox 5"/>
+          <p:cNvPr id="3" name="TextBox 2">
+            <a:extLst>
+              <a:ext uri="{FF2B5EF4-FFF2-40B4-BE49-F238E27FC236}">
+                <a16:creationId xmlns:a16="http://schemas.microsoft.com/office/drawing/2014/main" id="{62BF8E07-BEF5-4AC5-92E2-97513FF42373}"/>
+              </a:ext>
+            </a:extLst>
+          </p:cNvPr>
           <p:cNvSpPr txBox="1"/>
           <p:nvPr/>
         </p:nvSpPr>
         <p:spPr>
           <a:xfrm>
-            <a:off x="816858" y="795219"/>
-            <a:ext cx="2631281" cy="515526"/>
+            <a:off x="993878" y="646335"/>
+            <a:ext cx="3507784" cy="553998"/>
           </a:xfrm>
           <a:prstGeom prst="rect">
             <a:avLst/>
@@ -2199,15 +2205,58 @@
               </a:lnSpc>
             </a:pPr>
             <a:r>
-              <a:rPr lang="ko-KR" altLang="en-US" sz="3500" spc="-150" dirty="0">
-                <a:solidFill>
-                  <a:schemeClr val="bg1"/>
-                </a:solidFill>
-                <a:latin typeface="배달의민족 주아" panose="02020603020101020101" pitchFamily="18" charset="-127"/>
-                <a:ea typeface="배달의민족 주아" panose="02020603020101020101" pitchFamily="18" charset="-127"/>
-              </a:rPr>
-              <a:t>게임</a:t>
-            </a:r>
+              <a:rPr lang="ko-KR" altLang="en-US" sz="4500" spc="-150">
+                <a:solidFill>
+                  <a:schemeClr val="bg1"/>
+                </a:solidFill>
+                <a:latin typeface="배달의민족 주아" panose="02020603020101020101" pitchFamily="18" charset="-127"/>
+                <a:ea typeface="배달의민족 주아" panose="02020603020101020101" pitchFamily="18" charset="-127"/>
+              </a:rPr>
+              <a:t>애니메이션 구현</a:t>
+            </a:r>
+            <a:endParaRPr lang="en-US" altLang="ko-KR" sz="4500" spc="-150" dirty="0">
+              <a:solidFill>
+                <a:schemeClr val="bg1"/>
+              </a:solidFill>
+              <a:latin typeface="배달의민족 주아" panose="02020603020101020101" pitchFamily="18" charset="-127"/>
+              <a:ea typeface="배달의민족 주아" panose="02020603020101020101" pitchFamily="18" charset="-127"/>
+            </a:endParaRPr>
+          </a:p>
+        </p:txBody>
+      </p:sp>
+      <p:sp>
+        <p:nvSpPr>
+          <p:cNvPr id="4" name="TextBox 3">
+            <a:extLst>
+              <a:ext uri="{FF2B5EF4-FFF2-40B4-BE49-F238E27FC236}">
+                <a16:creationId xmlns:a16="http://schemas.microsoft.com/office/drawing/2014/main" id="{D5CC1F70-E3B6-4839-9912-E2B363B3A3BA}"/>
+              </a:ext>
+            </a:extLst>
+          </p:cNvPr>
+          <p:cNvSpPr txBox="1"/>
+          <p:nvPr/>
+        </p:nvSpPr>
+        <p:spPr>
+          <a:xfrm>
+            <a:off x="527886" y="1514429"/>
+            <a:ext cx="5398131" cy="515526"/>
+          </a:xfrm>
+          <a:prstGeom prst="rect">
+            <a:avLst/>
+          </a:prstGeom>
+          <a:noFill/>
+        </p:spPr>
+        <p:txBody>
+          <a:bodyPr wrap="square" rtlCol="0">
+            <a:spAutoFit/>
+          </a:bodyPr>
+          <a:lstStyle/>
+          <a:p>
+            <a:pPr>
+              <a:lnSpc>
+                <a:spcPts val="3000"/>
+              </a:lnSpc>
+            </a:pPr>
             <a:r>
               <a:rPr lang="en-US" altLang="ko-KR" sz="3500" spc="-150" dirty="0">
                 <a:solidFill>
@@ -2216,17 +2265,17 @@
                 <a:latin typeface="배달의민족 주아" panose="02020603020101020101" pitchFamily="18" charset="-127"/>
                 <a:ea typeface="배달의민족 주아" panose="02020603020101020101" pitchFamily="18" charset="-127"/>
               </a:rPr>
-              <a:t> </a:t>
-            </a:r>
-            <a:r>
-              <a:rPr lang="ko-KR" altLang="en-US" sz="3500" spc="-150" dirty="0">
-                <a:solidFill>
-                  <a:schemeClr val="bg1"/>
-                </a:solidFill>
-                <a:latin typeface="배달의민족 주아" panose="02020603020101020101" pitchFamily="18" charset="-127"/>
-                <a:ea typeface="배달의민족 주아" panose="02020603020101020101" pitchFamily="18" charset="-127"/>
-              </a:rPr>
-              <a:t>시연 영상</a:t>
+              <a:t>class </a:t>
+            </a:r>
+            <a:r>
+              <a:rPr lang="en-US" altLang="ko-KR" sz="3500" spc="-150" dirty="0" err="1">
+                <a:solidFill>
+                  <a:schemeClr val="bg1"/>
+                </a:solidFill>
+                <a:latin typeface="배달의민족 주아" panose="02020603020101020101" pitchFamily="18" charset="-127"/>
+                <a:ea typeface="배달의민족 주아" panose="02020603020101020101" pitchFamily="18" charset="-127"/>
+              </a:rPr>
+              <a:t>CannonGame</a:t>
             </a:r>
             <a:endParaRPr lang="en-US" altLang="ko-KR" sz="3500" spc="-150" dirty="0">
               <a:solidFill>
@@ -2240,6 +2289,494 @@
       </p:sp>
       <p:sp>
         <p:nvSpPr>
+          <p:cNvPr id="6" name="TextBox 5">
+            <a:extLst>
+              <a:ext uri="{FF2B5EF4-FFF2-40B4-BE49-F238E27FC236}">
+                <a16:creationId xmlns:a16="http://schemas.microsoft.com/office/drawing/2014/main" id="{734E2F54-DC5C-41D6-A5DA-4E666AF0AFFE}"/>
+              </a:ext>
+            </a:extLst>
+          </p:cNvPr>
+          <p:cNvSpPr txBox="1"/>
+          <p:nvPr/>
+        </p:nvSpPr>
+        <p:spPr>
+          <a:xfrm>
+            <a:off x="1575461" y="3042139"/>
+            <a:ext cx="5993077" cy="2785378"/>
+          </a:xfrm>
+          <a:prstGeom prst="rect">
+            <a:avLst/>
+          </a:prstGeom>
+          <a:noFill/>
+        </p:spPr>
+        <p:txBody>
+          <a:bodyPr wrap="square" rtlCol="0">
+            <a:spAutoFit/>
+          </a:bodyPr>
+          <a:lstStyle/>
+          <a:p>
+            <a:pPr>
+              <a:lnSpc>
+                <a:spcPts val="3000"/>
+              </a:lnSpc>
+            </a:pPr>
+            <a:r>
+              <a:rPr lang="en-US" altLang="ko-KR" sz="2200" spc="-150" dirty="0">
+                <a:solidFill>
+                  <a:schemeClr val="bg1"/>
+                </a:solidFill>
+                <a:latin typeface="배달의민족 주아" panose="02020603020101020101" pitchFamily="18" charset="-127"/>
+                <a:ea typeface="배달의민족 주아" panose="02020603020101020101" pitchFamily="18" charset="-127"/>
+              </a:rPr>
+              <a:t># </a:t>
+            </a:r>
+            <a:r>
+              <a:rPr lang="ko-KR" altLang="en-US" sz="2200" spc="-150" dirty="0">
+                <a:solidFill>
+                  <a:schemeClr val="bg1"/>
+                </a:solidFill>
+                <a:latin typeface="배달의민족 주아" panose="02020603020101020101" pitchFamily="18" charset="-127"/>
+                <a:ea typeface="배달의민족 주아" panose="02020603020101020101" pitchFamily="18" charset="-127"/>
+              </a:rPr>
+              <a:t>현재 맵 출력</a:t>
+            </a:r>
+          </a:p>
+          <a:p>
+            <a:pPr>
+              <a:lnSpc>
+                <a:spcPts val="3000"/>
+              </a:lnSpc>
+            </a:pPr>
+            <a:r>
+              <a:rPr lang="ko-KR" altLang="en-US" sz="2200" spc="-150" dirty="0">
+                <a:solidFill>
+                  <a:schemeClr val="bg1"/>
+                </a:solidFill>
+                <a:latin typeface="배달의민족 주아" panose="02020603020101020101" pitchFamily="18" charset="-127"/>
+                <a:ea typeface="배달의민족 주아" panose="02020603020101020101" pitchFamily="18" charset="-127"/>
+              </a:rPr>
+              <a:t>        </a:t>
+            </a:r>
+            <a:r>
+              <a:rPr lang="en-US" altLang="ko-KR" sz="2200" spc="-150" dirty="0">
+                <a:solidFill>
+                  <a:schemeClr val="bg1"/>
+                </a:solidFill>
+                <a:latin typeface="배달의민족 주아" panose="02020603020101020101" pitchFamily="18" charset="-127"/>
+                <a:ea typeface="배달의민족 주아" panose="02020603020101020101" pitchFamily="18" charset="-127"/>
+              </a:rPr>
+              <a:t>for point in </a:t>
+            </a:r>
+            <a:r>
+              <a:rPr lang="en-US" altLang="ko-KR" sz="2200" spc="-150" dirty="0" err="1">
+                <a:solidFill>
+                  <a:schemeClr val="bg1"/>
+                </a:solidFill>
+                <a:latin typeface="배달의민족 주아" panose="02020603020101020101" pitchFamily="18" charset="-127"/>
+                <a:ea typeface="배달의민족 주아" panose="02020603020101020101" pitchFamily="18" charset="-127"/>
+              </a:rPr>
+              <a:t>self.fire.parabola</a:t>
+            </a:r>
+            <a:r>
+              <a:rPr lang="en-US" altLang="ko-KR" sz="2200" spc="-150" dirty="0">
+                <a:solidFill>
+                  <a:schemeClr val="bg1"/>
+                </a:solidFill>
+                <a:latin typeface="배달의민족 주아" panose="02020603020101020101" pitchFamily="18" charset="-127"/>
+                <a:ea typeface="배달의민족 주아" panose="02020603020101020101" pitchFamily="18" charset="-127"/>
+              </a:rPr>
+              <a:t>(angle, power):</a:t>
+            </a:r>
+          </a:p>
+          <a:p>
+            <a:pPr>
+              <a:lnSpc>
+                <a:spcPts val="3000"/>
+              </a:lnSpc>
+            </a:pPr>
+            <a:r>
+              <a:rPr lang="en-US" altLang="ko-KR" sz="2200" spc="-150" dirty="0">
+                <a:solidFill>
+                  <a:schemeClr val="bg1"/>
+                </a:solidFill>
+                <a:latin typeface="배달의민족 주아" panose="02020603020101020101" pitchFamily="18" charset="-127"/>
+                <a:ea typeface="배달의민족 주아" panose="02020603020101020101" pitchFamily="18" charset="-127"/>
+              </a:rPr>
+              <a:t>	“””	</a:t>
+            </a:r>
+            <a:r>
+              <a:rPr lang="ko-KR" altLang="en-US" sz="2200" spc="-150" dirty="0">
+                <a:solidFill>
+                  <a:schemeClr val="bg1"/>
+                </a:solidFill>
+                <a:latin typeface="배달의민족 주아" panose="02020603020101020101" pitchFamily="18" charset="-127"/>
+                <a:ea typeface="배달의민족 주아" panose="02020603020101020101" pitchFamily="18" charset="-127"/>
+              </a:rPr>
+              <a:t>생략</a:t>
+            </a:r>
+            <a:r>
+              <a:rPr lang="en-US" altLang="ko-KR" sz="2200" spc="-150" dirty="0">
+                <a:solidFill>
+                  <a:schemeClr val="bg1"/>
+                </a:solidFill>
+                <a:latin typeface="배달의민족 주아" panose="02020603020101020101" pitchFamily="18" charset="-127"/>
+                <a:ea typeface="배달의민족 주아" panose="02020603020101020101" pitchFamily="18" charset="-127"/>
+              </a:rPr>
+              <a:t>	   ”””</a:t>
+            </a:r>
+          </a:p>
+          <a:p>
+            <a:pPr>
+              <a:lnSpc>
+                <a:spcPts val="3000"/>
+              </a:lnSpc>
+            </a:pPr>
+            <a:r>
+              <a:rPr lang="en-US" altLang="ko-KR" sz="2200" spc="-150" dirty="0">
+                <a:solidFill>
+                  <a:schemeClr val="bg1"/>
+                </a:solidFill>
+                <a:latin typeface="배달의민족 주아" panose="02020603020101020101" pitchFamily="18" charset="-127"/>
+                <a:ea typeface="배달의민족 주아" panose="02020603020101020101" pitchFamily="18" charset="-127"/>
+              </a:rPr>
+              <a:t>	# </a:t>
+            </a:r>
+            <a:r>
+              <a:rPr lang="ko-KR" altLang="en-US" sz="2200" spc="-150" dirty="0">
+                <a:solidFill>
+                  <a:schemeClr val="bg1"/>
+                </a:solidFill>
+                <a:latin typeface="배달의민족 주아" panose="02020603020101020101" pitchFamily="18" charset="-127"/>
+                <a:ea typeface="배달의민족 주아" panose="02020603020101020101" pitchFamily="18" charset="-127"/>
+              </a:rPr>
+              <a:t>애니메이션 효과 구현</a:t>
+            </a:r>
+          </a:p>
+          <a:p>
+            <a:pPr>
+              <a:lnSpc>
+                <a:spcPts val="3000"/>
+              </a:lnSpc>
+            </a:pPr>
+            <a:r>
+              <a:rPr lang="ko-KR" altLang="en-US" sz="2200" spc="-150" dirty="0">
+                <a:solidFill>
+                  <a:schemeClr val="bg1"/>
+                </a:solidFill>
+                <a:latin typeface="배달의민족 주아" panose="02020603020101020101" pitchFamily="18" charset="-127"/>
+                <a:ea typeface="배달의민족 주아" panose="02020603020101020101" pitchFamily="18" charset="-127"/>
+              </a:rPr>
+              <a:t>            </a:t>
+            </a:r>
+            <a:r>
+              <a:rPr lang="en-US" altLang="ko-KR" sz="2200" spc="-150" dirty="0">
+                <a:solidFill>
+                  <a:schemeClr val="bg1"/>
+                </a:solidFill>
+                <a:latin typeface="배달의민족 주아" panose="02020603020101020101" pitchFamily="18" charset="-127"/>
+                <a:ea typeface="배달의민족 주아" panose="02020603020101020101" pitchFamily="18" charset="-127"/>
+              </a:rPr>
+              <a:t>	loop = </a:t>
+            </a:r>
+            <a:r>
+              <a:rPr lang="en-US" altLang="ko-KR" sz="2200" spc="-150" dirty="0" err="1">
+                <a:solidFill>
+                  <a:schemeClr val="bg1"/>
+                </a:solidFill>
+                <a:latin typeface="배달의민족 주아" panose="02020603020101020101" pitchFamily="18" charset="-127"/>
+                <a:ea typeface="배달의민족 주아" panose="02020603020101020101" pitchFamily="18" charset="-127"/>
+              </a:rPr>
+              <a:t>QEventLoop</a:t>
+            </a:r>
+            <a:r>
+              <a:rPr lang="en-US" altLang="ko-KR" sz="2200" spc="-150" dirty="0">
+                <a:solidFill>
+                  <a:schemeClr val="bg1"/>
+                </a:solidFill>
+                <a:latin typeface="배달의민족 주아" panose="02020603020101020101" pitchFamily="18" charset="-127"/>
+                <a:ea typeface="배달의민족 주아" panose="02020603020101020101" pitchFamily="18" charset="-127"/>
+              </a:rPr>
+              <a:t>()</a:t>
+            </a:r>
+          </a:p>
+          <a:p>
+            <a:pPr>
+              <a:lnSpc>
+                <a:spcPts val="3000"/>
+              </a:lnSpc>
+            </a:pPr>
+            <a:r>
+              <a:rPr lang="en-US" altLang="ko-KR" sz="2200" spc="-150" dirty="0">
+                <a:solidFill>
+                  <a:schemeClr val="bg1"/>
+                </a:solidFill>
+                <a:latin typeface="배달의민족 주아" panose="02020603020101020101" pitchFamily="18" charset="-127"/>
+                <a:ea typeface="배달의민족 주아" panose="02020603020101020101" pitchFamily="18" charset="-127"/>
+              </a:rPr>
+              <a:t>       	</a:t>
+            </a:r>
+            <a:r>
+              <a:rPr lang="en-US" altLang="ko-KR" sz="2200" spc="-150" dirty="0" err="1">
+                <a:solidFill>
+                  <a:schemeClr val="bg1"/>
+                </a:solidFill>
+                <a:latin typeface="배달의민족 주아" panose="02020603020101020101" pitchFamily="18" charset="-127"/>
+                <a:ea typeface="배달의민족 주아" panose="02020603020101020101" pitchFamily="18" charset="-127"/>
+              </a:rPr>
+              <a:t>QTimer.singleShot</a:t>
+            </a:r>
+            <a:r>
+              <a:rPr lang="en-US" altLang="ko-KR" sz="2200" spc="-150" dirty="0">
+                <a:solidFill>
+                  <a:schemeClr val="bg1"/>
+                </a:solidFill>
+                <a:latin typeface="배달의민족 주아" panose="02020603020101020101" pitchFamily="18" charset="-127"/>
+                <a:ea typeface="배달의민족 주아" panose="02020603020101020101" pitchFamily="18" charset="-127"/>
+              </a:rPr>
+              <a:t>(100, </a:t>
+            </a:r>
+            <a:r>
+              <a:rPr lang="en-US" altLang="ko-KR" sz="2200" spc="-150" dirty="0" err="1">
+                <a:solidFill>
+                  <a:schemeClr val="bg1"/>
+                </a:solidFill>
+                <a:latin typeface="배달의민족 주아" panose="02020603020101020101" pitchFamily="18" charset="-127"/>
+                <a:ea typeface="배달의민족 주아" panose="02020603020101020101" pitchFamily="18" charset="-127"/>
+              </a:rPr>
+              <a:t>loop.quit</a:t>
+            </a:r>
+            <a:r>
+              <a:rPr lang="en-US" altLang="ko-KR" sz="2200" spc="-150" dirty="0">
+                <a:solidFill>
+                  <a:schemeClr val="bg1"/>
+                </a:solidFill>
+                <a:latin typeface="배달의민족 주아" panose="02020603020101020101" pitchFamily="18" charset="-127"/>
+                <a:ea typeface="배달의민족 주아" panose="02020603020101020101" pitchFamily="18" charset="-127"/>
+              </a:rPr>
+              <a:t>)</a:t>
+            </a:r>
+          </a:p>
+          <a:p>
+            <a:pPr>
+              <a:lnSpc>
+                <a:spcPts val="3000"/>
+              </a:lnSpc>
+            </a:pPr>
+            <a:r>
+              <a:rPr lang="en-US" altLang="ko-KR" sz="2200" spc="-150" dirty="0">
+                <a:solidFill>
+                  <a:schemeClr val="bg1"/>
+                </a:solidFill>
+                <a:latin typeface="배달의민족 주아" panose="02020603020101020101" pitchFamily="18" charset="-127"/>
+                <a:ea typeface="배달의민족 주아" panose="02020603020101020101" pitchFamily="18" charset="-127"/>
+              </a:rPr>
+              <a:t>        	</a:t>
+            </a:r>
+            <a:r>
+              <a:rPr lang="en-US" altLang="ko-KR" sz="2200" spc="-150" dirty="0" err="1">
+                <a:solidFill>
+                  <a:schemeClr val="bg1"/>
+                </a:solidFill>
+                <a:latin typeface="배달의민족 주아" panose="02020603020101020101" pitchFamily="18" charset="-127"/>
+                <a:ea typeface="배달의민족 주아" panose="02020603020101020101" pitchFamily="18" charset="-127"/>
+              </a:rPr>
+              <a:t>loop.exec</a:t>
+            </a:r>
+            <a:r>
+              <a:rPr lang="en-US" altLang="ko-KR" sz="2200" spc="-150" dirty="0">
+                <a:solidFill>
+                  <a:schemeClr val="bg1"/>
+                </a:solidFill>
+                <a:latin typeface="배달의민족 주아" panose="02020603020101020101" pitchFamily="18" charset="-127"/>
+                <a:ea typeface="배달의민족 주아" panose="02020603020101020101" pitchFamily="18" charset="-127"/>
+              </a:rPr>
+              <a:t>_()</a:t>
+            </a:r>
+          </a:p>
+        </p:txBody>
+      </p:sp>
+      <p:sp>
+        <p:nvSpPr>
+          <p:cNvPr id="9" name="TextBox 8">
+            <a:extLst>
+              <a:ext uri="{FF2B5EF4-FFF2-40B4-BE49-F238E27FC236}">
+                <a16:creationId xmlns:a16="http://schemas.microsoft.com/office/drawing/2014/main" id="{45E7A4A0-654D-4510-9AEF-C01808466D3E}"/>
+              </a:ext>
+            </a:extLst>
+          </p:cNvPr>
+          <p:cNvSpPr txBox="1"/>
+          <p:nvPr/>
+        </p:nvSpPr>
+        <p:spPr>
+          <a:xfrm>
+            <a:off x="1575461" y="2212517"/>
+            <a:ext cx="5993077" cy="477054"/>
+          </a:xfrm>
+          <a:prstGeom prst="rect">
+            <a:avLst/>
+          </a:prstGeom>
+          <a:noFill/>
+        </p:spPr>
+        <p:txBody>
+          <a:bodyPr wrap="square" rtlCol="0">
+            <a:spAutoFit/>
+          </a:bodyPr>
+          <a:lstStyle/>
+          <a:p>
+            <a:pPr>
+              <a:lnSpc>
+                <a:spcPts val="3000"/>
+              </a:lnSpc>
+            </a:pPr>
+            <a:r>
+              <a:rPr lang="en-US" altLang="ko-KR" sz="2200" spc="-150" dirty="0">
+                <a:solidFill>
+                  <a:schemeClr val="bg1"/>
+                </a:solidFill>
+                <a:latin typeface="배달의민족 주아" panose="02020603020101020101" pitchFamily="18" charset="-127"/>
+                <a:ea typeface="배달의민족 주아" panose="02020603020101020101" pitchFamily="18" charset="-127"/>
+              </a:rPr>
+              <a:t>from PyQt5.QtCore import </a:t>
+            </a:r>
+            <a:r>
+              <a:rPr lang="en-US" altLang="ko-KR" sz="2200" spc="-150" dirty="0" err="1">
+                <a:solidFill>
+                  <a:schemeClr val="bg1"/>
+                </a:solidFill>
+                <a:latin typeface="배달의민족 주아" panose="02020603020101020101" pitchFamily="18" charset="-127"/>
+                <a:ea typeface="배달의민족 주아" panose="02020603020101020101" pitchFamily="18" charset="-127"/>
+              </a:rPr>
+              <a:t>QEventLoop</a:t>
+            </a:r>
+            <a:r>
+              <a:rPr lang="en-US" altLang="ko-KR" sz="2200" spc="-150" dirty="0">
+                <a:solidFill>
+                  <a:schemeClr val="bg1"/>
+                </a:solidFill>
+                <a:latin typeface="배달의민족 주아" panose="02020603020101020101" pitchFamily="18" charset="-127"/>
+                <a:ea typeface="배달의민족 주아" panose="02020603020101020101" pitchFamily="18" charset="-127"/>
+              </a:rPr>
+              <a:t>, </a:t>
+            </a:r>
+            <a:r>
+              <a:rPr lang="en-US" altLang="ko-KR" sz="2200" spc="-150" dirty="0" err="1">
+                <a:solidFill>
+                  <a:schemeClr val="bg1"/>
+                </a:solidFill>
+                <a:latin typeface="배달의민족 주아" panose="02020603020101020101" pitchFamily="18" charset="-127"/>
+                <a:ea typeface="배달의민족 주아" panose="02020603020101020101" pitchFamily="18" charset="-127"/>
+              </a:rPr>
+              <a:t>QTimer</a:t>
+            </a:r>
+            <a:endParaRPr lang="en-US" altLang="ko-KR" sz="2200" spc="-150" dirty="0">
+              <a:solidFill>
+                <a:schemeClr val="bg1"/>
+              </a:solidFill>
+              <a:latin typeface="배달의민족 주아" panose="02020603020101020101" pitchFamily="18" charset="-127"/>
+              <a:ea typeface="배달의민족 주아" panose="02020603020101020101" pitchFamily="18" charset="-127"/>
+            </a:endParaRPr>
+          </a:p>
+        </p:txBody>
+      </p:sp>
+    </p:spTree>
+    <p:extLst>
+      <p:ext uri="{BB962C8B-B14F-4D97-AF65-F5344CB8AC3E}">
+        <p14:creationId xmlns:p14="http://schemas.microsoft.com/office/powerpoint/2010/main" val="27944308"/>
+      </p:ext>
+    </p:extLst>
+  </p:cSld>
+  <p:clrMapOvr>
+    <a:masterClrMapping/>
+  </p:clrMapOvr>
+</p:sld>
+</file>
+
+<file path=ppt/slides/slide11.xml><?xml version="1.0" encoding="utf-8"?>
+<p:sld xmlns:a="http://schemas.openxmlformats.org/drawingml/2006/main" xmlns:r="http://schemas.openxmlformats.org/officeDocument/2006/relationships" xmlns:p="http://schemas.openxmlformats.org/presentationml/2006/main">
+  <p:cSld>
+    <p:spTree>
+      <p:nvGrpSpPr>
+        <p:cNvPr id="1" name=""/>
+        <p:cNvGrpSpPr/>
+        <p:nvPr/>
+      </p:nvGrpSpPr>
+      <p:grpSpPr>
+        <a:xfrm>
+          <a:off x="0" y="0"/>
+          <a:ext cx="0" cy="0"/>
+          <a:chOff x="0" y="0"/>
+          <a:chExt cx="0" cy="0"/>
+        </a:xfrm>
+      </p:grpSpPr>
+      <p:sp>
+        <p:nvSpPr>
+          <p:cNvPr id="6" name="TextBox 5"/>
+          <p:cNvSpPr txBox="1"/>
+          <p:nvPr/>
+        </p:nvSpPr>
+        <p:spPr>
+          <a:xfrm>
+            <a:off x="816858" y="795219"/>
+            <a:ext cx="2631281" cy="515526"/>
+          </a:xfrm>
+          <a:prstGeom prst="rect">
+            <a:avLst/>
+          </a:prstGeom>
+          <a:noFill/>
+        </p:spPr>
+        <p:txBody>
+          <a:bodyPr wrap="square" rtlCol="0">
+            <a:spAutoFit/>
+          </a:bodyPr>
+          <a:lstStyle/>
+          <a:p>
+            <a:pPr>
+              <a:lnSpc>
+                <a:spcPts val="3000"/>
+              </a:lnSpc>
+            </a:pPr>
+            <a:r>
+              <a:rPr lang="ko-KR" altLang="en-US" sz="3500" spc="-150" dirty="0">
+                <a:solidFill>
+                  <a:schemeClr val="bg1"/>
+                </a:solidFill>
+                <a:latin typeface="배달의민족 주아" panose="02020603020101020101" pitchFamily="18" charset="-127"/>
+                <a:ea typeface="배달의민족 주아" panose="02020603020101020101" pitchFamily="18" charset="-127"/>
+              </a:rPr>
+              <a:t>게임</a:t>
+            </a:r>
+            <a:r>
+              <a:rPr lang="en-US" altLang="ko-KR" sz="3500" spc="-150" dirty="0">
+                <a:solidFill>
+                  <a:schemeClr val="bg1"/>
+                </a:solidFill>
+                <a:latin typeface="배달의민족 주아" panose="02020603020101020101" pitchFamily="18" charset="-127"/>
+                <a:ea typeface="배달의민족 주아" panose="02020603020101020101" pitchFamily="18" charset="-127"/>
+              </a:rPr>
+              <a:t> </a:t>
+            </a:r>
+            <a:r>
+              <a:rPr lang="ko-KR" altLang="en-US" sz="3500" spc="-150" dirty="0">
+                <a:solidFill>
+                  <a:schemeClr val="bg1"/>
+                </a:solidFill>
+                <a:latin typeface="배달의민족 주아" panose="02020603020101020101" pitchFamily="18" charset="-127"/>
+                <a:ea typeface="배달의민족 주아" panose="02020603020101020101" pitchFamily="18" charset="-127"/>
+              </a:rPr>
+              <a:t>시연 영상</a:t>
+            </a:r>
+            <a:endParaRPr lang="en-US" altLang="ko-KR" sz="3500" spc="-150" dirty="0">
+              <a:solidFill>
+                <a:schemeClr val="bg1"/>
+              </a:solidFill>
+              <a:latin typeface="배달의민족 주아" panose="02020603020101020101" pitchFamily="18" charset="-127"/>
+              <a:ea typeface="배달의민족 주아" panose="02020603020101020101" pitchFamily="18" charset="-127"/>
+            </a:endParaRPr>
+          </a:p>
+        </p:txBody>
+      </p:sp>
+      <p:sp>
+        <p:nvSpPr>
           <p:cNvPr id="7" name="Rectangle 6"/>
           <p:cNvSpPr/>
           <p:nvPr/>
@@ -2379,7 +2916,7 @@
             <a:r>
               <a:rPr lang="en-US" altLang="ko-KR" sz="2000" dirty="0">
                 <a:solidFill>
-                  <a:srgbClr val="FFFF00"/>
+                  <a:schemeClr val="bg1"/>
                 </a:solidFill>
                 <a:latin typeface="배달의민족 주아" panose="02020603020101020101" pitchFamily="18" charset="-127"/>
                 <a:ea typeface="배달의민족 주아" panose="02020603020101020101" pitchFamily="18" charset="-127"/>
@@ -2389,7 +2926,7 @@
             <a:r>
               <a:rPr lang="ko-KR" altLang="en-US" sz="2000" dirty="0">
                 <a:solidFill>
-                  <a:srgbClr val="FFFF00"/>
+                  <a:schemeClr val="bg1"/>
                 </a:solidFill>
                 <a:latin typeface="배달의민족 주아" panose="02020603020101020101" pitchFamily="18" charset="-127"/>
                 <a:ea typeface="배달의민족 주아" panose="02020603020101020101" pitchFamily="18" charset="-127"/>
@@ -2398,7 +2935,7 @@
             </a:r>
             <a:endParaRPr lang="en-US" altLang="ko-KR" sz="2000" dirty="0">
               <a:solidFill>
-                <a:srgbClr val="FFFF00"/>
+                <a:schemeClr val="bg1"/>
               </a:solidFill>
               <a:latin typeface="배달의민족 주아" panose="02020603020101020101" pitchFamily="18" charset="-127"/>
               <a:ea typeface="배달의민족 주아" panose="02020603020101020101" pitchFamily="18" charset="-127"/>
@@ -2480,8 +3017,8 @@
         </p:blipFill>
         <p:spPr>
           <a:xfrm>
-            <a:off x="3518996" y="1374015"/>
-            <a:ext cx="5070268" cy="4447665"/>
+            <a:off x="3519258" y="1374256"/>
+            <a:ext cx="5060862" cy="4453520"/>
           </a:xfrm>
           <a:prstGeom prst="rect">
             <a:avLst/>
@@ -2491,367 +3028,7 @@
     </p:spTree>
     <p:extLst>
       <p:ext uri="{BB962C8B-B14F-4D97-AF65-F5344CB8AC3E}">
-        <p14:creationId xmlns:p14="http://schemas.microsoft.com/office/powerpoint/2010/main" val="944039596"/>
-      </p:ext>
-    </p:extLst>
-  </p:cSld>
-  <p:clrMapOvr>
-    <a:masterClrMapping/>
-  </p:clrMapOvr>
-</p:sld>
-</file>
-
-<file path=ppt/slides/slide11.xml><?xml version="1.0" encoding="utf-8"?>
-<p:sld xmlns:a="http://schemas.openxmlformats.org/drawingml/2006/main" xmlns:r="http://schemas.openxmlformats.org/officeDocument/2006/relationships" xmlns:p="http://schemas.openxmlformats.org/presentationml/2006/main">
-  <p:cSld>
-    <p:spTree>
-      <p:nvGrpSpPr>
-        <p:cNvPr id="1" name=""/>
-        <p:cNvGrpSpPr/>
-        <p:nvPr/>
-      </p:nvGrpSpPr>
-      <p:grpSpPr>
-        <a:xfrm>
-          <a:off x="0" y="0"/>
-          <a:ext cx="0" cy="0"/>
-          <a:chOff x="0" y="0"/>
-          <a:chExt cx="0" cy="0"/>
-        </a:xfrm>
-      </p:grpSpPr>
-      <p:sp>
-        <p:nvSpPr>
-          <p:cNvPr id="3" name="TextBox 2">
-            <a:extLst>
-              <a:ext uri="{FF2B5EF4-FFF2-40B4-BE49-F238E27FC236}">
-                <a16:creationId xmlns:a16="http://schemas.microsoft.com/office/drawing/2014/main" id="{62BF8E07-BEF5-4AC5-92E2-97513FF42373}"/>
-              </a:ext>
-            </a:extLst>
-          </p:cNvPr>
-          <p:cNvSpPr txBox="1"/>
-          <p:nvPr/>
-        </p:nvSpPr>
-        <p:spPr>
-          <a:xfrm>
-            <a:off x="993878" y="646335"/>
-            <a:ext cx="2631281" cy="553998"/>
-          </a:xfrm>
-          <a:prstGeom prst="rect">
-            <a:avLst/>
-          </a:prstGeom>
-          <a:noFill/>
-        </p:spPr>
-        <p:txBody>
-          <a:bodyPr wrap="square" rtlCol="0">
-            <a:spAutoFit/>
-          </a:bodyPr>
-          <a:lstStyle/>
-          <a:p>
-            <a:pPr>
-              <a:lnSpc>
-                <a:spcPts val="3000"/>
-              </a:lnSpc>
-            </a:pPr>
-            <a:r>
-              <a:rPr lang="en-US" altLang="ko-KR" sz="4500" spc="-150" dirty="0">
-                <a:solidFill>
-                  <a:schemeClr val="bg1"/>
-                </a:solidFill>
-                <a:latin typeface="배달의민족 주아" panose="02020603020101020101" pitchFamily="18" charset="-127"/>
-                <a:ea typeface="배달의민족 주아" panose="02020603020101020101" pitchFamily="18" charset="-127"/>
-              </a:rPr>
-              <a:t>game.py</a:t>
-            </a:r>
-          </a:p>
-        </p:txBody>
-      </p:sp>
-      <p:sp>
-        <p:nvSpPr>
-          <p:cNvPr id="4" name="TextBox 3">
-            <a:extLst>
-              <a:ext uri="{FF2B5EF4-FFF2-40B4-BE49-F238E27FC236}">
-                <a16:creationId xmlns:a16="http://schemas.microsoft.com/office/drawing/2014/main" id="{D5CC1F70-E3B6-4839-9912-E2B363B3A3BA}"/>
-              </a:ext>
-            </a:extLst>
-          </p:cNvPr>
-          <p:cNvSpPr txBox="1"/>
-          <p:nvPr/>
-        </p:nvSpPr>
-        <p:spPr>
-          <a:xfrm>
-            <a:off x="809239" y="1910083"/>
-            <a:ext cx="5398131" cy="515526"/>
-          </a:xfrm>
-          <a:prstGeom prst="rect">
-            <a:avLst/>
-          </a:prstGeom>
-          <a:noFill/>
-        </p:spPr>
-        <p:txBody>
-          <a:bodyPr wrap="square" rtlCol="0">
-            <a:spAutoFit/>
-          </a:bodyPr>
-          <a:lstStyle/>
-          <a:p>
-            <a:pPr>
-              <a:lnSpc>
-                <a:spcPts val="3000"/>
-              </a:lnSpc>
-            </a:pPr>
-            <a:r>
-              <a:rPr lang="en-US" altLang="ko-KR" sz="3500" spc="-150" dirty="0">
-                <a:solidFill>
-                  <a:schemeClr val="bg1"/>
-                </a:solidFill>
-                <a:latin typeface="배달의민족 주아" panose="02020603020101020101" pitchFamily="18" charset="-127"/>
-                <a:ea typeface="배달의민족 주아" panose="02020603020101020101" pitchFamily="18" charset="-127"/>
-              </a:rPr>
-              <a:t>class </a:t>
-            </a:r>
-            <a:r>
-              <a:rPr lang="en-US" altLang="ko-KR" sz="3500" spc="-150" dirty="0" err="1">
-                <a:solidFill>
-                  <a:schemeClr val="bg1"/>
-                </a:solidFill>
-                <a:latin typeface="배달의민족 주아" panose="02020603020101020101" pitchFamily="18" charset="-127"/>
-                <a:ea typeface="배달의민족 주아" panose="02020603020101020101" pitchFamily="18" charset="-127"/>
-              </a:rPr>
-              <a:t>CannonGame</a:t>
-            </a:r>
-            <a:r>
-              <a:rPr lang="en-US" altLang="ko-KR" sz="3500" spc="-150" dirty="0">
-                <a:solidFill>
-                  <a:schemeClr val="bg1"/>
-                </a:solidFill>
-                <a:latin typeface="배달의민족 주아" panose="02020603020101020101" pitchFamily="18" charset="-127"/>
-                <a:ea typeface="배달의민족 주아" panose="02020603020101020101" pitchFamily="18" charset="-127"/>
-              </a:rPr>
-              <a:t>(</a:t>
-            </a:r>
-            <a:r>
-              <a:rPr lang="en-US" altLang="ko-KR" sz="3500" spc="-150" dirty="0" err="1">
-                <a:solidFill>
-                  <a:schemeClr val="bg1"/>
-                </a:solidFill>
-                <a:latin typeface="배달의민족 주아" panose="02020603020101020101" pitchFamily="18" charset="-127"/>
-                <a:ea typeface="배달의민족 주아" panose="02020603020101020101" pitchFamily="18" charset="-127"/>
-              </a:rPr>
-              <a:t>Qwidget</a:t>
-            </a:r>
-            <a:r>
-              <a:rPr lang="en-US" altLang="ko-KR" sz="3500" spc="-150" dirty="0">
-                <a:solidFill>
-                  <a:schemeClr val="bg1"/>
-                </a:solidFill>
-                <a:latin typeface="배달의민족 주아" panose="02020603020101020101" pitchFamily="18" charset="-127"/>
-                <a:ea typeface="배달의민족 주아" panose="02020603020101020101" pitchFamily="18" charset="-127"/>
-              </a:rPr>
-              <a:t>)</a:t>
-            </a:r>
-          </a:p>
-        </p:txBody>
-      </p:sp>
-      <p:sp>
-        <p:nvSpPr>
-          <p:cNvPr id="5" name="TextBox 4">
-            <a:extLst>
-              <a:ext uri="{FF2B5EF4-FFF2-40B4-BE49-F238E27FC236}">
-                <a16:creationId xmlns:a16="http://schemas.microsoft.com/office/drawing/2014/main" id="{3583565E-7A5D-4BE8-A6FC-1B97D73C5238}"/>
-              </a:ext>
-            </a:extLst>
-          </p:cNvPr>
-          <p:cNvSpPr txBox="1"/>
-          <p:nvPr/>
-        </p:nvSpPr>
-        <p:spPr>
-          <a:xfrm>
-            <a:off x="1673816" y="2660360"/>
-            <a:ext cx="5993077" cy="515526"/>
-          </a:xfrm>
-          <a:prstGeom prst="rect">
-            <a:avLst/>
-          </a:prstGeom>
-          <a:noFill/>
-        </p:spPr>
-        <p:txBody>
-          <a:bodyPr wrap="square" rtlCol="0">
-            <a:spAutoFit/>
-          </a:bodyPr>
-          <a:lstStyle/>
-          <a:p>
-            <a:pPr>
-              <a:lnSpc>
-                <a:spcPts val="3000"/>
-              </a:lnSpc>
-            </a:pPr>
-            <a:r>
-              <a:rPr lang="en-US" altLang="ko-KR" sz="3500" spc="-150" dirty="0">
-                <a:solidFill>
-                  <a:schemeClr val="bg1"/>
-                </a:solidFill>
-                <a:latin typeface="배달의민족 주아" panose="02020603020101020101" pitchFamily="18" charset="-127"/>
-                <a:ea typeface="배달의민족 주아" panose="02020603020101020101" pitchFamily="18" charset="-127"/>
-              </a:rPr>
-              <a:t>def __</a:t>
-            </a:r>
-            <a:r>
-              <a:rPr lang="en-US" altLang="ko-KR" sz="3500" spc="-150" dirty="0" err="1">
-                <a:solidFill>
-                  <a:schemeClr val="bg1"/>
-                </a:solidFill>
-                <a:latin typeface="배달의민족 주아" panose="02020603020101020101" pitchFamily="18" charset="-127"/>
-                <a:ea typeface="배달의민족 주아" panose="02020603020101020101" pitchFamily="18" charset="-127"/>
-              </a:rPr>
-              <a:t>init</a:t>
-            </a:r>
-            <a:r>
-              <a:rPr lang="en-US" altLang="ko-KR" sz="3500" spc="-150" dirty="0">
-                <a:solidFill>
-                  <a:schemeClr val="bg1"/>
-                </a:solidFill>
-                <a:latin typeface="배달의민족 주아" panose="02020603020101020101" pitchFamily="18" charset="-127"/>
-                <a:ea typeface="배달의민족 주아" panose="02020603020101020101" pitchFamily="18" charset="-127"/>
-              </a:rPr>
-              <a:t>__(self, parent = None)</a:t>
-            </a:r>
-          </a:p>
-        </p:txBody>
-      </p:sp>
-      <p:sp>
-        <p:nvSpPr>
-          <p:cNvPr id="6" name="TextBox 5">
-            <a:extLst>
-              <a:ext uri="{FF2B5EF4-FFF2-40B4-BE49-F238E27FC236}">
-                <a16:creationId xmlns:a16="http://schemas.microsoft.com/office/drawing/2014/main" id="{513A35D9-918A-43F2-B11A-FC3EA3167ADE}"/>
-              </a:ext>
-            </a:extLst>
-          </p:cNvPr>
-          <p:cNvSpPr txBox="1"/>
-          <p:nvPr/>
-        </p:nvSpPr>
-        <p:spPr>
-          <a:xfrm>
-            <a:off x="1673816" y="3707567"/>
-            <a:ext cx="5398131" cy="515526"/>
-          </a:xfrm>
-          <a:prstGeom prst="rect">
-            <a:avLst/>
-          </a:prstGeom>
-          <a:noFill/>
-        </p:spPr>
-        <p:txBody>
-          <a:bodyPr wrap="square" rtlCol="0">
-            <a:spAutoFit/>
-          </a:bodyPr>
-          <a:lstStyle/>
-          <a:p>
-            <a:pPr>
-              <a:lnSpc>
-                <a:spcPts val="3000"/>
-              </a:lnSpc>
-            </a:pPr>
-            <a:r>
-              <a:rPr lang="en-US" altLang="ko-KR" sz="3500" spc="-150" dirty="0">
-                <a:solidFill>
-                  <a:schemeClr val="bg1"/>
-                </a:solidFill>
-                <a:latin typeface="배달의민족 주아" panose="02020603020101020101" pitchFamily="18" charset="-127"/>
-                <a:ea typeface="배달의민족 주아" panose="02020603020101020101" pitchFamily="18" charset="-127"/>
-              </a:rPr>
-              <a:t>def </a:t>
-            </a:r>
-            <a:r>
-              <a:rPr lang="en-US" altLang="ko-KR" sz="3500" spc="-150" dirty="0" err="1">
-                <a:solidFill>
-                  <a:schemeClr val="bg1"/>
-                </a:solidFill>
-                <a:latin typeface="배달의민족 주아" panose="02020603020101020101" pitchFamily="18" charset="-127"/>
-                <a:ea typeface="배달의민족 주아" panose="02020603020101020101" pitchFamily="18" charset="-127"/>
-              </a:rPr>
-              <a:t>btnNewGameClicked</a:t>
-            </a:r>
-            <a:r>
-              <a:rPr lang="en-US" altLang="ko-KR" sz="3500" spc="-150" dirty="0">
-                <a:solidFill>
-                  <a:schemeClr val="bg1"/>
-                </a:solidFill>
-                <a:latin typeface="배달의민족 주아" panose="02020603020101020101" pitchFamily="18" charset="-127"/>
-                <a:ea typeface="배달의민족 주아" panose="02020603020101020101" pitchFamily="18" charset="-127"/>
-              </a:rPr>
-              <a:t>(self)</a:t>
-            </a:r>
-          </a:p>
-        </p:txBody>
-      </p:sp>
-      <p:sp>
-        <p:nvSpPr>
-          <p:cNvPr id="7" name="TextBox 6">
-            <a:extLst>
-              <a:ext uri="{FF2B5EF4-FFF2-40B4-BE49-F238E27FC236}">
-                <a16:creationId xmlns:a16="http://schemas.microsoft.com/office/drawing/2014/main" id="{6EB5A3DD-127C-45DB-92B0-577B2EF1828C}"/>
-              </a:ext>
-            </a:extLst>
-          </p:cNvPr>
-          <p:cNvSpPr txBox="1"/>
-          <p:nvPr/>
-        </p:nvSpPr>
-        <p:spPr>
-          <a:xfrm>
-            <a:off x="1673816" y="4754775"/>
-            <a:ext cx="5398131" cy="515526"/>
-          </a:xfrm>
-          <a:prstGeom prst="rect">
-            <a:avLst/>
-          </a:prstGeom>
-          <a:noFill/>
-        </p:spPr>
-        <p:txBody>
-          <a:bodyPr wrap="square" rtlCol="0">
-            <a:spAutoFit/>
-          </a:bodyPr>
-          <a:lstStyle/>
-          <a:p>
-            <a:pPr>
-              <a:lnSpc>
-                <a:spcPts val="3000"/>
-              </a:lnSpc>
-            </a:pPr>
-            <a:r>
-              <a:rPr lang="en-US" altLang="ko-KR" sz="3500" spc="-150" dirty="0">
-                <a:solidFill>
-                  <a:schemeClr val="bg1"/>
-                </a:solidFill>
-                <a:latin typeface="배달의민족 주아" panose="02020603020101020101" pitchFamily="18" charset="-127"/>
-                <a:ea typeface="배달의민족 주아" panose="02020603020101020101" pitchFamily="18" charset="-127"/>
-              </a:rPr>
-              <a:t>def </a:t>
-            </a:r>
-            <a:r>
-              <a:rPr lang="en-US" altLang="ko-KR" sz="3500" spc="-150" dirty="0" err="1">
-                <a:solidFill>
-                  <a:schemeClr val="bg1"/>
-                </a:solidFill>
-                <a:latin typeface="배달의민족 주아" panose="02020603020101020101" pitchFamily="18" charset="-127"/>
-                <a:ea typeface="배달의민족 주아" panose="02020603020101020101" pitchFamily="18" charset="-127"/>
-              </a:rPr>
-              <a:t>keyPressEvent</a:t>
-            </a:r>
-            <a:r>
-              <a:rPr lang="en-US" altLang="ko-KR" sz="3500" spc="-150" dirty="0">
-                <a:solidFill>
-                  <a:schemeClr val="bg1"/>
-                </a:solidFill>
-                <a:latin typeface="배달의민족 주아" panose="02020603020101020101" pitchFamily="18" charset="-127"/>
-                <a:ea typeface="배달의민족 주아" panose="02020603020101020101" pitchFamily="18" charset="-127"/>
-              </a:rPr>
-              <a:t>(self, e)</a:t>
-            </a:r>
-          </a:p>
-        </p:txBody>
-      </p:sp>
-    </p:spTree>
-    <p:extLst>
-      <p:ext uri="{BB962C8B-B14F-4D97-AF65-F5344CB8AC3E}">
-        <p14:creationId xmlns:p14="http://schemas.microsoft.com/office/powerpoint/2010/main" val="1547208706"/>
+        <p14:creationId xmlns:p14="http://schemas.microsoft.com/office/powerpoint/2010/main" val="3042070258"/>
       </p:ext>
     </p:extLst>
   </p:cSld>
@@ -2880,20 +3057,14 @@
       </p:grpSpPr>
       <p:sp>
         <p:nvSpPr>
-          <p:cNvPr id="3" name="TextBox 2">
-            <a:extLst>
-              <a:ext uri="{FF2B5EF4-FFF2-40B4-BE49-F238E27FC236}">
-                <a16:creationId xmlns:a16="http://schemas.microsoft.com/office/drawing/2014/main" id="{62BF8E07-BEF5-4AC5-92E2-97513FF42373}"/>
-              </a:ext>
-            </a:extLst>
-          </p:cNvPr>
+          <p:cNvPr id="6" name="TextBox 5"/>
           <p:cNvSpPr txBox="1"/>
           <p:nvPr/>
         </p:nvSpPr>
         <p:spPr>
           <a:xfrm>
-            <a:off x="993878" y="646335"/>
-            <a:ext cx="2631281" cy="553998"/>
+            <a:off x="816858" y="795219"/>
+            <a:ext cx="2631281" cy="515526"/>
           </a:xfrm>
           <a:prstGeom prst="rect">
             <a:avLst/>
@@ -2912,51 +3083,15 @@
               </a:lnSpc>
             </a:pPr>
             <a:r>
-              <a:rPr lang="en-US" altLang="ko-KR" sz="4500" spc="-150" dirty="0">
-                <a:solidFill>
-                  <a:schemeClr val="bg1"/>
-                </a:solidFill>
-                <a:latin typeface="배달의민족 주아" panose="02020603020101020101" pitchFamily="18" charset="-127"/>
-                <a:ea typeface="배달의민족 주아" panose="02020603020101020101" pitchFamily="18" charset="-127"/>
-              </a:rPr>
-              <a:t>fire.py</a:t>
-            </a:r>
-          </a:p>
-        </p:txBody>
-      </p:sp>
-      <p:sp>
-        <p:nvSpPr>
-          <p:cNvPr id="4" name="TextBox 3">
-            <a:extLst>
-              <a:ext uri="{FF2B5EF4-FFF2-40B4-BE49-F238E27FC236}">
-                <a16:creationId xmlns:a16="http://schemas.microsoft.com/office/drawing/2014/main" id="{D5CC1F70-E3B6-4839-9912-E2B363B3A3BA}"/>
-              </a:ext>
-            </a:extLst>
-          </p:cNvPr>
-          <p:cNvSpPr txBox="1"/>
-          <p:nvPr/>
-        </p:nvSpPr>
-        <p:spPr>
-          <a:xfrm>
-            <a:off x="571847" y="1631516"/>
-            <a:ext cx="5398131" cy="515526"/>
-          </a:xfrm>
-          <a:prstGeom prst="rect">
-            <a:avLst/>
-          </a:prstGeom>
-          <a:noFill/>
-        </p:spPr>
-        <p:txBody>
-          <a:bodyPr wrap="square" rtlCol="0">
-            <a:spAutoFit/>
-          </a:bodyPr>
-          <a:lstStyle/>
-          <a:p>
-            <a:pPr>
-              <a:lnSpc>
-                <a:spcPts val="3000"/>
-              </a:lnSpc>
-            </a:pPr>
+              <a:rPr lang="ko-KR" altLang="en-US" sz="3500" spc="-150" dirty="0">
+                <a:solidFill>
+                  <a:schemeClr val="bg1"/>
+                </a:solidFill>
+                <a:latin typeface="배달의민족 주아" panose="02020603020101020101" pitchFamily="18" charset="-127"/>
+                <a:ea typeface="배달의민족 주아" panose="02020603020101020101" pitchFamily="18" charset="-127"/>
+              </a:rPr>
+              <a:t>게임</a:t>
+            </a:r>
             <a:r>
               <a:rPr lang="en-US" altLang="ko-KR" sz="3500" spc="-150" dirty="0">
                 <a:solidFill>
@@ -2965,128 +3100,19 @@
                 <a:latin typeface="배달의민족 주아" panose="02020603020101020101" pitchFamily="18" charset="-127"/>
                 <a:ea typeface="배달의민족 주아" panose="02020603020101020101" pitchFamily="18" charset="-127"/>
               </a:rPr>
-              <a:t>class Fire</a:t>
-            </a:r>
-          </a:p>
-        </p:txBody>
-      </p:sp>
-      <p:sp>
-        <p:nvSpPr>
-          <p:cNvPr id="5" name="TextBox 4">
-            <a:extLst>
-              <a:ext uri="{FF2B5EF4-FFF2-40B4-BE49-F238E27FC236}">
-                <a16:creationId xmlns:a16="http://schemas.microsoft.com/office/drawing/2014/main" id="{3583565E-7A5D-4BE8-A6FC-1B97D73C5238}"/>
-              </a:ext>
-            </a:extLst>
-          </p:cNvPr>
-          <p:cNvSpPr txBox="1"/>
-          <p:nvPr/>
-        </p:nvSpPr>
-        <p:spPr>
-          <a:xfrm>
-            <a:off x="1436424" y="2381793"/>
-            <a:ext cx="5993077" cy="515526"/>
-          </a:xfrm>
-          <a:prstGeom prst="rect">
-            <a:avLst/>
-          </a:prstGeom>
-          <a:noFill/>
-        </p:spPr>
-        <p:txBody>
-          <a:bodyPr wrap="square" rtlCol="0">
-            <a:spAutoFit/>
-          </a:bodyPr>
-          <a:lstStyle/>
-          <a:p>
-            <a:pPr>
-              <a:lnSpc>
-                <a:spcPts val="3000"/>
-              </a:lnSpc>
-            </a:pPr>
-            <a:r>
-              <a:rPr lang="en-US" altLang="ko-KR" sz="3500" spc="-150" dirty="0">
-                <a:solidFill>
-                  <a:schemeClr val="bg1"/>
-                </a:solidFill>
-                <a:latin typeface="배달의민족 주아" panose="02020603020101020101" pitchFamily="18" charset="-127"/>
-                <a:ea typeface="배달의민족 주아" panose="02020603020101020101" pitchFamily="18" charset="-127"/>
-              </a:rPr>
-              <a:t>def __</a:t>
-            </a:r>
-            <a:r>
-              <a:rPr lang="en-US" altLang="ko-KR" sz="3500" spc="-150" dirty="0" err="1">
-                <a:solidFill>
-                  <a:schemeClr val="bg1"/>
-                </a:solidFill>
-                <a:latin typeface="배달의민족 주아" panose="02020603020101020101" pitchFamily="18" charset="-127"/>
-                <a:ea typeface="배달의민족 주아" panose="02020603020101020101" pitchFamily="18" charset="-127"/>
-              </a:rPr>
-              <a:t>init</a:t>
-            </a:r>
-            <a:r>
-              <a:rPr lang="en-US" altLang="ko-KR" sz="3500" spc="-150" dirty="0">
-                <a:solidFill>
-                  <a:schemeClr val="bg1"/>
-                </a:solidFill>
-                <a:latin typeface="배달의민족 주아" panose="02020603020101020101" pitchFamily="18" charset="-127"/>
-                <a:ea typeface="배달의민족 주아" panose="02020603020101020101" pitchFamily="18" charset="-127"/>
-              </a:rPr>
-              <a:t>__(self)</a:t>
-            </a:r>
-          </a:p>
-        </p:txBody>
-      </p:sp>
-      <p:sp>
-        <p:nvSpPr>
-          <p:cNvPr id="6" name="TextBox 5">
-            <a:extLst>
-              <a:ext uri="{FF2B5EF4-FFF2-40B4-BE49-F238E27FC236}">
-                <a16:creationId xmlns:a16="http://schemas.microsoft.com/office/drawing/2014/main" id="{513A35D9-918A-43F2-B11A-FC3EA3167ADE}"/>
-              </a:ext>
-            </a:extLst>
-          </p:cNvPr>
-          <p:cNvSpPr txBox="1"/>
-          <p:nvPr/>
-        </p:nvSpPr>
-        <p:spPr>
-          <a:xfrm>
-            <a:off x="1436423" y="3429000"/>
-            <a:ext cx="8226324" cy="3208571"/>
-          </a:xfrm>
-          <a:prstGeom prst="rect">
-            <a:avLst/>
-          </a:prstGeom>
-          <a:noFill/>
-        </p:spPr>
-        <p:txBody>
-          <a:bodyPr wrap="square" rtlCol="0">
-            <a:spAutoFit/>
-          </a:bodyPr>
-          <a:lstStyle/>
-          <a:p>
-            <a:pPr>
-              <a:lnSpc>
-                <a:spcPts val="3000"/>
-              </a:lnSpc>
-            </a:pPr>
-            <a:r>
-              <a:rPr lang="en-US" altLang="ko-KR" sz="3500" spc="-150" dirty="0">
-                <a:solidFill>
-                  <a:schemeClr val="bg1"/>
-                </a:solidFill>
-                <a:latin typeface="배달의민족 주아" panose="02020603020101020101" pitchFamily="18" charset="-127"/>
-                <a:ea typeface="배달의민족 주아" panose="02020603020101020101" pitchFamily="18" charset="-127"/>
-              </a:rPr>
-              <a:t>def parabola(self, angle, power)</a:t>
-            </a:r>
-          </a:p>
-          <a:p>
-            <a:pPr>
-              <a:lnSpc>
-                <a:spcPts val="3000"/>
-              </a:lnSpc>
-            </a:pPr>
-            <a:endParaRPr lang="en-US" altLang="ko-KR" sz="1000" spc="-150" dirty="0">
+              <a:t> </a:t>
+            </a:r>
+            <a:r>
+              <a:rPr lang="ko-KR" altLang="en-US" sz="3500" spc="-150" dirty="0">
+                <a:solidFill>
+                  <a:schemeClr val="bg1"/>
+                </a:solidFill>
+                <a:latin typeface="배달의민족 주아" panose="02020603020101020101" pitchFamily="18" charset="-127"/>
+                <a:ea typeface="배달의민족 주아" panose="02020603020101020101" pitchFamily="18" charset="-127"/>
+              </a:rPr>
+              <a:t>시연 영상</a:t>
+            </a:r>
+            <a:endParaRPr lang="en-US" altLang="ko-KR" sz="3500" spc="-150" dirty="0">
               <a:solidFill>
                 <a:schemeClr val="bg1"/>
               </a:solidFill>
@@ -3094,244 +3120,262 @@
               <a:ea typeface="배달의민족 주아" panose="02020603020101020101" pitchFamily="18" charset="-127"/>
             </a:endParaRPr>
           </a:p>
-          <a:p>
-            <a:pPr>
-              <a:lnSpc>
-                <a:spcPts val="3000"/>
-              </a:lnSpc>
-            </a:pPr>
-            <a:r>
-              <a:rPr lang="en-US" altLang="ko-KR" sz="3500" spc="-150" dirty="0">
-                <a:solidFill>
-                  <a:schemeClr val="bg1"/>
-                </a:solidFill>
-                <a:latin typeface="배달의민족 주아" panose="02020603020101020101" pitchFamily="18" charset="-127"/>
-                <a:ea typeface="배달의민족 주아" panose="02020603020101020101" pitchFamily="18" charset="-127"/>
-              </a:rPr>
-              <a:t>    </a:t>
-            </a:r>
-            <a:r>
-              <a:rPr lang="en-US" altLang="ko-KR" spc="-150" dirty="0">
-                <a:solidFill>
-                  <a:schemeClr val="bg1"/>
-                </a:solidFill>
-                <a:latin typeface="배달의민족 주아" panose="02020603020101020101" pitchFamily="18" charset="-127"/>
-                <a:ea typeface="배달의민족 주아" panose="02020603020101020101" pitchFamily="18" charset="-127"/>
-              </a:rPr>
-              <a:t>while y &gt;= 0:</a:t>
-            </a:r>
-          </a:p>
-          <a:p>
-            <a:pPr>
-              <a:lnSpc>
-                <a:spcPts val="3000"/>
-              </a:lnSpc>
-            </a:pPr>
-            <a:r>
-              <a:rPr lang="en-US" altLang="ko-KR" spc="-150" dirty="0">
-                <a:solidFill>
-                  <a:schemeClr val="bg1"/>
-                </a:solidFill>
-                <a:latin typeface="배달의민족 주아" panose="02020603020101020101" pitchFamily="18" charset="-127"/>
-                <a:ea typeface="배달의민족 주아" panose="02020603020101020101" pitchFamily="18" charset="-127"/>
-              </a:rPr>
-              <a:t>          	x = int((power * </a:t>
-            </a:r>
-            <a:r>
-              <a:rPr lang="en-US" altLang="ko-KR" spc="-150" dirty="0" err="1">
-                <a:solidFill>
-                  <a:schemeClr val="bg1"/>
-                </a:solidFill>
-                <a:latin typeface="배달의민족 주아" panose="02020603020101020101" pitchFamily="18" charset="-127"/>
-                <a:ea typeface="배달의민족 주아" panose="02020603020101020101" pitchFamily="18" charset="-127"/>
-              </a:rPr>
-              <a:t>math.cos</a:t>
-            </a:r>
-            <a:r>
-              <a:rPr lang="en-US" altLang="ko-KR" spc="-150" dirty="0">
-                <a:solidFill>
-                  <a:schemeClr val="bg1"/>
-                </a:solidFill>
-                <a:latin typeface="배달의민족 주아" panose="02020603020101020101" pitchFamily="18" charset="-127"/>
-                <a:ea typeface="배달의민족 주아" panose="02020603020101020101" pitchFamily="18" charset="-127"/>
-              </a:rPr>
-              <a:t>(angle * </a:t>
-            </a:r>
-            <a:r>
-              <a:rPr lang="en-US" altLang="ko-KR" spc="-150" dirty="0" err="1">
-                <a:solidFill>
-                  <a:schemeClr val="bg1"/>
-                </a:solidFill>
-                <a:latin typeface="배달의민족 주아" panose="02020603020101020101" pitchFamily="18" charset="-127"/>
-                <a:ea typeface="배달의민족 주아" panose="02020603020101020101" pitchFamily="18" charset="-127"/>
-              </a:rPr>
-              <a:t>math.pi</a:t>
-            </a:r>
-            <a:r>
-              <a:rPr lang="en-US" altLang="ko-KR" spc="-150" dirty="0">
-                <a:solidFill>
-                  <a:schemeClr val="bg1"/>
-                </a:solidFill>
-                <a:latin typeface="배달의민족 주아" panose="02020603020101020101" pitchFamily="18" charset="-127"/>
-                <a:ea typeface="배달의민족 주아" panose="02020603020101020101" pitchFamily="18" charset="-127"/>
-              </a:rPr>
-              <a:t> / 180)) * t)</a:t>
-            </a:r>
-          </a:p>
-          <a:p>
-            <a:pPr>
-              <a:lnSpc>
-                <a:spcPts val="3000"/>
-              </a:lnSpc>
-            </a:pPr>
-            <a:r>
-              <a:rPr lang="en-US" altLang="ko-KR" spc="-150" dirty="0">
-                <a:solidFill>
-                  <a:schemeClr val="bg1"/>
-                </a:solidFill>
-                <a:latin typeface="배달의민족 주아" panose="02020603020101020101" pitchFamily="18" charset="-127"/>
-                <a:ea typeface="배달의민족 주아" panose="02020603020101020101" pitchFamily="18" charset="-127"/>
-              </a:rPr>
-              <a:t>          	y = int(((power * </a:t>
-            </a:r>
-            <a:r>
-              <a:rPr lang="en-US" altLang="ko-KR" spc="-150" dirty="0" err="1">
-                <a:solidFill>
-                  <a:schemeClr val="bg1"/>
-                </a:solidFill>
-                <a:latin typeface="배달의민족 주아" panose="02020603020101020101" pitchFamily="18" charset="-127"/>
-                <a:ea typeface="배달의민족 주아" panose="02020603020101020101" pitchFamily="18" charset="-127"/>
-              </a:rPr>
-              <a:t>math.sin</a:t>
-            </a:r>
-            <a:r>
-              <a:rPr lang="en-US" altLang="ko-KR" spc="-150" dirty="0">
-                <a:solidFill>
-                  <a:schemeClr val="bg1"/>
-                </a:solidFill>
-                <a:latin typeface="배달의민족 주아" panose="02020603020101020101" pitchFamily="18" charset="-127"/>
-                <a:ea typeface="배달의민족 주아" panose="02020603020101020101" pitchFamily="18" charset="-127"/>
-              </a:rPr>
-              <a:t>(angle * </a:t>
-            </a:r>
-            <a:r>
-              <a:rPr lang="en-US" altLang="ko-KR" spc="-150" dirty="0" err="1">
-                <a:solidFill>
-                  <a:schemeClr val="bg1"/>
-                </a:solidFill>
-                <a:latin typeface="배달의민족 주아" panose="02020603020101020101" pitchFamily="18" charset="-127"/>
-                <a:ea typeface="배달의민족 주아" panose="02020603020101020101" pitchFamily="18" charset="-127"/>
-              </a:rPr>
-              <a:t>math.pi</a:t>
-            </a:r>
-            <a:r>
-              <a:rPr lang="en-US" altLang="ko-KR" spc="-150" dirty="0">
-                <a:solidFill>
-                  <a:schemeClr val="bg1"/>
-                </a:solidFill>
-                <a:latin typeface="배달의민족 주아" panose="02020603020101020101" pitchFamily="18" charset="-127"/>
-                <a:ea typeface="배달의민족 주아" panose="02020603020101020101" pitchFamily="18" charset="-127"/>
-              </a:rPr>
-              <a:t> / 180)) * t) - (0.5 * g * t * t))</a:t>
-            </a:r>
-          </a:p>
-          <a:p>
-            <a:pPr>
-              <a:lnSpc>
-                <a:spcPts val="3000"/>
-              </a:lnSpc>
-            </a:pPr>
-            <a:r>
-              <a:rPr lang="en-US" altLang="ko-KR" spc="-150" dirty="0">
-                <a:solidFill>
-                  <a:schemeClr val="bg1"/>
-                </a:solidFill>
-                <a:latin typeface="배달의민족 주아" panose="02020603020101020101" pitchFamily="18" charset="-127"/>
-                <a:ea typeface="배달의민족 주아" panose="02020603020101020101" pitchFamily="18" charset="-127"/>
-              </a:rPr>
-              <a:t>          	</a:t>
-            </a:r>
-            <a:r>
-              <a:rPr lang="en-US" altLang="ko-KR" spc="-150" dirty="0" err="1">
-                <a:solidFill>
-                  <a:schemeClr val="bg1"/>
-                </a:solidFill>
-                <a:latin typeface="배달의민족 주아" panose="02020603020101020101" pitchFamily="18" charset="-127"/>
-                <a:ea typeface="배달의민족 주아" panose="02020603020101020101" pitchFamily="18" charset="-127"/>
-              </a:rPr>
-              <a:t>pointlist.append</a:t>
-            </a:r>
-            <a:r>
-              <a:rPr lang="en-US" altLang="ko-KR" spc="-150" dirty="0">
-                <a:solidFill>
-                  <a:schemeClr val="bg1"/>
-                </a:solidFill>
-                <a:latin typeface="배달의민족 주아" panose="02020603020101020101" pitchFamily="18" charset="-127"/>
-                <a:ea typeface="배달의민족 주아" panose="02020603020101020101" pitchFamily="18" charset="-127"/>
-              </a:rPr>
-              <a:t>((x//20, y//20)) if y//20 &gt;= -2 else </a:t>
-            </a:r>
-            <a:r>
-              <a:rPr lang="en-US" altLang="ko-KR" spc="-150" dirty="0" err="1">
-                <a:solidFill>
-                  <a:schemeClr val="bg1"/>
-                </a:solidFill>
-                <a:latin typeface="배달의민족 주아" panose="02020603020101020101" pitchFamily="18" charset="-127"/>
-                <a:ea typeface="배달의민족 주아" panose="02020603020101020101" pitchFamily="18" charset="-127"/>
-              </a:rPr>
-              <a:t>pointlist.append</a:t>
-            </a:r>
-            <a:r>
-              <a:rPr lang="en-US" altLang="ko-KR" spc="-150" dirty="0">
-                <a:solidFill>
-                  <a:schemeClr val="bg1"/>
-                </a:solidFill>
-                <a:latin typeface="배달의민족 주아" panose="02020603020101020101" pitchFamily="18" charset="-127"/>
-                <a:ea typeface="배달의민족 주아" panose="02020603020101020101" pitchFamily="18" charset="-127"/>
-              </a:rPr>
-              <a:t>((x//20, -2))</a:t>
-            </a:r>
-          </a:p>
-          <a:p>
-            <a:pPr>
-              <a:lnSpc>
-                <a:spcPts val="3000"/>
-              </a:lnSpc>
-            </a:pPr>
-            <a:r>
-              <a:rPr lang="en-US" altLang="ko-KR" spc="-150" dirty="0">
-                <a:solidFill>
-                  <a:schemeClr val="bg1"/>
-                </a:solidFill>
-                <a:latin typeface="배달의민족 주아" panose="02020603020101020101" pitchFamily="18" charset="-127"/>
-                <a:ea typeface="배달의민족 주아" panose="02020603020101020101" pitchFamily="18" charset="-127"/>
-              </a:rPr>
-              <a:t>          	t += 1</a:t>
-            </a:r>
-          </a:p>
-          <a:p>
-            <a:pPr>
-              <a:lnSpc>
-                <a:spcPts val="3000"/>
-              </a:lnSpc>
-            </a:pPr>
-            <a:r>
-              <a:rPr lang="en-US" altLang="ko-KR" sz="3500" spc="-150" dirty="0">
-                <a:solidFill>
-                  <a:schemeClr val="bg1"/>
-                </a:solidFill>
-                <a:latin typeface="배달의민족 주아" panose="02020603020101020101" pitchFamily="18" charset="-127"/>
-                <a:ea typeface="배달의민족 주아" panose="02020603020101020101" pitchFamily="18" charset="-127"/>
-              </a:rPr>
-              <a:t>	</a:t>
-            </a:r>
-          </a:p>
-        </p:txBody>
-      </p:sp>
+        </p:txBody>
+      </p:sp>
+      <p:sp>
+        <p:nvSpPr>
+          <p:cNvPr id="7" name="Rectangle 6"/>
+          <p:cNvSpPr/>
+          <p:nvPr/>
+        </p:nvSpPr>
+        <p:spPr>
+          <a:xfrm>
+            <a:off x="705277" y="3253368"/>
+            <a:ext cx="2521500" cy="2246769"/>
+          </a:xfrm>
+          <a:prstGeom prst="rect">
+            <a:avLst/>
+          </a:prstGeom>
+        </p:spPr>
+        <p:txBody>
+          <a:bodyPr wrap="square">
+            <a:spAutoFit/>
+          </a:bodyPr>
+          <a:lstStyle/>
+          <a:p>
+            <a:r>
+              <a:rPr lang="en-US" altLang="ko-KR" sz="2000" dirty="0">
+                <a:solidFill>
+                  <a:srgbClr val="FFFF00"/>
+                </a:solidFill>
+                <a:latin typeface="배달의민족 주아" panose="02020603020101020101" pitchFamily="18" charset="-127"/>
+                <a:ea typeface="배달의민족 주아" panose="02020603020101020101" pitchFamily="18" charset="-127"/>
+              </a:rPr>
+              <a:t>1. New Game! </a:t>
+            </a:r>
+            <a:r>
+              <a:rPr lang="ko-KR" altLang="en-US" sz="2000" dirty="0">
+                <a:solidFill>
+                  <a:srgbClr val="FFFF00"/>
+                </a:solidFill>
+                <a:latin typeface="배달의민족 주아" panose="02020603020101020101" pitchFamily="18" charset="-127"/>
+                <a:ea typeface="배달의민족 주아" panose="02020603020101020101" pitchFamily="18" charset="-127"/>
+              </a:rPr>
+              <a:t>버튼</a:t>
+            </a:r>
+            <a:r>
+              <a:rPr lang="en-US" altLang="ko-KR" sz="2000" dirty="0">
+                <a:solidFill>
+                  <a:srgbClr val="FFFF00"/>
+                </a:solidFill>
+                <a:latin typeface="배달의민족 주아" panose="02020603020101020101" pitchFamily="18" charset="-127"/>
+                <a:ea typeface="배달의민족 주아" panose="02020603020101020101" pitchFamily="18" charset="-127"/>
+              </a:rPr>
+              <a:t> </a:t>
+            </a:r>
+          </a:p>
+          <a:p>
+            <a:endParaRPr lang="en-US" altLang="ko-KR" sz="2000" dirty="0">
+              <a:solidFill>
+                <a:schemeClr val="bg1"/>
+              </a:solidFill>
+              <a:latin typeface="배달의민족 주아" panose="02020603020101020101" pitchFamily="18" charset="-127"/>
+              <a:ea typeface="배달의민족 주아" panose="02020603020101020101" pitchFamily="18" charset="-127"/>
+            </a:endParaRPr>
+          </a:p>
+          <a:p>
+            <a:r>
+              <a:rPr lang="en-US" altLang="ko-KR" sz="2000" dirty="0">
+                <a:solidFill>
+                  <a:schemeClr val="bg1"/>
+                </a:solidFill>
+                <a:latin typeface="배달의민족 주아" panose="02020603020101020101" pitchFamily="18" charset="-127"/>
+                <a:ea typeface="배달의민족 주아" panose="02020603020101020101" pitchFamily="18" charset="-127"/>
+              </a:rPr>
+              <a:t>2. File! </a:t>
+            </a:r>
+            <a:r>
+              <a:rPr lang="ko-KR" altLang="en-US" sz="2000" dirty="0">
+                <a:solidFill>
+                  <a:schemeClr val="bg1"/>
+                </a:solidFill>
+                <a:latin typeface="배달의민족 주아" panose="02020603020101020101" pitchFamily="18" charset="-127"/>
+                <a:ea typeface="배달의민족 주아" panose="02020603020101020101" pitchFamily="18" charset="-127"/>
+              </a:rPr>
+              <a:t>버튼</a:t>
+            </a:r>
+            <a:endParaRPr lang="en-US" altLang="ko-KR" sz="2000" dirty="0">
+              <a:solidFill>
+                <a:schemeClr val="bg1"/>
+              </a:solidFill>
+              <a:latin typeface="배달의민족 주아" panose="02020603020101020101" pitchFamily="18" charset="-127"/>
+              <a:ea typeface="배달의민족 주아" panose="02020603020101020101" pitchFamily="18" charset="-127"/>
+            </a:endParaRPr>
+          </a:p>
+          <a:p>
+            <a:endParaRPr lang="en-US" altLang="ko-KR" sz="2000" dirty="0">
+              <a:solidFill>
+                <a:schemeClr val="bg1"/>
+              </a:solidFill>
+              <a:latin typeface="배달의민족 주아" panose="02020603020101020101" pitchFamily="18" charset="-127"/>
+              <a:ea typeface="배달의민족 주아" panose="02020603020101020101" pitchFamily="18" charset="-127"/>
+            </a:endParaRPr>
+          </a:p>
+          <a:p>
+            <a:r>
+              <a:rPr lang="en-US" altLang="ko-KR" sz="2000" dirty="0">
+                <a:solidFill>
+                  <a:schemeClr val="bg1"/>
+                </a:solidFill>
+                <a:latin typeface="배달의민족 주아" panose="02020603020101020101" pitchFamily="18" charset="-127"/>
+                <a:ea typeface="배달의민족 주아" panose="02020603020101020101" pitchFamily="18" charset="-127"/>
+              </a:rPr>
+              <a:t>3. </a:t>
+            </a:r>
+            <a:r>
+              <a:rPr lang="ko-KR" altLang="en-US" sz="2000" dirty="0">
+                <a:solidFill>
+                  <a:schemeClr val="bg1"/>
+                </a:solidFill>
+                <a:latin typeface="배달의민족 주아" panose="02020603020101020101" pitchFamily="18" charset="-127"/>
+                <a:ea typeface="배달의민족 주아" panose="02020603020101020101" pitchFamily="18" charset="-127"/>
+              </a:rPr>
+              <a:t>목표를 못 맞춘 경우</a:t>
+            </a:r>
+            <a:endParaRPr lang="en-US" altLang="ko-KR" sz="2000" dirty="0">
+              <a:solidFill>
+                <a:schemeClr val="bg1"/>
+              </a:solidFill>
+              <a:latin typeface="배달의민족 주아" panose="02020603020101020101" pitchFamily="18" charset="-127"/>
+              <a:ea typeface="배달의민족 주아" panose="02020603020101020101" pitchFamily="18" charset="-127"/>
+            </a:endParaRPr>
+          </a:p>
+          <a:p>
+            <a:endParaRPr lang="en-US" altLang="ko-KR" sz="2000" dirty="0">
+              <a:solidFill>
+                <a:schemeClr val="bg1"/>
+              </a:solidFill>
+              <a:latin typeface="배달의민족 주아" panose="02020603020101020101" pitchFamily="18" charset="-127"/>
+              <a:ea typeface="배달의민족 주아" panose="02020603020101020101" pitchFamily="18" charset="-127"/>
+            </a:endParaRPr>
+          </a:p>
+          <a:p>
+            <a:r>
+              <a:rPr lang="en-US" altLang="ko-KR" sz="2000" dirty="0">
+                <a:solidFill>
+                  <a:schemeClr val="bg1"/>
+                </a:solidFill>
+                <a:latin typeface="배달의민족 주아" panose="02020603020101020101" pitchFamily="18" charset="-127"/>
+                <a:ea typeface="배달의민족 주아" panose="02020603020101020101" pitchFamily="18" charset="-127"/>
+              </a:rPr>
+              <a:t>4. </a:t>
+            </a:r>
+            <a:r>
+              <a:rPr lang="ko-KR" altLang="en-US" sz="2000" dirty="0">
+                <a:solidFill>
+                  <a:schemeClr val="bg1"/>
+                </a:solidFill>
+                <a:latin typeface="배달의민족 주아" panose="02020603020101020101" pitchFamily="18" charset="-127"/>
+                <a:ea typeface="배달의민족 주아" panose="02020603020101020101" pitchFamily="18" charset="-127"/>
+              </a:rPr>
+              <a:t>목표를 맞춘 경우</a:t>
+            </a:r>
+            <a:endParaRPr lang="en-US" altLang="ko-KR" sz="2000" dirty="0">
+              <a:solidFill>
+                <a:schemeClr val="bg1"/>
+              </a:solidFill>
+              <a:latin typeface="배달의민족 주아" panose="02020603020101020101" pitchFamily="18" charset="-127"/>
+              <a:ea typeface="배달의민족 주아" panose="02020603020101020101" pitchFamily="18" charset="-127"/>
+            </a:endParaRPr>
+          </a:p>
+        </p:txBody>
+      </p:sp>
+      <p:sp>
+        <p:nvSpPr>
+          <p:cNvPr id="10" name="Rectangle 9"/>
+          <p:cNvSpPr/>
+          <p:nvPr/>
+        </p:nvSpPr>
+        <p:spPr>
+          <a:xfrm>
+            <a:off x="3448139" y="1310745"/>
+            <a:ext cx="5196838" cy="4572000"/>
+          </a:xfrm>
+          <a:prstGeom prst="rect">
+            <a:avLst/>
+          </a:prstGeom>
+          <a:noFill/>
+          <a:ln w="127000">
+            <a:solidFill>
+              <a:schemeClr val="bg1"/>
+            </a:solidFill>
+          </a:ln>
+        </p:spPr>
+        <p:style>
+          <a:lnRef idx="2">
+            <a:schemeClr val="accent1">
+              <a:shade val="50000"/>
+            </a:schemeClr>
+          </a:lnRef>
+          <a:fillRef idx="1">
+            <a:schemeClr val="accent1"/>
+          </a:fillRef>
+          <a:effectRef idx="0">
+            <a:schemeClr val="accent1"/>
+          </a:effectRef>
+          <a:fontRef idx="minor">
+            <a:schemeClr val="lt1"/>
+          </a:fontRef>
+        </p:style>
+        <p:txBody>
+          <a:bodyPr rtlCol="0" anchor="ctr"/>
+          <a:lstStyle/>
+          <a:p>
+            <a:pPr algn="ctr"/>
+            <a:endParaRPr lang="ko-KR" altLang="en-US" dirty="0"/>
+          </a:p>
+        </p:txBody>
+      </p:sp>
+      <p:pic>
+        <p:nvPicPr>
+          <p:cNvPr id="3" name="그림 2">
+            <a:extLst>
+              <a:ext uri="{FF2B5EF4-FFF2-40B4-BE49-F238E27FC236}">
+                <a16:creationId xmlns:a16="http://schemas.microsoft.com/office/drawing/2014/main" id="{C13D0E27-11D3-4517-87E0-1F9396F41B83}"/>
+              </a:ext>
+            </a:extLst>
+          </p:cNvPr>
+          <p:cNvPicPr>
+            <a:picLocks noChangeAspect="1"/>
+          </p:cNvPicPr>
+          <p:nvPr/>
+        </p:nvPicPr>
+        <p:blipFill>
+          <a:blip r:embed="rId2">
+            <a:extLst>
+              <a:ext uri="{28A0092B-C50C-407E-A947-70E740481C1C}">
+                <a14:useLocalDpi xmlns:a14="http://schemas.microsoft.com/office/drawing/2010/main" val="0"/>
+              </a:ext>
+            </a:extLst>
+          </a:blip>
+          <a:stretch>
+            <a:fillRect/>
+          </a:stretch>
+        </p:blipFill>
+        <p:spPr>
+          <a:xfrm>
+            <a:off x="3515070" y="1376011"/>
+            <a:ext cx="5074193" cy="4439573"/>
+          </a:xfrm>
+          <a:prstGeom prst="rect">
+            <a:avLst/>
+          </a:prstGeom>
+        </p:spPr>
+      </p:pic>
     </p:spTree>
     <p:extLst>
       <p:ext uri="{BB962C8B-B14F-4D97-AF65-F5344CB8AC3E}">
-        <p14:creationId xmlns:p14="http://schemas.microsoft.com/office/powerpoint/2010/main" val="22191321"/>
+        <p14:creationId xmlns:p14="http://schemas.microsoft.com/office/powerpoint/2010/main" val="1270712176"/>
       </p:ext>
     </p:extLst>
   </p:cSld>
@@ -3360,20 +3404,14 @@
       </p:grpSpPr>
       <p:sp>
         <p:nvSpPr>
-          <p:cNvPr id="3" name="TextBox 2">
-            <a:extLst>
-              <a:ext uri="{FF2B5EF4-FFF2-40B4-BE49-F238E27FC236}">
-                <a16:creationId xmlns:a16="http://schemas.microsoft.com/office/drawing/2014/main" id="{62BF8E07-BEF5-4AC5-92E2-97513FF42373}"/>
-              </a:ext>
-            </a:extLst>
-          </p:cNvPr>
+          <p:cNvPr id="6" name="TextBox 5"/>
           <p:cNvSpPr txBox="1"/>
           <p:nvPr/>
         </p:nvSpPr>
         <p:spPr>
           <a:xfrm>
-            <a:off x="993878" y="646335"/>
-            <a:ext cx="2631281" cy="553998"/>
+            <a:off x="816858" y="795219"/>
+            <a:ext cx="2631281" cy="515526"/>
           </a:xfrm>
           <a:prstGeom prst="rect">
             <a:avLst/>
@@ -3392,464 +3430,299 @@
               </a:lnSpc>
             </a:pPr>
             <a:r>
-              <a:rPr lang="en-US" altLang="ko-KR" sz="4500" spc="-150" dirty="0">
-                <a:solidFill>
-                  <a:schemeClr val="bg1"/>
-                </a:solidFill>
-                <a:latin typeface="배달의민족 주아" panose="02020603020101020101" pitchFamily="18" charset="-127"/>
-                <a:ea typeface="배달의민족 주아" panose="02020603020101020101" pitchFamily="18" charset="-127"/>
-              </a:rPr>
-              <a:t>cannon.py</a:t>
-            </a:r>
-          </a:p>
-        </p:txBody>
-      </p:sp>
-      <p:sp>
-        <p:nvSpPr>
-          <p:cNvPr id="4" name="TextBox 3">
+              <a:rPr lang="ko-KR" altLang="en-US" sz="3500" spc="-150" dirty="0">
+                <a:solidFill>
+                  <a:schemeClr val="bg1"/>
+                </a:solidFill>
+                <a:latin typeface="배달의민족 주아" panose="02020603020101020101" pitchFamily="18" charset="-127"/>
+                <a:ea typeface="배달의민족 주아" panose="02020603020101020101" pitchFamily="18" charset="-127"/>
+              </a:rPr>
+              <a:t>게임</a:t>
+            </a:r>
+            <a:r>
+              <a:rPr lang="en-US" altLang="ko-KR" sz="3500" spc="-150" dirty="0">
+                <a:solidFill>
+                  <a:schemeClr val="bg1"/>
+                </a:solidFill>
+                <a:latin typeface="배달의민족 주아" panose="02020603020101020101" pitchFamily="18" charset="-127"/>
+                <a:ea typeface="배달의민족 주아" panose="02020603020101020101" pitchFamily="18" charset="-127"/>
+              </a:rPr>
+              <a:t> </a:t>
+            </a:r>
+            <a:r>
+              <a:rPr lang="ko-KR" altLang="en-US" sz="3500" spc="-150" dirty="0">
+                <a:solidFill>
+                  <a:schemeClr val="bg1"/>
+                </a:solidFill>
+                <a:latin typeface="배달의민족 주아" panose="02020603020101020101" pitchFamily="18" charset="-127"/>
+                <a:ea typeface="배달의민족 주아" panose="02020603020101020101" pitchFamily="18" charset="-127"/>
+              </a:rPr>
+              <a:t>시연 영상</a:t>
+            </a:r>
+            <a:endParaRPr lang="en-US" altLang="ko-KR" sz="3500" spc="-150" dirty="0">
+              <a:solidFill>
+                <a:schemeClr val="bg1"/>
+              </a:solidFill>
+              <a:latin typeface="배달의민족 주아" panose="02020603020101020101" pitchFamily="18" charset="-127"/>
+              <a:ea typeface="배달의민족 주아" panose="02020603020101020101" pitchFamily="18" charset="-127"/>
+            </a:endParaRPr>
+          </a:p>
+        </p:txBody>
+      </p:sp>
+      <p:sp>
+        <p:nvSpPr>
+          <p:cNvPr id="7" name="Rectangle 6"/>
+          <p:cNvSpPr/>
+          <p:nvPr/>
+        </p:nvSpPr>
+        <p:spPr>
+          <a:xfrm>
+            <a:off x="705277" y="3253368"/>
+            <a:ext cx="2521500" cy="2246769"/>
+          </a:xfrm>
+          <a:prstGeom prst="rect">
+            <a:avLst/>
+          </a:prstGeom>
+        </p:spPr>
+        <p:txBody>
+          <a:bodyPr wrap="square">
+            <a:spAutoFit/>
+          </a:bodyPr>
+          <a:lstStyle/>
+          <a:p>
+            <a:r>
+              <a:rPr lang="en-US" altLang="ko-KR" sz="2000" dirty="0">
+                <a:solidFill>
+                  <a:schemeClr val="bg1"/>
+                </a:solidFill>
+                <a:latin typeface="배달의민족 주아" panose="02020603020101020101" pitchFamily="18" charset="-127"/>
+                <a:ea typeface="배달의민족 주아" panose="02020603020101020101" pitchFamily="18" charset="-127"/>
+              </a:rPr>
+              <a:t>1. New Game! </a:t>
+            </a:r>
+            <a:r>
+              <a:rPr lang="ko-KR" altLang="en-US" sz="2000" dirty="0">
+                <a:solidFill>
+                  <a:schemeClr val="bg1"/>
+                </a:solidFill>
+                <a:latin typeface="배달의민족 주아" panose="02020603020101020101" pitchFamily="18" charset="-127"/>
+                <a:ea typeface="배달의민족 주아" panose="02020603020101020101" pitchFamily="18" charset="-127"/>
+              </a:rPr>
+              <a:t>버튼</a:t>
+            </a:r>
+            <a:r>
+              <a:rPr lang="en-US" altLang="ko-KR" sz="2000" dirty="0">
+                <a:solidFill>
+                  <a:schemeClr val="bg1"/>
+                </a:solidFill>
+                <a:latin typeface="배달의민족 주아" panose="02020603020101020101" pitchFamily="18" charset="-127"/>
+                <a:ea typeface="배달의민족 주아" panose="02020603020101020101" pitchFamily="18" charset="-127"/>
+              </a:rPr>
+              <a:t> </a:t>
+            </a:r>
+          </a:p>
+          <a:p>
+            <a:endParaRPr lang="en-US" altLang="ko-KR" sz="2000" dirty="0">
+              <a:solidFill>
+                <a:schemeClr val="bg1"/>
+              </a:solidFill>
+              <a:latin typeface="배달의민족 주아" panose="02020603020101020101" pitchFamily="18" charset="-127"/>
+              <a:ea typeface="배달의민족 주아" panose="02020603020101020101" pitchFamily="18" charset="-127"/>
+            </a:endParaRPr>
+          </a:p>
+          <a:p>
+            <a:r>
+              <a:rPr lang="en-US" altLang="ko-KR" sz="2000" dirty="0">
+                <a:solidFill>
+                  <a:srgbClr val="FFFF00"/>
+                </a:solidFill>
+                <a:latin typeface="배달의민족 주아" panose="02020603020101020101" pitchFamily="18" charset="-127"/>
+                <a:ea typeface="배달의민족 주아" panose="02020603020101020101" pitchFamily="18" charset="-127"/>
+              </a:rPr>
+              <a:t>2. File! </a:t>
+            </a:r>
+            <a:r>
+              <a:rPr lang="ko-KR" altLang="en-US" sz="2000" dirty="0">
+                <a:solidFill>
+                  <a:srgbClr val="FFFF00"/>
+                </a:solidFill>
+                <a:latin typeface="배달의민족 주아" panose="02020603020101020101" pitchFamily="18" charset="-127"/>
+                <a:ea typeface="배달의민족 주아" panose="02020603020101020101" pitchFamily="18" charset="-127"/>
+              </a:rPr>
+              <a:t>버튼</a:t>
+            </a:r>
+            <a:endParaRPr lang="en-US" altLang="ko-KR" sz="2000" dirty="0">
+              <a:solidFill>
+                <a:srgbClr val="FFFF00"/>
+              </a:solidFill>
+              <a:latin typeface="배달의민족 주아" panose="02020603020101020101" pitchFamily="18" charset="-127"/>
+              <a:ea typeface="배달의민족 주아" panose="02020603020101020101" pitchFamily="18" charset="-127"/>
+            </a:endParaRPr>
+          </a:p>
+          <a:p>
+            <a:endParaRPr lang="en-US" altLang="ko-KR" sz="2000" dirty="0">
+              <a:solidFill>
+                <a:schemeClr val="bg1"/>
+              </a:solidFill>
+              <a:latin typeface="배달의민족 주아" panose="02020603020101020101" pitchFamily="18" charset="-127"/>
+              <a:ea typeface="배달의민족 주아" panose="02020603020101020101" pitchFamily="18" charset="-127"/>
+            </a:endParaRPr>
+          </a:p>
+          <a:p>
+            <a:r>
+              <a:rPr lang="en-US" altLang="ko-KR" sz="2000" dirty="0">
+                <a:solidFill>
+                  <a:schemeClr val="bg1"/>
+                </a:solidFill>
+                <a:latin typeface="배달의민족 주아" panose="02020603020101020101" pitchFamily="18" charset="-127"/>
+                <a:ea typeface="배달의민족 주아" panose="02020603020101020101" pitchFamily="18" charset="-127"/>
+              </a:rPr>
+              <a:t>3. </a:t>
+            </a:r>
+            <a:r>
+              <a:rPr lang="ko-KR" altLang="en-US" sz="2000" dirty="0">
+                <a:solidFill>
+                  <a:schemeClr val="bg1"/>
+                </a:solidFill>
+                <a:latin typeface="배달의민족 주아" panose="02020603020101020101" pitchFamily="18" charset="-127"/>
+                <a:ea typeface="배달의민족 주아" panose="02020603020101020101" pitchFamily="18" charset="-127"/>
+              </a:rPr>
+              <a:t>목표를 못 맞춘 경우</a:t>
+            </a:r>
+            <a:endParaRPr lang="en-US" altLang="ko-KR" sz="2000" dirty="0">
+              <a:solidFill>
+                <a:schemeClr val="bg1"/>
+              </a:solidFill>
+              <a:latin typeface="배달의민족 주아" panose="02020603020101020101" pitchFamily="18" charset="-127"/>
+              <a:ea typeface="배달의민족 주아" panose="02020603020101020101" pitchFamily="18" charset="-127"/>
+            </a:endParaRPr>
+          </a:p>
+          <a:p>
+            <a:endParaRPr lang="en-US" altLang="ko-KR" sz="2000" dirty="0">
+              <a:solidFill>
+                <a:schemeClr val="bg1"/>
+              </a:solidFill>
+              <a:latin typeface="배달의민족 주아" panose="02020603020101020101" pitchFamily="18" charset="-127"/>
+              <a:ea typeface="배달의민족 주아" panose="02020603020101020101" pitchFamily="18" charset="-127"/>
+            </a:endParaRPr>
+          </a:p>
+          <a:p>
+            <a:r>
+              <a:rPr lang="en-US" altLang="ko-KR" sz="2000" dirty="0">
+                <a:solidFill>
+                  <a:schemeClr val="bg1"/>
+                </a:solidFill>
+                <a:latin typeface="배달의민족 주아" panose="02020603020101020101" pitchFamily="18" charset="-127"/>
+                <a:ea typeface="배달의민족 주아" panose="02020603020101020101" pitchFamily="18" charset="-127"/>
+              </a:rPr>
+              <a:t>4. </a:t>
+            </a:r>
+            <a:r>
+              <a:rPr lang="ko-KR" altLang="en-US" sz="2000" dirty="0">
+                <a:solidFill>
+                  <a:schemeClr val="bg1"/>
+                </a:solidFill>
+                <a:latin typeface="배달의민족 주아" panose="02020603020101020101" pitchFamily="18" charset="-127"/>
+                <a:ea typeface="배달의민족 주아" panose="02020603020101020101" pitchFamily="18" charset="-127"/>
+              </a:rPr>
+              <a:t>목표를 맞춘 경우</a:t>
+            </a:r>
+            <a:endParaRPr lang="en-US" altLang="ko-KR" sz="2000" dirty="0">
+              <a:solidFill>
+                <a:schemeClr val="bg1"/>
+              </a:solidFill>
+              <a:latin typeface="배달의민족 주아" panose="02020603020101020101" pitchFamily="18" charset="-127"/>
+              <a:ea typeface="배달의민족 주아" panose="02020603020101020101" pitchFamily="18" charset="-127"/>
+            </a:endParaRPr>
+          </a:p>
+        </p:txBody>
+      </p:sp>
+      <p:sp>
+        <p:nvSpPr>
+          <p:cNvPr id="10" name="Rectangle 9"/>
+          <p:cNvSpPr/>
+          <p:nvPr/>
+        </p:nvSpPr>
+        <p:spPr>
+          <a:xfrm>
+            <a:off x="3448139" y="1310745"/>
+            <a:ext cx="5196838" cy="4572000"/>
+          </a:xfrm>
+          <a:prstGeom prst="rect">
+            <a:avLst/>
+          </a:prstGeom>
+          <a:noFill/>
+          <a:ln w="127000">
+            <a:solidFill>
+              <a:schemeClr val="bg1"/>
+            </a:solidFill>
+          </a:ln>
+        </p:spPr>
+        <p:style>
+          <a:lnRef idx="2">
+            <a:schemeClr val="accent1">
+              <a:shade val="50000"/>
+            </a:schemeClr>
+          </a:lnRef>
+          <a:fillRef idx="1">
+            <a:schemeClr val="accent1"/>
+          </a:fillRef>
+          <a:effectRef idx="0">
+            <a:schemeClr val="accent1"/>
+          </a:effectRef>
+          <a:fontRef idx="minor">
+            <a:schemeClr val="lt1"/>
+          </a:fontRef>
+        </p:style>
+        <p:txBody>
+          <a:bodyPr rtlCol="0" anchor="ctr"/>
+          <a:lstStyle/>
+          <a:p>
+            <a:pPr algn="ctr"/>
+            <a:endParaRPr lang="ko-KR" altLang="en-US" dirty="0"/>
+          </a:p>
+        </p:txBody>
+      </p:sp>
+      <p:pic>
+        <p:nvPicPr>
+          <p:cNvPr id="3" name="그림 2">
             <a:extLst>
               <a:ext uri="{FF2B5EF4-FFF2-40B4-BE49-F238E27FC236}">
-                <a16:creationId xmlns:a16="http://schemas.microsoft.com/office/drawing/2014/main" id="{D5CC1F70-E3B6-4839-9912-E2B363B3A3BA}"/>
+                <a16:creationId xmlns:a16="http://schemas.microsoft.com/office/drawing/2014/main" id="{C13D0E27-11D3-4517-87E0-1F9396F41B83}"/>
               </a:ext>
             </a:extLst>
           </p:cNvPr>
-          <p:cNvSpPr txBox="1"/>
+          <p:cNvPicPr>
+            <a:picLocks noChangeAspect="1"/>
+          </p:cNvPicPr>
           <p:nvPr/>
-        </p:nvSpPr>
-        <p:spPr>
-          <a:xfrm>
-            <a:off x="527886" y="1514429"/>
-            <a:ext cx="5398131" cy="515526"/>
-          </a:xfrm>
-          <a:prstGeom prst="rect">
-            <a:avLst/>
-          </a:prstGeom>
-          <a:noFill/>
-        </p:spPr>
-        <p:txBody>
-          <a:bodyPr wrap="square" rtlCol="0">
-            <a:spAutoFit/>
-          </a:bodyPr>
-          <a:lstStyle/>
-          <a:p>
-            <a:pPr>
-              <a:lnSpc>
-                <a:spcPts val="3000"/>
-              </a:lnSpc>
-            </a:pPr>
-            <a:r>
-              <a:rPr lang="en-US" altLang="ko-KR" sz="3500" spc="-150" dirty="0">
-                <a:solidFill>
-                  <a:schemeClr val="bg1"/>
-                </a:solidFill>
-                <a:latin typeface="배달의민족 주아" panose="02020603020101020101" pitchFamily="18" charset="-127"/>
-                <a:ea typeface="배달의민족 주아" panose="02020603020101020101" pitchFamily="18" charset="-127"/>
-              </a:rPr>
-              <a:t>class Cannon</a:t>
-            </a:r>
-          </a:p>
-        </p:txBody>
-      </p:sp>
-      <p:sp>
-        <p:nvSpPr>
-          <p:cNvPr id="5" name="TextBox 4">
+        </p:nvPicPr>
+        <p:blipFill>
+          <a:blip r:embed="rId2">
             <a:extLst>
-              <a:ext uri="{FF2B5EF4-FFF2-40B4-BE49-F238E27FC236}">
-                <a16:creationId xmlns:a16="http://schemas.microsoft.com/office/drawing/2014/main" id="{3583565E-7A5D-4BE8-A6FC-1B97D73C5238}"/>
+              <a:ext uri="{28A0092B-C50C-407E-A947-70E740481C1C}">
+                <a14:useLocalDpi xmlns:a14="http://schemas.microsoft.com/office/drawing/2010/main" val="0"/>
               </a:ext>
             </a:extLst>
-          </p:cNvPr>
-          <p:cNvSpPr txBox="1"/>
-          <p:nvPr/>
-        </p:nvSpPr>
-        <p:spPr>
-          <a:xfrm>
-            <a:off x="1031978" y="2029955"/>
-            <a:ext cx="7698784" cy="4297330"/>
-          </a:xfrm>
-          <a:prstGeom prst="rect">
-            <a:avLst/>
-          </a:prstGeom>
-          <a:noFill/>
-        </p:spPr>
-        <p:txBody>
-          <a:bodyPr wrap="square" rtlCol="0">
-            <a:spAutoFit/>
-          </a:bodyPr>
-          <a:lstStyle/>
-          <a:p>
-            <a:pPr>
-              <a:lnSpc>
-                <a:spcPts val="3000"/>
-              </a:lnSpc>
-            </a:pPr>
-            <a:r>
-              <a:rPr lang="en-US" altLang="ko-KR" spc="-150" dirty="0">
-                <a:solidFill>
-                  <a:schemeClr val="bg1"/>
-                </a:solidFill>
-                <a:latin typeface="배달의민족 주아" panose="02020603020101020101" pitchFamily="18" charset="-127"/>
-                <a:ea typeface="배달의민족 주아" panose="02020603020101020101" pitchFamily="18" charset="-127"/>
-              </a:rPr>
-              <a:t>def __</a:t>
-            </a:r>
-            <a:r>
-              <a:rPr lang="en-US" altLang="ko-KR" spc="-150" dirty="0" err="1">
-                <a:solidFill>
-                  <a:schemeClr val="bg1"/>
-                </a:solidFill>
-                <a:latin typeface="배달의민족 주아" panose="02020603020101020101" pitchFamily="18" charset="-127"/>
-                <a:ea typeface="배달의민족 주아" panose="02020603020101020101" pitchFamily="18" charset="-127"/>
-              </a:rPr>
-              <a:t>init</a:t>
-            </a:r>
-            <a:r>
-              <a:rPr lang="en-US" altLang="ko-KR" spc="-150" dirty="0">
-                <a:solidFill>
-                  <a:schemeClr val="bg1"/>
-                </a:solidFill>
-                <a:latin typeface="배달의민족 주아" panose="02020603020101020101" pitchFamily="18" charset="-127"/>
-                <a:ea typeface="배달의민족 주아" panose="02020603020101020101" pitchFamily="18" charset="-127"/>
-              </a:rPr>
-              <a:t>__(self, target):</a:t>
-            </a:r>
-          </a:p>
-          <a:p>
-            <a:pPr>
-              <a:lnSpc>
-                <a:spcPts val="3000"/>
-              </a:lnSpc>
-            </a:pPr>
-            <a:r>
-              <a:rPr lang="en-US" altLang="ko-KR" spc="-150" dirty="0">
-                <a:solidFill>
-                  <a:schemeClr val="bg1"/>
-                </a:solidFill>
-                <a:latin typeface="배달의민족 주아" panose="02020603020101020101" pitchFamily="18" charset="-127"/>
-                <a:ea typeface="배달의민족 주아" panose="02020603020101020101" pitchFamily="18" charset="-127"/>
-              </a:rPr>
-              <a:t>        # </a:t>
-            </a:r>
-            <a:r>
-              <a:rPr lang="ko-KR" altLang="en-US" spc="-150" dirty="0">
-                <a:solidFill>
-                  <a:schemeClr val="bg1"/>
-                </a:solidFill>
-                <a:latin typeface="배달의민족 주아" panose="02020603020101020101" pitchFamily="18" charset="-127"/>
-                <a:ea typeface="배달의민족 주아" panose="02020603020101020101" pitchFamily="18" charset="-127"/>
-              </a:rPr>
-              <a:t>게임에서의 초기 행렬 설정</a:t>
-            </a:r>
-            <a:r>
-              <a:rPr lang="en-US" altLang="ko-KR" spc="-150" dirty="0">
-                <a:solidFill>
-                  <a:schemeClr val="bg1"/>
-                </a:solidFill>
-                <a:latin typeface="배달의민족 주아" panose="02020603020101020101" pitchFamily="18" charset="-127"/>
-                <a:ea typeface="배달의민족 주아" panose="02020603020101020101" pitchFamily="18" charset="-127"/>
-              </a:rPr>
-              <a:t>(row, column)</a:t>
-            </a:r>
-          </a:p>
-          <a:p>
-            <a:pPr>
-              <a:lnSpc>
-                <a:spcPts val="3000"/>
-              </a:lnSpc>
-            </a:pPr>
-            <a:r>
-              <a:rPr lang="en-US" altLang="ko-KR" spc="-150" dirty="0">
-                <a:solidFill>
-                  <a:schemeClr val="bg1"/>
-                </a:solidFill>
-                <a:latin typeface="배달의민족 주아" panose="02020603020101020101" pitchFamily="18" charset="-127"/>
-                <a:ea typeface="배달의민족 주아" panose="02020603020101020101" pitchFamily="18" charset="-127"/>
-              </a:rPr>
-              <a:t>        </a:t>
-            </a:r>
-            <a:r>
-              <a:rPr lang="en-US" altLang="ko-KR" spc="-150" dirty="0" err="1">
-                <a:solidFill>
-                  <a:schemeClr val="bg1"/>
-                </a:solidFill>
-                <a:latin typeface="배달의민족 주아" panose="02020603020101020101" pitchFamily="18" charset="-127"/>
-                <a:ea typeface="배달의민족 주아" panose="02020603020101020101" pitchFamily="18" charset="-127"/>
-              </a:rPr>
-              <a:t>self.totalListLine</a:t>
-            </a:r>
-            <a:r>
-              <a:rPr lang="en-US" altLang="ko-KR" spc="-150" dirty="0">
-                <a:solidFill>
-                  <a:schemeClr val="bg1"/>
-                </a:solidFill>
-                <a:latin typeface="배달의민족 주아" panose="02020603020101020101" pitchFamily="18" charset="-127"/>
-                <a:ea typeface="배달의민족 주아" panose="02020603020101020101" pitchFamily="18" charset="-127"/>
-              </a:rPr>
-              <a:t> = []</a:t>
-            </a:r>
-          </a:p>
-          <a:p>
-            <a:pPr>
-              <a:lnSpc>
-                <a:spcPts val="3000"/>
-              </a:lnSpc>
-            </a:pPr>
-            <a:r>
-              <a:rPr lang="en-US" altLang="ko-KR" spc="-150" dirty="0">
-                <a:solidFill>
-                  <a:schemeClr val="bg1"/>
-                </a:solidFill>
-                <a:latin typeface="배달의민족 주아" panose="02020603020101020101" pitchFamily="18" charset="-127"/>
-                <a:ea typeface="배달의민족 주아" panose="02020603020101020101" pitchFamily="18" charset="-127"/>
-              </a:rPr>
-              <a:t>        # (30 * 80) matrix, (0, 0) ~ (29, 79)■</a:t>
-            </a:r>
-          </a:p>
-          <a:p>
-            <a:pPr>
-              <a:lnSpc>
-                <a:spcPts val="3000"/>
-              </a:lnSpc>
-            </a:pPr>
-            <a:r>
-              <a:rPr lang="en-US" altLang="ko-KR" spc="-150" dirty="0">
-                <a:solidFill>
-                  <a:schemeClr val="bg1"/>
-                </a:solidFill>
-                <a:latin typeface="배달의민족 주아" panose="02020603020101020101" pitchFamily="18" charset="-127"/>
-                <a:ea typeface="배달의민족 주아" panose="02020603020101020101" pitchFamily="18" charset="-127"/>
-              </a:rPr>
-              <a:t>        for _ in range(26):</a:t>
-            </a:r>
-          </a:p>
-          <a:p>
-            <a:pPr>
-              <a:lnSpc>
-                <a:spcPts val="3000"/>
-              </a:lnSpc>
-            </a:pPr>
-            <a:r>
-              <a:rPr lang="en-US" altLang="ko-KR" spc="-150" dirty="0">
-                <a:solidFill>
-                  <a:schemeClr val="bg1"/>
-                </a:solidFill>
-                <a:latin typeface="배달의민족 주아" panose="02020603020101020101" pitchFamily="18" charset="-127"/>
-                <a:ea typeface="배달의민족 주아" panose="02020603020101020101" pitchFamily="18" charset="-127"/>
-              </a:rPr>
-              <a:t>            </a:t>
-            </a:r>
-            <a:r>
-              <a:rPr lang="en-US" altLang="ko-KR" spc="-150" dirty="0" err="1">
-                <a:solidFill>
-                  <a:schemeClr val="bg1"/>
-                </a:solidFill>
-                <a:latin typeface="배달의민족 주아" panose="02020603020101020101" pitchFamily="18" charset="-127"/>
-                <a:ea typeface="배달의민족 주아" panose="02020603020101020101" pitchFamily="18" charset="-127"/>
-              </a:rPr>
-              <a:t>self.totalListLine.append</a:t>
-            </a:r>
-            <a:r>
-              <a:rPr lang="en-US" altLang="ko-KR" spc="-150" dirty="0">
-                <a:solidFill>
-                  <a:schemeClr val="bg1"/>
-                </a:solidFill>
-                <a:latin typeface="배달의민족 주아" panose="02020603020101020101" pitchFamily="18" charset="-127"/>
-                <a:ea typeface="배달의민족 주아" panose="02020603020101020101" pitchFamily="18" charset="-127"/>
-              </a:rPr>
-              <a:t>([' '] * 80)  # column </a:t>
-            </a:r>
-            <a:r>
-              <a:rPr lang="ko-KR" altLang="en-US" spc="-150" dirty="0">
-                <a:solidFill>
-                  <a:schemeClr val="bg1"/>
-                </a:solidFill>
-                <a:latin typeface="배달의민족 주아" panose="02020603020101020101" pitchFamily="18" charset="-127"/>
-                <a:ea typeface="배달의민족 주아" panose="02020603020101020101" pitchFamily="18" charset="-127"/>
-              </a:rPr>
-              <a:t>의 개수</a:t>
-            </a:r>
-          </a:p>
-          <a:p>
-            <a:pPr>
-              <a:lnSpc>
-                <a:spcPts val="3000"/>
-              </a:lnSpc>
-            </a:pPr>
-            <a:r>
-              <a:rPr lang="ko-KR" altLang="en-US" spc="-150" dirty="0">
-                <a:solidFill>
-                  <a:schemeClr val="bg1"/>
-                </a:solidFill>
-                <a:latin typeface="배달의민족 주아" panose="02020603020101020101" pitchFamily="18" charset="-127"/>
-                <a:ea typeface="배달의민족 주아" panose="02020603020101020101" pitchFamily="18" charset="-127"/>
-              </a:rPr>
-              <a:t>        </a:t>
-            </a:r>
-            <a:r>
-              <a:rPr lang="en-US" altLang="ko-KR" spc="-150" dirty="0">
-                <a:solidFill>
-                  <a:schemeClr val="bg1"/>
-                </a:solidFill>
-                <a:latin typeface="배달의민족 주아" panose="02020603020101020101" pitchFamily="18" charset="-127"/>
-                <a:ea typeface="배달의민족 주아" panose="02020603020101020101" pitchFamily="18" charset="-127"/>
-              </a:rPr>
-              <a:t>else:</a:t>
-            </a:r>
-          </a:p>
-          <a:p>
-            <a:pPr>
-              <a:lnSpc>
-                <a:spcPts val="3000"/>
-              </a:lnSpc>
-            </a:pPr>
-            <a:r>
-              <a:rPr lang="en-US" altLang="ko-KR" spc="-150" dirty="0">
-                <a:solidFill>
-                  <a:schemeClr val="bg1"/>
-                </a:solidFill>
-                <a:latin typeface="배달의민족 주아" panose="02020603020101020101" pitchFamily="18" charset="-127"/>
-                <a:ea typeface="배달의민족 주아" panose="02020603020101020101" pitchFamily="18" charset="-127"/>
-              </a:rPr>
-              <a:t>            </a:t>
-            </a:r>
-            <a:r>
-              <a:rPr lang="en-US" altLang="ko-KR" spc="-150" dirty="0" err="1">
-                <a:solidFill>
-                  <a:schemeClr val="bg1"/>
-                </a:solidFill>
-                <a:latin typeface="배달의민족 주아" panose="02020603020101020101" pitchFamily="18" charset="-127"/>
-                <a:ea typeface="배달의민족 주아" panose="02020603020101020101" pitchFamily="18" charset="-127"/>
-              </a:rPr>
-              <a:t>self.totalListLine.append</a:t>
-            </a:r>
-            <a:r>
-              <a:rPr lang="en-US" altLang="ko-KR" spc="-150" dirty="0">
-                <a:solidFill>
-                  <a:schemeClr val="bg1"/>
-                </a:solidFill>
-                <a:latin typeface="배달의민족 주아" panose="02020603020101020101" pitchFamily="18" charset="-127"/>
-                <a:ea typeface="배달의민족 주아" panose="02020603020101020101" pitchFamily="18" charset="-127"/>
-              </a:rPr>
-              <a:t>([' '] * 5 + ['/', '_'] + [' '] * 73)</a:t>
-            </a:r>
-          </a:p>
-          <a:p>
-            <a:pPr>
-              <a:lnSpc>
-                <a:spcPts val="3000"/>
-              </a:lnSpc>
-            </a:pPr>
-            <a:r>
-              <a:rPr lang="en-US" altLang="ko-KR" spc="-150" dirty="0">
-                <a:solidFill>
-                  <a:schemeClr val="bg1"/>
-                </a:solidFill>
-                <a:latin typeface="배달의민족 주아" panose="02020603020101020101" pitchFamily="18" charset="-127"/>
-                <a:ea typeface="배달의민족 주아" panose="02020603020101020101" pitchFamily="18" charset="-127"/>
-              </a:rPr>
-              <a:t>            </a:t>
-            </a:r>
-            <a:r>
-              <a:rPr lang="en-US" altLang="ko-KR" spc="-150" dirty="0" err="1">
-                <a:solidFill>
-                  <a:schemeClr val="bg1"/>
-                </a:solidFill>
-                <a:latin typeface="배달의민족 주아" panose="02020603020101020101" pitchFamily="18" charset="-127"/>
-                <a:ea typeface="배달의민족 주아" panose="02020603020101020101" pitchFamily="18" charset="-127"/>
-              </a:rPr>
-              <a:t>self.totalListLine.append</a:t>
-            </a:r>
-            <a:r>
-              <a:rPr lang="en-US" altLang="ko-KR" spc="-150" dirty="0">
-                <a:solidFill>
-                  <a:schemeClr val="bg1"/>
-                </a:solidFill>
-                <a:latin typeface="배달의민족 주아" panose="02020603020101020101" pitchFamily="18" charset="-127"/>
-                <a:ea typeface="배달의민족 주아" panose="02020603020101020101" pitchFamily="18" charset="-127"/>
-              </a:rPr>
-              <a:t>([' '] * 3 + ['|', '\"', '\"', '\"', '\\', '-', '='] + [' '] * 70)</a:t>
-            </a:r>
-          </a:p>
-          <a:p>
-            <a:pPr>
-              <a:lnSpc>
-                <a:spcPts val="3000"/>
-              </a:lnSpc>
-            </a:pPr>
-            <a:r>
-              <a:rPr lang="en-US" altLang="ko-KR" spc="-150" dirty="0">
-                <a:solidFill>
-                  <a:schemeClr val="bg1"/>
-                </a:solidFill>
-                <a:latin typeface="배달의민족 주아" panose="02020603020101020101" pitchFamily="18" charset="-127"/>
-                <a:ea typeface="배달의민족 주아" panose="02020603020101020101" pitchFamily="18" charset="-127"/>
-              </a:rPr>
-              <a:t>            </a:t>
-            </a:r>
-            <a:r>
-              <a:rPr lang="en-US" altLang="ko-KR" spc="-150" dirty="0" err="1">
-                <a:solidFill>
-                  <a:schemeClr val="bg1"/>
-                </a:solidFill>
-                <a:latin typeface="배달의민족 주아" panose="02020603020101020101" pitchFamily="18" charset="-127"/>
-                <a:ea typeface="배달의민족 주아" panose="02020603020101020101" pitchFamily="18" charset="-127"/>
-              </a:rPr>
-              <a:t>self.totalListLine.append</a:t>
-            </a:r>
-            <a:r>
-              <a:rPr lang="en-US" altLang="ko-KR" spc="-150" dirty="0">
-                <a:solidFill>
-                  <a:schemeClr val="bg1"/>
-                </a:solidFill>
-                <a:latin typeface="배달의민족 주아" panose="02020603020101020101" pitchFamily="18" charset="-127"/>
-                <a:ea typeface="배달의민족 주아" panose="02020603020101020101" pitchFamily="18" charset="-127"/>
-              </a:rPr>
-              <a:t>([' '] * 3 + ['(', '_' * 4, ')'] + [' '] * 70)</a:t>
-            </a:r>
-          </a:p>
-          <a:p>
-            <a:pPr>
-              <a:lnSpc>
-                <a:spcPts val="3000"/>
-              </a:lnSpc>
-            </a:pPr>
-            <a:r>
-              <a:rPr lang="en-US" altLang="ko-KR" spc="-150" dirty="0">
-                <a:solidFill>
-                  <a:schemeClr val="bg1"/>
-                </a:solidFill>
-                <a:latin typeface="배달의민족 주아" panose="02020603020101020101" pitchFamily="18" charset="-127"/>
-                <a:ea typeface="배달의민족 주아" panose="02020603020101020101" pitchFamily="18" charset="-127"/>
-              </a:rPr>
-              <a:t>            </a:t>
-            </a:r>
-            <a:r>
-              <a:rPr lang="en-US" altLang="ko-KR" spc="-150" dirty="0" err="1">
-                <a:solidFill>
-                  <a:schemeClr val="bg1"/>
-                </a:solidFill>
-                <a:latin typeface="배달의민족 주아" panose="02020603020101020101" pitchFamily="18" charset="-127"/>
-                <a:ea typeface="배달의민족 주아" panose="02020603020101020101" pitchFamily="18" charset="-127"/>
-              </a:rPr>
-              <a:t>self.totalListLine.append</a:t>
-            </a:r>
-            <a:r>
-              <a:rPr lang="en-US" altLang="ko-KR" spc="-150" dirty="0">
-                <a:solidFill>
-                  <a:schemeClr val="bg1"/>
-                </a:solidFill>
-                <a:latin typeface="배달의민족 주아" panose="02020603020101020101" pitchFamily="18" charset="-127"/>
-                <a:ea typeface="배달의민족 주아" panose="02020603020101020101" pitchFamily="18" charset="-127"/>
-              </a:rPr>
-              <a:t>(['▀'] * 80)</a:t>
-            </a:r>
-          </a:p>
-        </p:txBody>
-      </p:sp>
+          </a:blip>
+          <a:stretch>
+            <a:fillRect/>
+          </a:stretch>
+        </p:blipFill>
+        <p:spPr>
+          <a:xfrm>
+            <a:off x="3516683" y="1376958"/>
+            <a:ext cx="5066485" cy="4450818"/>
+          </a:xfrm>
+          <a:prstGeom prst="rect">
+            <a:avLst/>
+          </a:prstGeom>
+        </p:spPr>
+      </p:pic>
     </p:spTree>
     <p:extLst>
       <p:ext uri="{BB962C8B-B14F-4D97-AF65-F5344CB8AC3E}">
-        <p14:creationId xmlns:p14="http://schemas.microsoft.com/office/powerpoint/2010/main" val="2022148849"/>
+        <p14:creationId xmlns:p14="http://schemas.microsoft.com/office/powerpoint/2010/main" val="227682316"/>
       </p:ext>
     </p:extLst>
   </p:cSld>
@@ -3878,20 +3751,14 @@
       </p:grpSpPr>
       <p:sp>
         <p:nvSpPr>
-          <p:cNvPr id="3" name="TextBox 2">
-            <a:extLst>
-              <a:ext uri="{FF2B5EF4-FFF2-40B4-BE49-F238E27FC236}">
-                <a16:creationId xmlns:a16="http://schemas.microsoft.com/office/drawing/2014/main" id="{62BF8E07-BEF5-4AC5-92E2-97513FF42373}"/>
-              </a:ext>
-            </a:extLst>
-          </p:cNvPr>
+          <p:cNvPr id="6" name="TextBox 5"/>
           <p:cNvSpPr txBox="1"/>
           <p:nvPr/>
         </p:nvSpPr>
         <p:spPr>
           <a:xfrm>
-            <a:off x="993878" y="646335"/>
-            <a:ext cx="2631281" cy="553998"/>
+            <a:off x="816858" y="795219"/>
+            <a:ext cx="2631281" cy="515526"/>
           </a:xfrm>
           <a:prstGeom prst="rect">
             <a:avLst/>
@@ -3910,286 +3777,299 @@
               </a:lnSpc>
             </a:pPr>
             <a:r>
-              <a:rPr lang="en-US" altLang="ko-KR" sz="4500" spc="-150" dirty="0">
-                <a:solidFill>
-                  <a:schemeClr val="bg1"/>
-                </a:solidFill>
-                <a:latin typeface="배달의민족 주아" panose="02020603020101020101" pitchFamily="18" charset="-127"/>
-                <a:ea typeface="배달의민족 주아" panose="02020603020101020101" pitchFamily="18" charset="-127"/>
-              </a:rPr>
-              <a:t>cannon.py</a:t>
-            </a:r>
-          </a:p>
-        </p:txBody>
-      </p:sp>
-      <p:sp>
-        <p:nvSpPr>
-          <p:cNvPr id="4" name="TextBox 3">
+              <a:rPr lang="ko-KR" altLang="en-US" sz="3500" spc="-150" dirty="0">
+                <a:solidFill>
+                  <a:schemeClr val="bg1"/>
+                </a:solidFill>
+                <a:latin typeface="배달의민족 주아" panose="02020603020101020101" pitchFamily="18" charset="-127"/>
+                <a:ea typeface="배달의민족 주아" panose="02020603020101020101" pitchFamily="18" charset="-127"/>
+              </a:rPr>
+              <a:t>게임</a:t>
+            </a:r>
+            <a:r>
+              <a:rPr lang="en-US" altLang="ko-KR" sz="3500" spc="-150" dirty="0">
+                <a:solidFill>
+                  <a:schemeClr val="bg1"/>
+                </a:solidFill>
+                <a:latin typeface="배달의민족 주아" panose="02020603020101020101" pitchFamily="18" charset="-127"/>
+                <a:ea typeface="배달의민족 주아" panose="02020603020101020101" pitchFamily="18" charset="-127"/>
+              </a:rPr>
+              <a:t> </a:t>
+            </a:r>
+            <a:r>
+              <a:rPr lang="ko-KR" altLang="en-US" sz="3500" spc="-150" dirty="0">
+                <a:solidFill>
+                  <a:schemeClr val="bg1"/>
+                </a:solidFill>
+                <a:latin typeface="배달의민족 주아" panose="02020603020101020101" pitchFamily="18" charset="-127"/>
+                <a:ea typeface="배달의민족 주아" panose="02020603020101020101" pitchFamily="18" charset="-127"/>
+              </a:rPr>
+              <a:t>시연 영상</a:t>
+            </a:r>
+            <a:endParaRPr lang="en-US" altLang="ko-KR" sz="3500" spc="-150" dirty="0">
+              <a:solidFill>
+                <a:schemeClr val="bg1"/>
+              </a:solidFill>
+              <a:latin typeface="배달의민족 주아" panose="02020603020101020101" pitchFamily="18" charset="-127"/>
+              <a:ea typeface="배달의민족 주아" panose="02020603020101020101" pitchFamily="18" charset="-127"/>
+            </a:endParaRPr>
+          </a:p>
+        </p:txBody>
+      </p:sp>
+      <p:sp>
+        <p:nvSpPr>
+          <p:cNvPr id="7" name="Rectangle 6"/>
+          <p:cNvSpPr/>
+          <p:nvPr/>
+        </p:nvSpPr>
+        <p:spPr>
+          <a:xfrm>
+            <a:off x="705277" y="3253368"/>
+            <a:ext cx="2521500" cy="2246769"/>
+          </a:xfrm>
+          <a:prstGeom prst="rect">
+            <a:avLst/>
+          </a:prstGeom>
+        </p:spPr>
+        <p:txBody>
+          <a:bodyPr wrap="square">
+            <a:spAutoFit/>
+          </a:bodyPr>
+          <a:lstStyle/>
+          <a:p>
+            <a:r>
+              <a:rPr lang="en-US" altLang="ko-KR" sz="2000" dirty="0">
+                <a:solidFill>
+                  <a:schemeClr val="bg1"/>
+                </a:solidFill>
+                <a:latin typeface="배달의민족 주아" panose="02020603020101020101" pitchFamily="18" charset="-127"/>
+                <a:ea typeface="배달의민족 주아" panose="02020603020101020101" pitchFamily="18" charset="-127"/>
+              </a:rPr>
+              <a:t>1. New Game! </a:t>
+            </a:r>
+            <a:r>
+              <a:rPr lang="ko-KR" altLang="en-US" sz="2000" dirty="0">
+                <a:solidFill>
+                  <a:schemeClr val="bg1"/>
+                </a:solidFill>
+                <a:latin typeface="배달의민족 주아" panose="02020603020101020101" pitchFamily="18" charset="-127"/>
+                <a:ea typeface="배달의민족 주아" panose="02020603020101020101" pitchFamily="18" charset="-127"/>
+              </a:rPr>
+              <a:t>버튼</a:t>
+            </a:r>
+            <a:r>
+              <a:rPr lang="en-US" altLang="ko-KR" sz="2000" dirty="0">
+                <a:solidFill>
+                  <a:schemeClr val="bg1"/>
+                </a:solidFill>
+                <a:latin typeface="배달의민족 주아" panose="02020603020101020101" pitchFamily="18" charset="-127"/>
+                <a:ea typeface="배달의민족 주아" panose="02020603020101020101" pitchFamily="18" charset="-127"/>
+              </a:rPr>
+              <a:t> </a:t>
+            </a:r>
+          </a:p>
+          <a:p>
+            <a:endParaRPr lang="en-US" altLang="ko-KR" sz="2000" dirty="0">
+              <a:solidFill>
+                <a:schemeClr val="bg1"/>
+              </a:solidFill>
+              <a:latin typeface="배달의민족 주아" panose="02020603020101020101" pitchFamily="18" charset="-127"/>
+              <a:ea typeface="배달의민족 주아" panose="02020603020101020101" pitchFamily="18" charset="-127"/>
+            </a:endParaRPr>
+          </a:p>
+          <a:p>
+            <a:r>
+              <a:rPr lang="en-US" altLang="ko-KR" sz="2000" dirty="0">
+                <a:solidFill>
+                  <a:schemeClr val="bg1"/>
+                </a:solidFill>
+                <a:latin typeface="배달의민족 주아" panose="02020603020101020101" pitchFamily="18" charset="-127"/>
+                <a:ea typeface="배달의민족 주아" panose="02020603020101020101" pitchFamily="18" charset="-127"/>
+              </a:rPr>
+              <a:t>2. File! </a:t>
+            </a:r>
+            <a:r>
+              <a:rPr lang="ko-KR" altLang="en-US" sz="2000" dirty="0">
+                <a:solidFill>
+                  <a:schemeClr val="bg1"/>
+                </a:solidFill>
+                <a:latin typeface="배달의민족 주아" panose="02020603020101020101" pitchFamily="18" charset="-127"/>
+                <a:ea typeface="배달의민족 주아" panose="02020603020101020101" pitchFamily="18" charset="-127"/>
+              </a:rPr>
+              <a:t>버튼</a:t>
+            </a:r>
+            <a:endParaRPr lang="en-US" altLang="ko-KR" sz="2000" dirty="0">
+              <a:solidFill>
+                <a:schemeClr val="bg1"/>
+              </a:solidFill>
+              <a:latin typeface="배달의민족 주아" panose="02020603020101020101" pitchFamily="18" charset="-127"/>
+              <a:ea typeface="배달의민족 주아" panose="02020603020101020101" pitchFamily="18" charset="-127"/>
+            </a:endParaRPr>
+          </a:p>
+          <a:p>
+            <a:endParaRPr lang="en-US" altLang="ko-KR" sz="2000" dirty="0">
+              <a:solidFill>
+                <a:schemeClr val="bg1"/>
+              </a:solidFill>
+              <a:latin typeface="배달의민족 주아" panose="02020603020101020101" pitchFamily="18" charset="-127"/>
+              <a:ea typeface="배달의민족 주아" panose="02020603020101020101" pitchFamily="18" charset="-127"/>
+            </a:endParaRPr>
+          </a:p>
+          <a:p>
+            <a:r>
+              <a:rPr lang="en-US" altLang="ko-KR" sz="2000" dirty="0">
+                <a:solidFill>
+                  <a:srgbClr val="FFFF00"/>
+                </a:solidFill>
+                <a:latin typeface="배달의민족 주아" panose="02020603020101020101" pitchFamily="18" charset="-127"/>
+                <a:ea typeface="배달의민족 주아" panose="02020603020101020101" pitchFamily="18" charset="-127"/>
+              </a:rPr>
+              <a:t>3. </a:t>
+            </a:r>
+            <a:r>
+              <a:rPr lang="ko-KR" altLang="en-US" sz="2000" dirty="0">
+                <a:solidFill>
+                  <a:srgbClr val="FFFF00"/>
+                </a:solidFill>
+                <a:latin typeface="배달의민족 주아" panose="02020603020101020101" pitchFamily="18" charset="-127"/>
+                <a:ea typeface="배달의민족 주아" panose="02020603020101020101" pitchFamily="18" charset="-127"/>
+              </a:rPr>
+              <a:t>목표를 못 맞춘 경우</a:t>
+            </a:r>
+            <a:endParaRPr lang="en-US" altLang="ko-KR" sz="2000" dirty="0">
+              <a:solidFill>
+                <a:srgbClr val="FFFF00"/>
+              </a:solidFill>
+              <a:latin typeface="배달의민족 주아" panose="02020603020101020101" pitchFamily="18" charset="-127"/>
+              <a:ea typeface="배달의민족 주아" panose="02020603020101020101" pitchFamily="18" charset="-127"/>
+            </a:endParaRPr>
+          </a:p>
+          <a:p>
+            <a:endParaRPr lang="en-US" altLang="ko-KR" sz="2000" dirty="0">
+              <a:solidFill>
+                <a:schemeClr val="bg1"/>
+              </a:solidFill>
+              <a:latin typeface="배달의민족 주아" panose="02020603020101020101" pitchFamily="18" charset="-127"/>
+              <a:ea typeface="배달의민족 주아" panose="02020603020101020101" pitchFamily="18" charset="-127"/>
+            </a:endParaRPr>
+          </a:p>
+          <a:p>
+            <a:r>
+              <a:rPr lang="en-US" altLang="ko-KR" sz="2000" dirty="0">
+                <a:solidFill>
+                  <a:schemeClr val="bg1"/>
+                </a:solidFill>
+                <a:latin typeface="배달의민족 주아" panose="02020603020101020101" pitchFamily="18" charset="-127"/>
+                <a:ea typeface="배달의민족 주아" panose="02020603020101020101" pitchFamily="18" charset="-127"/>
+              </a:rPr>
+              <a:t>4. </a:t>
+            </a:r>
+            <a:r>
+              <a:rPr lang="ko-KR" altLang="en-US" sz="2000" dirty="0">
+                <a:solidFill>
+                  <a:schemeClr val="bg1"/>
+                </a:solidFill>
+                <a:latin typeface="배달의민족 주아" panose="02020603020101020101" pitchFamily="18" charset="-127"/>
+                <a:ea typeface="배달의민족 주아" panose="02020603020101020101" pitchFamily="18" charset="-127"/>
+              </a:rPr>
+              <a:t>목표를 맞춘 경우</a:t>
+            </a:r>
+            <a:endParaRPr lang="en-US" altLang="ko-KR" sz="2000" dirty="0">
+              <a:solidFill>
+                <a:schemeClr val="bg1"/>
+              </a:solidFill>
+              <a:latin typeface="배달의민족 주아" panose="02020603020101020101" pitchFamily="18" charset="-127"/>
+              <a:ea typeface="배달의민족 주아" panose="02020603020101020101" pitchFamily="18" charset="-127"/>
+            </a:endParaRPr>
+          </a:p>
+        </p:txBody>
+      </p:sp>
+      <p:sp>
+        <p:nvSpPr>
+          <p:cNvPr id="10" name="Rectangle 9"/>
+          <p:cNvSpPr/>
+          <p:nvPr/>
+        </p:nvSpPr>
+        <p:spPr>
+          <a:xfrm>
+            <a:off x="3448139" y="1310745"/>
+            <a:ext cx="5196838" cy="4572000"/>
+          </a:xfrm>
+          <a:prstGeom prst="rect">
+            <a:avLst/>
+          </a:prstGeom>
+          <a:noFill/>
+          <a:ln w="127000">
+            <a:solidFill>
+              <a:schemeClr val="bg1"/>
+            </a:solidFill>
+          </a:ln>
+        </p:spPr>
+        <p:style>
+          <a:lnRef idx="2">
+            <a:schemeClr val="accent1">
+              <a:shade val="50000"/>
+            </a:schemeClr>
+          </a:lnRef>
+          <a:fillRef idx="1">
+            <a:schemeClr val="accent1"/>
+          </a:fillRef>
+          <a:effectRef idx="0">
+            <a:schemeClr val="accent1"/>
+          </a:effectRef>
+          <a:fontRef idx="minor">
+            <a:schemeClr val="lt1"/>
+          </a:fontRef>
+        </p:style>
+        <p:txBody>
+          <a:bodyPr rtlCol="0" anchor="ctr"/>
+          <a:lstStyle/>
+          <a:p>
+            <a:pPr algn="ctr"/>
+            <a:endParaRPr lang="ko-KR" altLang="en-US" dirty="0"/>
+          </a:p>
+        </p:txBody>
+      </p:sp>
+      <p:pic>
+        <p:nvPicPr>
+          <p:cNvPr id="3" name="그림 2">
             <a:extLst>
               <a:ext uri="{FF2B5EF4-FFF2-40B4-BE49-F238E27FC236}">
-                <a16:creationId xmlns:a16="http://schemas.microsoft.com/office/drawing/2014/main" id="{D5CC1F70-E3B6-4839-9912-E2B363B3A3BA}"/>
+                <a16:creationId xmlns:a16="http://schemas.microsoft.com/office/drawing/2014/main" id="{2D47D949-7F7F-41AA-B51B-FAE51EE24A55}"/>
               </a:ext>
             </a:extLst>
           </p:cNvPr>
-          <p:cNvSpPr txBox="1"/>
+          <p:cNvPicPr>
+            <a:picLocks noChangeAspect="1"/>
+          </p:cNvPicPr>
           <p:nvPr/>
-        </p:nvSpPr>
-        <p:spPr>
-          <a:xfrm>
-            <a:off x="527886" y="1514429"/>
-            <a:ext cx="5398131" cy="515526"/>
-          </a:xfrm>
-          <a:prstGeom prst="rect">
-            <a:avLst/>
-          </a:prstGeom>
-          <a:noFill/>
-        </p:spPr>
-        <p:txBody>
-          <a:bodyPr wrap="square" rtlCol="0">
-            <a:spAutoFit/>
-          </a:bodyPr>
-          <a:lstStyle/>
-          <a:p>
-            <a:pPr>
-              <a:lnSpc>
-                <a:spcPts val="3000"/>
-              </a:lnSpc>
-            </a:pPr>
-            <a:r>
-              <a:rPr lang="en-US" altLang="ko-KR" sz="3500" spc="-150" dirty="0">
-                <a:solidFill>
-                  <a:schemeClr val="bg1"/>
-                </a:solidFill>
-                <a:latin typeface="배달의민족 주아" panose="02020603020101020101" pitchFamily="18" charset="-127"/>
-                <a:ea typeface="배달의민족 주아" panose="02020603020101020101" pitchFamily="18" charset="-127"/>
-              </a:rPr>
-              <a:t>class Cannon</a:t>
-            </a:r>
-          </a:p>
-        </p:txBody>
-      </p:sp>
-      <p:sp>
-        <p:nvSpPr>
-          <p:cNvPr id="6" name="TextBox 5">
+        </p:nvPicPr>
+        <p:blipFill>
+          <a:blip r:embed="rId2">
             <a:extLst>
-              <a:ext uri="{FF2B5EF4-FFF2-40B4-BE49-F238E27FC236}">
-                <a16:creationId xmlns:a16="http://schemas.microsoft.com/office/drawing/2014/main" id="{734E2F54-DC5C-41D6-A5DA-4E666AF0AFFE}"/>
+              <a:ext uri="{28A0092B-C50C-407E-A947-70E740481C1C}">
+                <a14:useLocalDpi xmlns:a14="http://schemas.microsoft.com/office/drawing/2010/main" val="0"/>
               </a:ext>
             </a:extLst>
-          </p:cNvPr>
-          <p:cNvSpPr txBox="1"/>
-          <p:nvPr/>
-        </p:nvSpPr>
-        <p:spPr>
-          <a:xfrm>
-            <a:off x="1673816" y="2660360"/>
-            <a:ext cx="5993077" cy="515526"/>
-          </a:xfrm>
-          <a:prstGeom prst="rect">
-            <a:avLst/>
-          </a:prstGeom>
-          <a:noFill/>
-        </p:spPr>
-        <p:txBody>
-          <a:bodyPr wrap="square" rtlCol="0">
-            <a:spAutoFit/>
-          </a:bodyPr>
-          <a:lstStyle/>
-          <a:p>
-            <a:pPr>
-              <a:lnSpc>
-                <a:spcPts val="3000"/>
-              </a:lnSpc>
-            </a:pPr>
-            <a:r>
-              <a:rPr lang="en-US" altLang="ko-KR" sz="3500" spc="-150" dirty="0">
-                <a:solidFill>
-                  <a:schemeClr val="bg1"/>
-                </a:solidFill>
-                <a:latin typeface="배달의민족 주아" panose="02020603020101020101" pitchFamily="18" charset="-127"/>
-                <a:ea typeface="배달의민족 주아" panose="02020603020101020101" pitchFamily="18" charset="-127"/>
-              </a:rPr>
-              <a:t>def </a:t>
-            </a:r>
-            <a:r>
-              <a:rPr lang="en-US" altLang="ko-KR" sz="3500" spc="-150" dirty="0" err="1">
-                <a:solidFill>
-                  <a:schemeClr val="bg1"/>
-                </a:solidFill>
-                <a:latin typeface="배달의민족 주아" panose="02020603020101020101" pitchFamily="18" charset="-127"/>
-                <a:ea typeface="배달의민족 주아" panose="02020603020101020101" pitchFamily="18" charset="-127"/>
-              </a:rPr>
-              <a:t>mapToString</a:t>
-            </a:r>
-            <a:r>
-              <a:rPr lang="en-US" altLang="ko-KR" sz="3500" spc="-150" dirty="0">
-                <a:solidFill>
-                  <a:schemeClr val="bg1"/>
-                </a:solidFill>
-                <a:latin typeface="배달의민족 주아" panose="02020603020101020101" pitchFamily="18" charset="-127"/>
-                <a:ea typeface="배달의민족 주아" panose="02020603020101020101" pitchFamily="18" charset="-127"/>
-              </a:rPr>
-              <a:t>(self, </a:t>
-            </a:r>
-            <a:r>
-              <a:rPr lang="en-US" altLang="ko-KR" sz="3500" spc="-150" dirty="0" err="1">
-                <a:solidFill>
-                  <a:schemeClr val="bg1"/>
-                </a:solidFill>
-                <a:latin typeface="배달의민족 주아" panose="02020603020101020101" pitchFamily="18" charset="-127"/>
-                <a:ea typeface="배달의민족 주아" panose="02020603020101020101" pitchFamily="18" charset="-127"/>
-              </a:rPr>
-              <a:t>myMap</a:t>
-            </a:r>
-            <a:r>
-              <a:rPr lang="en-US" altLang="ko-KR" sz="3500" spc="-150" dirty="0">
-                <a:solidFill>
-                  <a:schemeClr val="bg1"/>
-                </a:solidFill>
-                <a:latin typeface="배달의민족 주아" panose="02020603020101020101" pitchFamily="18" charset="-127"/>
-                <a:ea typeface="배달의민족 주아" panose="02020603020101020101" pitchFamily="18" charset="-127"/>
-              </a:rPr>
-              <a:t>)</a:t>
-            </a:r>
-          </a:p>
-        </p:txBody>
-      </p:sp>
-      <p:sp>
-        <p:nvSpPr>
-          <p:cNvPr id="7" name="TextBox 6">
-            <a:extLst>
-              <a:ext uri="{FF2B5EF4-FFF2-40B4-BE49-F238E27FC236}">
-                <a16:creationId xmlns:a16="http://schemas.microsoft.com/office/drawing/2014/main" id="{5362DC25-7290-4B66-A7D8-6D2D6F5D6739}"/>
-              </a:ext>
-            </a:extLst>
-          </p:cNvPr>
-          <p:cNvSpPr txBox="1"/>
-          <p:nvPr/>
-        </p:nvSpPr>
-        <p:spPr>
-          <a:xfrm>
-            <a:off x="1673816" y="3707567"/>
-            <a:ext cx="5398131" cy="515526"/>
-          </a:xfrm>
-          <a:prstGeom prst="rect">
-            <a:avLst/>
-          </a:prstGeom>
-          <a:noFill/>
-        </p:spPr>
-        <p:txBody>
-          <a:bodyPr wrap="square" rtlCol="0">
-            <a:spAutoFit/>
-          </a:bodyPr>
-          <a:lstStyle/>
-          <a:p>
-            <a:pPr>
-              <a:lnSpc>
-                <a:spcPts val="3000"/>
-              </a:lnSpc>
-            </a:pPr>
-            <a:r>
-              <a:rPr lang="en-US" altLang="ko-KR" sz="3500" spc="-150" dirty="0">
-                <a:solidFill>
-                  <a:schemeClr val="bg1"/>
-                </a:solidFill>
-                <a:latin typeface="배달의민족 주아" panose="02020603020101020101" pitchFamily="18" charset="-127"/>
-                <a:ea typeface="배달의민족 주아" panose="02020603020101020101" pitchFamily="18" charset="-127"/>
-              </a:rPr>
-              <a:t>def </a:t>
-            </a:r>
-            <a:r>
-              <a:rPr lang="en-US" altLang="ko-KR" sz="3500" spc="-150" dirty="0" err="1">
-                <a:solidFill>
-                  <a:schemeClr val="bg1"/>
-                </a:solidFill>
-                <a:latin typeface="배달의민족 주아" panose="02020603020101020101" pitchFamily="18" charset="-127"/>
-                <a:ea typeface="배달의민족 주아" panose="02020603020101020101" pitchFamily="18" charset="-127"/>
-              </a:rPr>
-              <a:t>initialMap</a:t>
-            </a:r>
-            <a:r>
-              <a:rPr lang="en-US" altLang="ko-KR" sz="3500" spc="-150" dirty="0">
-                <a:solidFill>
-                  <a:schemeClr val="bg1"/>
-                </a:solidFill>
-                <a:latin typeface="배달의민족 주아" panose="02020603020101020101" pitchFamily="18" charset="-127"/>
-                <a:ea typeface="배달의민족 주아" panose="02020603020101020101" pitchFamily="18" charset="-127"/>
-              </a:rPr>
-              <a:t>(self):</a:t>
-            </a:r>
-          </a:p>
-        </p:txBody>
-      </p:sp>
-      <p:sp>
-        <p:nvSpPr>
-          <p:cNvPr id="8" name="TextBox 7">
-            <a:extLst>
-              <a:ext uri="{FF2B5EF4-FFF2-40B4-BE49-F238E27FC236}">
-                <a16:creationId xmlns:a16="http://schemas.microsoft.com/office/drawing/2014/main" id="{F3A81B85-4641-4570-B5C0-AA634880127D}"/>
-              </a:ext>
-            </a:extLst>
-          </p:cNvPr>
-          <p:cNvSpPr txBox="1"/>
-          <p:nvPr/>
-        </p:nvSpPr>
-        <p:spPr>
-          <a:xfrm>
-            <a:off x="1673816" y="4754775"/>
-            <a:ext cx="5398131" cy="515526"/>
-          </a:xfrm>
-          <a:prstGeom prst="rect">
-            <a:avLst/>
-          </a:prstGeom>
-          <a:noFill/>
-        </p:spPr>
-        <p:txBody>
-          <a:bodyPr wrap="square" rtlCol="0">
-            <a:spAutoFit/>
-          </a:bodyPr>
-          <a:lstStyle/>
-          <a:p>
-            <a:pPr>
-              <a:lnSpc>
-                <a:spcPts val="3000"/>
-              </a:lnSpc>
-            </a:pPr>
-            <a:r>
-              <a:rPr lang="en-US" altLang="ko-KR" sz="3500" spc="-150" dirty="0">
-                <a:solidFill>
-                  <a:schemeClr val="bg1"/>
-                </a:solidFill>
-                <a:latin typeface="배달의민족 주아" panose="02020603020101020101" pitchFamily="18" charset="-127"/>
-                <a:ea typeface="배달의민족 주아" panose="02020603020101020101" pitchFamily="18" charset="-127"/>
-              </a:rPr>
-              <a:t>def </a:t>
-            </a:r>
-            <a:r>
-              <a:rPr lang="en-US" altLang="ko-KR" sz="3500" spc="-150" dirty="0" err="1">
-                <a:solidFill>
-                  <a:schemeClr val="bg1"/>
-                </a:solidFill>
-                <a:latin typeface="배달의민족 주아" panose="02020603020101020101" pitchFamily="18" charset="-127"/>
-                <a:ea typeface="배달의민족 주아" panose="02020603020101020101" pitchFamily="18" charset="-127"/>
-              </a:rPr>
-              <a:t>currentMap</a:t>
-            </a:r>
-            <a:r>
-              <a:rPr lang="en-US" altLang="ko-KR" sz="3500" spc="-150" dirty="0">
-                <a:solidFill>
-                  <a:schemeClr val="bg1"/>
-                </a:solidFill>
-                <a:latin typeface="배달의민족 주아" panose="02020603020101020101" pitchFamily="18" charset="-127"/>
-                <a:ea typeface="배달의민족 주아" panose="02020603020101020101" pitchFamily="18" charset="-127"/>
-              </a:rPr>
-              <a:t>(self, point)</a:t>
-            </a:r>
-          </a:p>
-        </p:txBody>
-      </p:sp>
+          </a:blip>
+          <a:stretch>
+            <a:fillRect/>
+          </a:stretch>
+        </p:blipFill>
+        <p:spPr>
+          <a:xfrm>
+            <a:off x="3515350" y="1367896"/>
+            <a:ext cx="5065942" cy="4441818"/>
+          </a:xfrm>
+          <a:prstGeom prst="rect">
+            <a:avLst/>
+          </a:prstGeom>
+        </p:spPr>
+      </p:pic>
     </p:spTree>
     <p:extLst>
       <p:ext uri="{BB962C8B-B14F-4D97-AF65-F5344CB8AC3E}">
-        <p14:creationId xmlns:p14="http://schemas.microsoft.com/office/powerpoint/2010/main" val="101511226"/>
+        <p14:creationId xmlns:p14="http://schemas.microsoft.com/office/powerpoint/2010/main" val="4226177266"/>
       </p:ext>
     </p:extLst>
   </p:cSld>
@@ -4218,20 +4098,14 @@
       </p:grpSpPr>
       <p:sp>
         <p:nvSpPr>
-          <p:cNvPr id="3" name="TextBox 2">
-            <a:extLst>
-              <a:ext uri="{FF2B5EF4-FFF2-40B4-BE49-F238E27FC236}">
-                <a16:creationId xmlns:a16="http://schemas.microsoft.com/office/drawing/2014/main" id="{62BF8E07-BEF5-4AC5-92E2-97513FF42373}"/>
-              </a:ext>
-            </a:extLst>
-          </p:cNvPr>
+          <p:cNvPr id="6" name="TextBox 5"/>
           <p:cNvSpPr txBox="1"/>
           <p:nvPr/>
         </p:nvSpPr>
         <p:spPr>
           <a:xfrm>
-            <a:off x="993878" y="646335"/>
-            <a:ext cx="3507784" cy="553998"/>
+            <a:off x="816858" y="795219"/>
+            <a:ext cx="2631281" cy="515526"/>
           </a:xfrm>
           <a:prstGeom prst="rect">
             <a:avLst/>
@@ -4250,58 +4124,15 @@
               </a:lnSpc>
             </a:pPr>
             <a:r>
-              <a:rPr lang="ko-KR" altLang="en-US" sz="4500" spc="-150">
-                <a:solidFill>
-                  <a:schemeClr val="bg1"/>
-                </a:solidFill>
-                <a:latin typeface="배달의민족 주아" panose="02020603020101020101" pitchFamily="18" charset="-127"/>
-                <a:ea typeface="배달의민족 주아" panose="02020603020101020101" pitchFamily="18" charset="-127"/>
-              </a:rPr>
-              <a:t>애니메이션 구현</a:t>
-            </a:r>
-            <a:endParaRPr lang="en-US" altLang="ko-KR" sz="4500" spc="-150" dirty="0">
-              <a:solidFill>
-                <a:schemeClr val="bg1"/>
-              </a:solidFill>
-              <a:latin typeface="배달의민족 주아" panose="02020603020101020101" pitchFamily="18" charset="-127"/>
-              <a:ea typeface="배달의민족 주아" panose="02020603020101020101" pitchFamily="18" charset="-127"/>
-            </a:endParaRPr>
-          </a:p>
-        </p:txBody>
-      </p:sp>
-      <p:sp>
-        <p:nvSpPr>
-          <p:cNvPr id="4" name="TextBox 3">
-            <a:extLst>
-              <a:ext uri="{FF2B5EF4-FFF2-40B4-BE49-F238E27FC236}">
-                <a16:creationId xmlns:a16="http://schemas.microsoft.com/office/drawing/2014/main" id="{D5CC1F70-E3B6-4839-9912-E2B363B3A3BA}"/>
-              </a:ext>
-            </a:extLst>
-          </p:cNvPr>
-          <p:cNvSpPr txBox="1"/>
-          <p:nvPr/>
-        </p:nvSpPr>
-        <p:spPr>
-          <a:xfrm>
-            <a:off x="527886" y="1514429"/>
-            <a:ext cx="5398131" cy="515526"/>
-          </a:xfrm>
-          <a:prstGeom prst="rect">
-            <a:avLst/>
-          </a:prstGeom>
-          <a:noFill/>
-        </p:spPr>
-        <p:txBody>
-          <a:bodyPr wrap="square" rtlCol="0">
-            <a:spAutoFit/>
-          </a:bodyPr>
-          <a:lstStyle/>
-          <a:p>
-            <a:pPr>
-              <a:lnSpc>
-                <a:spcPts val="3000"/>
-              </a:lnSpc>
-            </a:pPr>
+              <a:rPr lang="ko-KR" altLang="en-US" sz="3500" spc="-150" dirty="0">
+                <a:solidFill>
+                  <a:schemeClr val="bg1"/>
+                </a:solidFill>
+                <a:latin typeface="배달의민족 주아" panose="02020603020101020101" pitchFamily="18" charset="-127"/>
+                <a:ea typeface="배달의민족 주아" panose="02020603020101020101" pitchFamily="18" charset="-127"/>
+              </a:rPr>
+              <a:t>게임</a:t>
+            </a:r>
             <a:r>
               <a:rPr lang="en-US" altLang="ko-KR" sz="3500" spc="-150" dirty="0">
                 <a:solidFill>
@@ -4310,17 +4141,17 @@
                 <a:latin typeface="배달의민족 주아" panose="02020603020101020101" pitchFamily="18" charset="-127"/>
                 <a:ea typeface="배달의민족 주아" panose="02020603020101020101" pitchFamily="18" charset="-127"/>
               </a:rPr>
-              <a:t>class </a:t>
-            </a:r>
-            <a:r>
-              <a:rPr lang="en-US" altLang="ko-KR" sz="3500" spc="-150" dirty="0" err="1">
-                <a:solidFill>
-                  <a:schemeClr val="bg1"/>
-                </a:solidFill>
-                <a:latin typeface="배달의민족 주아" panose="02020603020101020101" pitchFamily="18" charset="-127"/>
-                <a:ea typeface="배달의민족 주아" panose="02020603020101020101" pitchFamily="18" charset="-127"/>
-              </a:rPr>
-              <a:t>CannonGame</a:t>
+              <a:t> </a:t>
+            </a:r>
+            <a:r>
+              <a:rPr lang="ko-KR" altLang="en-US" sz="3500" spc="-150" dirty="0">
+                <a:solidFill>
+                  <a:schemeClr val="bg1"/>
+                </a:solidFill>
+                <a:latin typeface="배달의민족 주아" panose="02020603020101020101" pitchFamily="18" charset="-127"/>
+                <a:ea typeface="배달의민족 주아" panose="02020603020101020101" pitchFamily="18" charset="-127"/>
+              </a:rPr>
+              <a:t>시연 영상</a:t>
             </a:r>
             <a:endParaRPr lang="en-US" altLang="ko-KR" sz="3500" spc="-150" dirty="0">
               <a:solidFill>
@@ -4334,386 +4165,58 @@
       </p:sp>
       <p:sp>
         <p:nvSpPr>
-          <p:cNvPr id="6" name="TextBox 5">
-            <a:extLst>
-              <a:ext uri="{FF2B5EF4-FFF2-40B4-BE49-F238E27FC236}">
-                <a16:creationId xmlns:a16="http://schemas.microsoft.com/office/drawing/2014/main" id="{734E2F54-DC5C-41D6-A5DA-4E666AF0AFFE}"/>
-              </a:ext>
-            </a:extLst>
-          </p:cNvPr>
-          <p:cNvSpPr txBox="1"/>
+          <p:cNvPr id="7" name="Rectangle 6"/>
+          <p:cNvSpPr/>
           <p:nvPr/>
         </p:nvSpPr>
         <p:spPr>
           <a:xfrm>
-            <a:off x="1575461" y="3042139"/>
-            <a:ext cx="5993077" cy="2785378"/>
-          </a:xfrm>
-          <a:prstGeom prst="rect">
-            <a:avLst/>
-          </a:prstGeom>
-          <a:noFill/>
-        </p:spPr>
-        <p:txBody>
-          <a:bodyPr wrap="square" rtlCol="0">
+            <a:off x="705277" y="3253368"/>
+            <a:ext cx="2521500" cy="2246769"/>
+          </a:xfrm>
+          <a:prstGeom prst="rect">
+            <a:avLst/>
+          </a:prstGeom>
+        </p:spPr>
+        <p:txBody>
+          <a:bodyPr wrap="square">
             <a:spAutoFit/>
           </a:bodyPr>
           <a:lstStyle/>
           <a:p>
-            <a:pPr>
-              <a:lnSpc>
-                <a:spcPts val="3000"/>
-              </a:lnSpc>
-            </a:pPr>
-            <a:r>
-              <a:rPr lang="en-US" altLang="ko-KR" sz="2200" spc="-150" dirty="0">
-                <a:solidFill>
-                  <a:schemeClr val="bg1"/>
-                </a:solidFill>
-                <a:latin typeface="배달의민족 주아" panose="02020603020101020101" pitchFamily="18" charset="-127"/>
-                <a:ea typeface="배달의민족 주아" panose="02020603020101020101" pitchFamily="18" charset="-127"/>
-              </a:rPr>
-              <a:t># </a:t>
-            </a:r>
-            <a:r>
-              <a:rPr lang="ko-KR" altLang="en-US" sz="2200" spc="-150" dirty="0">
-                <a:solidFill>
-                  <a:schemeClr val="bg1"/>
-                </a:solidFill>
-                <a:latin typeface="배달의민족 주아" panose="02020603020101020101" pitchFamily="18" charset="-127"/>
-                <a:ea typeface="배달의민족 주아" panose="02020603020101020101" pitchFamily="18" charset="-127"/>
-              </a:rPr>
-              <a:t>현재 맵 출력</a:t>
-            </a:r>
-          </a:p>
-          <a:p>
-            <a:pPr>
-              <a:lnSpc>
-                <a:spcPts val="3000"/>
-              </a:lnSpc>
-            </a:pPr>
-            <a:r>
-              <a:rPr lang="ko-KR" altLang="en-US" sz="2200" spc="-150" dirty="0">
-                <a:solidFill>
-                  <a:schemeClr val="bg1"/>
-                </a:solidFill>
-                <a:latin typeface="배달의민족 주아" panose="02020603020101020101" pitchFamily="18" charset="-127"/>
-                <a:ea typeface="배달의민족 주아" panose="02020603020101020101" pitchFamily="18" charset="-127"/>
-              </a:rPr>
-              <a:t>        </a:t>
-            </a:r>
-            <a:r>
-              <a:rPr lang="en-US" altLang="ko-KR" sz="2200" spc="-150" dirty="0">
-                <a:solidFill>
-                  <a:schemeClr val="bg1"/>
-                </a:solidFill>
-                <a:latin typeface="배달의민족 주아" panose="02020603020101020101" pitchFamily="18" charset="-127"/>
-                <a:ea typeface="배달의민족 주아" panose="02020603020101020101" pitchFamily="18" charset="-127"/>
-              </a:rPr>
-              <a:t>for point in </a:t>
-            </a:r>
-            <a:r>
-              <a:rPr lang="en-US" altLang="ko-KR" sz="2200" spc="-150" dirty="0" err="1">
-                <a:solidFill>
-                  <a:schemeClr val="bg1"/>
-                </a:solidFill>
-                <a:latin typeface="배달의민족 주아" panose="02020603020101020101" pitchFamily="18" charset="-127"/>
-                <a:ea typeface="배달의민족 주아" panose="02020603020101020101" pitchFamily="18" charset="-127"/>
-              </a:rPr>
-              <a:t>self.fire.parabola</a:t>
-            </a:r>
-            <a:r>
-              <a:rPr lang="en-US" altLang="ko-KR" sz="2200" spc="-150" dirty="0">
-                <a:solidFill>
-                  <a:schemeClr val="bg1"/>
-                </a:solidFill>
-                <a:latin typeface="배달의민족 주아" panose="02020603020101020101" pitchFamily="18" charset="-127"/>
-                <a:ea typeface="배달의민족 주아" panose="02020603020101020101" pitchFamily="18" charset="-127"/>
-              </a:rPr>
-              <a:t>(angle, power):</a:t>
-            </a:r>
-          </a:p>
-          <a:p>
-            <a:pPr>
-              <a:lnSpc>
-                <a:spcPts val="3000"/>
-              </a:lnSpc>
-            </a:pPr>
-            <a:r>
-              <a:rPr lang="en-US" altLang="ko-KR" sz="2200" spc="-150" dirty="0">
-                <a:solidFill>
-                  <a:schemeClr val="bg1"/>
-                </a:solidFill>
-                <a:latin typeface="배달의민족 주아" panose="02020603020101020101" pitchFamily="18" charset="-127"/>
-                <a:ea typeface="배달의민족 주아" panose="02020603020101020101" pitchFamily="18" charset="-127"/>
-              </a:rPr>
-              <a:t>	“””	</a:t>
-            </a:r>
-            <a:r>
-              <a:rPr lang="ko-KR" altLang="en-US" sz="2200" spc="-150" dirty="0">
-                <a:solidFill>
-                  <a:schemeClr val="bg1"/>
-                </a:solidFill>
-                <a:latin typeface="배달의민족 주아" panose="02020603020101020101" pitchFamily="18" charset="-127"/>
-                <a:ea typeface="배달의민족 주아" panose="02020603020101020101" pitchFamily="18" charset="-127"/>
-              </a:rPr>
-              <a:t>생략</a:t>
-            </a:r>
-            <a:r>
-              <a:rPr lang="en-US" altLang="ko-KR" sz="2200" spc="-150" dirty="0">
-                <a:solidFill>
-                  <a:schemeClr val="bg1"/>
-                </a:solidFill>
-                <a:latin typeface="배달의민족 주아" panose="02020603020101020101" pitchFamily="18" charset="-127"/>
-                <a:ea typeface="배달의민족 주아" panose="02020603020101020101" pitchFamily="18" charset="-127"/>
-              </a:rPr>
-              <a:t>	   ”””</a:t>
-            </a:r>
-          </a:p>
-          <a:p>
-            <a:pPr>
-              <a:lnSpc>
-                <a:spcPts val="3000"/>
-              </a:lnSpc>
-            </a:pPr>
-            <a:r>
-              <a:rPr lang="en-US" altLang="ko-KR" sz="2200" spc="-150" dirty="0">
-                <a:solidFill>
-                  <a:schemeClr val="bg1"/>
-                </a:solidFill>
-                <a:latin typeface="배달의민족 주아" panose="02020603020101020101" pitchFamily="18" charset="-127"/>
-                <a:ea typeface="배달의민족 주아" panose="02020603020101020101" pitchFamily="18" charset="-127"/>
-              </a:rPr>
-              <a:t>	# </a:t>
-            </a:r>
-            <a:r>
-              <a:rPr lang="ko-KR" altLang="en-US" sz="2200" spc="-150" dirty="0">
-                <a:solidFill>
-                  <a:schemeClr val="bg1"/>
-                </a:solidFill>
-                <a:latin typeface="배달의민족 주아" panose="02020603020101020101" pitchFamily="18" charset="-127"/>
-                <a:ea typeface="배달의민족 주아" panose="02020603020101020101" pitchFamily="18" charset="-127"/>
-              </a:rPr>
-              <a:t>애니메이션 효과 구현</a:t>
-            </a:r>
-          </a:p>
-          <a:p>
-            <a:pPr>
-              <a:lnSpc>
-                <a:spcPts val="3000"/>
-              </a:lnSpc>
-            </a:pPr>
-            <a:r>
-              <a:rPr lang="ko-KR" altLang="en-US" sz="2200" spc="-150" dirty="0">
-                <a:solidFill>
-                  <a:schemeClr val="bg1"/>
-                </a:solidFill>
-                <a:latin typeface="배달의민족 주아" panose="02020603020101020101" pitchFamily="18" charset="-127"/>
-                <a:ea typeface="배달의민족 주아" panose="02020603020101020101" pitchFamily="18" charset="-127"/>
-              </a:rPr>
-              <a:t>            </a:t>
-            </a:r>
-            <a:r>
-              <a:rPr lang="en-US" altLang="ko-KR" sz="2200" spc="-150" dirty="0">
-                <a:solidFill>
-                  <a:schemeClr val="bg1"/>
-                </a:solidFill>
-                <a:latin typeface="배달의민족 주아" panose="02020603020101020101" pitchFamily="18" charset="-127"/>
-                <a:ea typeface="배달의민족 주아" panose="02020603020101020101" pitchFamily="18" charset="-127"/>
-              </a:rPr>
-              <a:t>	loop = </a:t>
-            </a:r>
-            <a:r>
-              <a:rPr lang="en-US" altLang="ko-KR" sz="2200" spc="-150" dirty="0" err="1">
-                <a:solidFill>
-                  <a:schemeClr val="bg1"/>
-                </a:solidFill>
-                <a:latin typeface="배달의민족 주아" panose="02020603020101020101" pitchFamily="18" charset="-127"/>
-                <a:ea typeface="배달의민족 주아" panose="02020603020101020101" pitchFamily="18" charset="-127"/>
-              </a:rPr>
-              <a:t>QEventLoop</a:t>
-            </a:r>
-            <a:r>
-              <a:rPr lang="en-US" altLang="ko-KR" sz="2200" spc="-150" dirty="0">
-                <a:solidFill>
-                  <a:schemeClr val="bg1"/>
-                </a:solidFill>
-                <a:latin typeface="배달의민족 주아" panose="02020603020101020101" pitchFamily="18" charset="-127"/>
-                <a:ea typeface="배달의민족 주아" panose="02020603020101020101" pitchFamily="18" charset="-127"/>
-              </a:rPr>
-              <a:t>()</a:t>
-            </a:r>
-          </a:p>
-          <a:p>
-            <a:pPr>
-              <a:lnSpc>
-                <a:spcPts val="3000"/>
-              </a:lnSpc>
-            </a:pPr>
-            <a:r>
-              <a:rPr lang="en-US" altLang="ko-KR" sz="2200" spc="-150" dirty="0">
-                <a:solidFill>
-                  <a:schemeClr val="bg1"/>
-                </a:solidFill>
-                <a:latin typeface="배달의민족 주아" panose="02020603020101020101" pitchFamily="18" charset="-127"/>
-                <a:ea typeface="배달의민족 주아" panose="02020603020101020101" pitchFamily="18" charset="-127"/>
-              </a:rPr>
-              <a:t>       	</a:t>
-            </a:r>
-            <a:r>
-              <a:rPr lang="en-US" altLang="ko-KR" sz="2200" spc="-150" dirty="0" err="1">
-                <a:solidFill>
-                  <a:schemeClr val="bg1"/>
-                </a:solidFill>
-                <a:latin typeface="배달의민족 주아" panose="02020603020101020101" pitchFamily="18" charset="-127"/>
-                <a:ea typeface="배달의민족 주아" panose="02020603020101020101" pitchFamily="18" charset="-127"/>
-              </a:rPr>
-              <a:t>QTimer.singleShot</a:t>
-            </a:r>
-            <a:r>
-              <a:rPr lang="en-US" altLang="ko-KR" sz="2200" spc="-150" dirty="0">
-                <a:solidFill>
-                  <a:schemeClr val="bg1"/>
-                </a:solidFill>
-                <a:latin typeface="배달의민족 주아" panose="02020603020101020101" pitchFamily="18" charset="-127"/>
-                <a:ea typeface="배달의민족 주아" panose="02020603020101020101" pitchFamily="18" charset="-127"/>
-              </a:rPr>
-              <a:t>(100, </a:t>
-            </a:r>
-            <a:r>
-              <a:rPr lang="en-US" altLang="ko-KR" sz="2200" spc="-150" dirty="0" err="1">
-                <a:solidFill>
-                  <a:schemeClr val="bg1"/>
-                </a:solidFill>
-                <a:latin typeface="배달의민족 주아" panose="02020603020101020101" pitchFamily="18" charset="-127"/>
-                <a:ea typeface="배달의민족 주아" panose="02020603020101020101" pitchFamily="18" charset="-127"/>
-              </a:rPr>
-              <a:t>loop.quit</a:t>
-            </a:r>
-            <a:r>
-              <a:rPr lang="en-US" altLang="ko-KR" sz="2200" spc="-150" dirty="0">
-                <a:solidFill>
-                  <a:schemeClr val="bg1"/>
-                </a:solidFill>
-                <a:latin typeface="배달의민족 주아" panose="02020603020101020101" pitchFamily="18" charset="-127"/>
-                <a:ea typeface="배달의민족 주아" panose="02020603020101020101" pitchFamily="18" charset="-127"/>
-              </a:rPr>
-              <a:t>)</a:t>
-            </a:r>
-          </a:p>
-          <a:p>
-            <a:pPr>
-              <a:lnSpc>
-                <a:spcPts val="3000"/>
-              </a:lnSpc>
-            </a:pPr>
-            <a:r>
-              <a:rPr lang="en-US" altLang="ko-KR" sz="2200" spc="-150" dirty="0">
-                <a:solidFill>
-                  <a:schemeClr val="bg1"/>
-                </a:solidFill>
-                <a:latin typeface="배달의민족 주아" panose="02020603020101020101" pitchFamily="18" charset="-127"/>
-                <a:ea typeface="배달의민족 주아" panose="02020603020101020101" pitchFamily="18" charset="-127"/>
-              </a:rPr>
-              <a:t>        	</a:t>
-            </a:r>
-            <a:r>
-              <a:rPr lang="en-US" altLang="ko-KR" sz="2200" spc="-150" dirty="0" err="1">
-                <a:solidFill>
-                  <a:schemeClr val="bg1"/>
-                </a:solidFill>
-                <a:latin typeface="배달의민족 주아" panose="02020603020101020101" pitchFamily="18" charset="-127"/>
-                <a:ea typeface="배달의민족 주아" panose="02020603020101020101" pitchFamily="18" charset="-127"/>
-              </a:rPr>
-              <a:t>loop.exec</a:t>
-            </a:r>
-            <a:r>
-              <a:rPr lang="en-US" altLang="ko-KR" sz="2200" spc="-150" dirty="0">
-                <a:solidFill>
-                  <a:schemeClr val="bg1"/>
-                </a:solidFill>
-                <a:latin typeface="배달의민족 주아" panose="02020603020101020101" pitchFamily="18" charset="-127"/>
-                <a:ea typeface="배달의민족 주아" panose="02020603020101020101" pitchFamily="18" charset="-127"/>
-              </a:rPr>
-              <a:t>_()</a:t>
-            </a:r>
-          </a:p>
-        </p:txBody>
-      </p:sp>
-      <p:sp>
-        <p:nvSpPr>
-          <p:cNvPr id="9" name="TextBox 8">
-            <a:extLst>
-              <a:ext uri="{FF2B5EF4-FFF2-40B4-BE49-F238E27FC236}">
-                <a16:creationId xmlns:a16="http://schemas.microsoft.com/office/drawing/2014/main" id="{45E7A4A0-654D-4510-9AEF-C01808466D3E}"/>
-              </a:ext>
-            </a:extLst>
-          </p:cNvPr>
-          <p:cNvSpPr txBox="1"/>
-          <p:nvPr/>
-        </p:nvSpPr>
-        <p:spPr>
-          <a:xfrm>
-            <a:off x="1575461" y="2212517"/>
-            <a:ext cx="5993077" cy="477054"/>
-          </a:xfrm>
-          <a:prstGeom prst="rect">
-            <a:avLst/>
-          </a:prstGeom>
-          <a:noFill/>
-        </p:spPr>
-        <p:txBody>
-          <a:bodyPr wrap="square" rtlCol="0">
-            <a:spAutoFit/>
-          </a:bodyPr>
-          <a:lstStyle/>
-          <a:p>
-            <a:pPr>
-              <a:lnSpc>
-                <a:spcPts val="3000"/>
-              </a:lnSpc>
-            </a:pPr>
-            <a:r>
-              <a:rPr lang="en-US" altLang="ko-KR" sz="2200" spc="-150" dirty="0">
-                <a:solidFill>
-                  <a:schemeClr val="bg1"/>
-                </a:solidFill>
-                <a:latin typeface="배달의민족 주아" panose="02020603020101020101" pitchFamily="18" charset="-127"/>
-                <a:ea typeface="배달의민족 주아" panose="02020603020101020101" pitchFamily="18" charset="-127"/>
-              </a:rPr>
-              <a:t>from PyQt5.QtCore import </a:t>
-            </a:r>
-            <a:r>
-              <a:rPr lang="en-US" altLang="ko-KR" sz="2200" spc="-150" dirty="0" err="1">
-                <a:solidFill>
-                  <a:schemeClr val="bg1"/>
-                </a:solidFill>
-                <a:latin typeface="배달의민족 주아" panose="02020603020101020101" pitchFamily="18" charset="-127"/>
-                <a:ea typeface="배달의민족 주아" panose="02020603020101020101" pitchFamily="18" charset="-127"/>
-              </a:rPr>
-              <a:t>QEventLoop</a:t>
-            </a:r>
-            <a:r>
-              <a:rPr lang="en-US" altLang="ko-KR" sz="2200" spc="-150" dirty="0">
-                <a:solidFill>
-                  <a:schemeClr val="bg1"/>
-                </a:solidFill>
-                <a:latin typeface="배달의민족 주아" panose="02020603020101020101" pitchFamily="18" charset="-127"/>
-                <a:ea typeface="배달의민족 주아" panose="02020603020101020101" pitchFamily="18" charset="-127"/>
-              </a:rPr>
-              <a:t>, </a:t>
-            </a:r>
-            <a:r>
-              <a:rPr lang="en-US" altLang="ko-KR" sz="2200" spc="-150" dirty="0" err="1">
-                <a:solidFill>
-                  <a:schemeClr val="bg1"/>
-                </a:solidFill>
-                <a:latin typeface="배달의민족 주아" panose="02020603020101020101" pitchFamily="18" charset="-127"/>
-                <a:ea typeface="배달의민족 주아" panose="02020603020101020101" pitchFamily="18" charset="-127"/>
-              </a:rPr>
-              <a:t>QTimer</a:t>
-            </a:r>
-            <a:endParaRPr lang="en-US" altLang="ko-KR" sz="2200" spc="-150" dirty="0">
+            <a:r>
+              <a:rPr lang="en-US" altLang="ko-KR" sz="2000" dirty="0">
+                <a:solidFill>
+                  <a:schemeClr val="bg1"/>
+                </a:solidFill>
+                <a:latin typeface="배달의민족 주아" panose="02020603020101020101" pitchFamily="18" charset="-127"/>
+                <a:ea typeface="배달의민족 주아" panose="02020603020101020101" pitchFamily="18" charset="-127"/>
+              </a:rPr>
+              <a:t>1. New Game! </a:t>
+            </a:r>
+            <a:r>
+              <a:rPr lang="ko-KR" altLang="en-US" sz="2000" dirty="0">
+                <a:solidFill>
+                  <a:schemeClr val="bg1"/>
+                </a:solidFill>
+                <a:latin typeface="배달의민족 주아" panose="02020603020101020101" pitchFamily="18" charset="-127"/>
+                <a:ea typeface="배달의민족 주아" panose="02020603020101020101" pitchFamily="18" charset="-127"/>
+              </a:rPr>
+              <a:t>버튼</a:t>
+            </a:r>
+            <a:r>
+              <a:rPr lang="en-US" altLang="ko-KR" sz="2000" dirty="0">
+                <a:solidFill>
+                  <a:schemeClr val="bg1"/>
+                </a:solidFill>
+                <a:latin typeface="배달의민족 주아" panose="02020603020101020101" pitchFamily="18" charset="-127"/>
+                <a:ea typeface="배달의민족 주아" panose="02020603020101020101" pitchFamily="18" charset="-127"/>
+              </a:rPr>
+              <a:t> </a:t>
+            </a:r>
+          </a:p>
+          <a:p>
+            <a:endParaRPr lang="en-US" altLang="ko-KR" sz="2000" dirty="0">
               <a:solidFill>
                 <a:schemeClr val="bg1"/>
               </a:solidFill>
@@ -4721,12 +4224,199 @@
               <a:ea typeface="배달의민족 주아" panose="02020603020101020101" pitchFamily="18" charset="-127"/>
             </a:endParaRPr>
           </a:p>
-        </p:txBody>
-      </p:sp>
+          <a:p>
+            <a:r>
+              <a:rPr lang="en-US" altLang="ko-KR" sz="2000" dirty="0">
+                <a:solidFill>
+                  <a:schemeClr val="bg1"/>
+                </a:solidFill>
+                <a:latin typeface="배달의민족 주아" panose="02020603020101020101" pitchFamily="18" charset="-127"/>
+                <a:ea typeface="배달의민족 주아" panose="02020603020101020101" pitchFamily="18" charset="-127"/>
+              </a:rPr>
+              <a:t>2. File! </a:t>
+            </a:r>
+            <a:r>
+              <a:rPr lang="ko-KR" altLang="en-US" sz="2000" dirty="0">
+                <a:solidFill>
+                  <a:schemeClr val="bg1"/>
+                </a:solidFill>
+                <a:latin typeface="배달의민족 주아" panose="02020603020101020101" pitchFamily="18" charset="-127"/>
+                <a:ea typeface="배달의민족 주아" panose="02020603020101020101" pitchFamily="18" charset="-127"/>
+              </a:rPr>
+              <a:t>버튼</a:t>
+            </a:r>
+            <a:endParaRPr lang="en-US" altLang="ko-KR" sz="2000" dirty="0">
+              <a:solidFill>
+                <a:schemeClr val="bg1"/>
+              </a:solidFill>
+              <a:latin typeface="배달의민족 주아" panose="02020603020101020101" pitchFamily="18" charset="-127"/>
+              <a:ea typeface="배달의민족 주아" panose="02020603020101020101" pitchFamily="18" charset="-127"/>
+            </a:endParaRPr>
+          </a:p>
+          <a:p>
+            <a:endParaRPr lang="en-US" altLang="ko-KR" sz="2000" dirty="0">
+              <a:solidFill>
+                <a:schemeClr val="bg1"/>
+              </a:solidFill>
+              <a:latin typeface="배달의민족 주아" panose="02020603020101020101" pitchFamily="18" charset="-127"/>
+              <a:ea typeface="배달의민족 주아" panose="02020603020101020101" pitchFamily="18" charset="-127"/>
+            </a:endParaRPr>
+          </a:p>
+          <a:p>
+            <a:r>
+              <a:rPr lang="en-US" altLang="ko-KR" sz="2000" dirty="0">
+                <a:solidFill>
+                  <a:schemeClr val="bg1"/>
+                </a:solidFill>
+                <a:latin typeface="배달의민족 주아" panose="02020603020101020101" pitchFamily="18" charset="-127"/>
+                <a:ea typeface="배달의민족 주아" panose="02020603020101020101" pitchFamily="18" charset="-127"/>
+              </a:rPr>
+              <a:t>3. </a:t>
+            </a:r>
+            <a:r>
+              <a:rPr lang="ko-KR" altLang="en-US" sz="2000" dirty="0">
+                <a:solidFill>
+                  <a:schemeClr val="bg1"/>
+                </a:solidFill>
+                <a:latin typeface="배달의민족 주아" panose="02020603020101020101" pitchFamily="18" charset="-127"/>
+                <a:ea typeface="배달의민족 주아" panose="02020603020101020101" pitchFamily="18" charset="-127"/>
+              </a:rPr>
+              <a:t>목표를 못 맞춘 경우</a:t>
+            </a:r>
+            <a:endParaRPr lang="en-US" altLang="ko-KR" sz="2000" dirty="0">
+              <a:solidFill>
+                <a:schemeClr val="bg1"/>
+              </a:solidFill>
+              <a:latin typeface="배달의민족 주아" panose="02020603020101020101" pitchFamily="18" charset="-127"/>
+              <a:ea typeface="배달의민족 주아" panose="02020603020101020101" pitchFamily="18" charset="-127"/>
+            </a:endParaRPr>
+          </a:p>
+          <a:p>
+            <a:endParaRPr lang="en-US" altLang="ko-KR" sz="2000" dirty="0">
+              <a:solidFill>
+                <a:schemeClr val="bg1"/>
+              </a:solidFill>
+              <a:latin typeface="배달의민족 주아" panose="02020603020101020101" pitchFamily="18" charset="-127"/>
+              <a:ea typeface="배달의민족 주아" panose="02020603020101020101" pitchFamily="18" charset="-127"/>
+            </a:endParaRPr>
+          </a:p>
+          <a:p>
+            <a:r>
+              <a:rPr lang="en-US" altLang="ko-KR" sz="2000" dirty="0">
+                <a:solidFill>
+                  <a:srgbClr val="FFFF00"/>
+                </a:solidFill>
+                <a:latin typeface="배달의민족 주아" panose="02020603020101020101" pitchFamily="18" charset="-127"/>
+                <a:ea typeface="배달의민족 주아" panose="02020603020101020101" pitchFamily="18" charset="-127"/>
+              </a:rPr>
+              <a:t>4. </a:t>
+            </a:r>
+            <a:r>
+              <a:rPr lang="ko-KR" altLang="en-US" sz="2000" dirty="0">
+                <a:solidFill>
+                  <a:srgbClr val="FFFF00"/>
+                </a:solidFill>
+                <a:latin typeface="배달의민족 주아" panose="02020603020101020101" pitchFamily="18" charset="-127"/>
+                <a:ea typeface="배달의민족 주아" panose="02020603020101020101" pitchFamily="18" charset="-127"/>
+              </a:rPr>
+              <a:t>목표를 맞춘 경우</a:t>
+            </a:r>
+            <a:endParaRPr lang="en-US" altLang="ko-KR" sz="2000" dirty="0">
+              <a:solidFill>
+                <a:srgbClr val="FFFF00"/>
+              </a:solidFill>
+              <a:latin typeface="배달의민족 주아" panose="02020603020101020101" pitchFamily="18" charset="-127"/>
+              <a:ea typeface="배달의민족 주아" panose="02020603020101020101" pitchFamily="18" charset="-127"/>
+            </a:endParaRPr>
+          </a:p>
+        </p:txBody>
+      </p:sp>
+      <p:sp>
+        <p:nvSpPr>
+          <p:cNvPr id="10" name="Rectangle 9"/>
+          <p:cNvSpPr/>
+          <p:nvPr/>
+        </p:nvSpPr>
+        <p:spPr>
+          <a:xfrm>
+            <a:off x="3448139" y="1310745"/>
+            <a:ext cx="5196838" cy="4572000"/>
+          </a:xfrm>
+          <a:prstGeom prst="rect">
+            <a:avLst/>
+          </a:prstGeom>
+          <a:noFill/>
+          <a:ln w="127000">
+            <a:solidFill>
+              <a:schemeClr val="bg1"/>
+            </a:solidFill>
+          </a:ln>
+        </p:spPr>
+        <p:style>
+          <a:lnRef idx="2">
+            <a:schemeClr val="accent1">
+              <a:shade val="50000"/>
+            </a:schemeClr>
+          </a:lnRef>
+          <a:fillRef idx="1">
+            <a:schemeClr val="accent1"/>
+          </a:fillRef>
+          <a:effectRef idx="0">
+            <a:schemeClr val="accent1"/>
+          </a:effectRef>
+          <a:fontRef idx="minor">
+            <a:schemeClr val="lt1"/>
+          </a:fontRef>
+        </p:style>
+        <p:txBody>
+          <a:bodyPr rtlCol="0" anchor="ctr"/>
+          <a:lstStyle/>
+          <a:p>
+            <a:pPr algn="ctr"/>
+            <a:endParaRPr lang="ko-KR" altLang="en-US" dirty="0"/>
+          </a:p>
+        </p:txBody>
+      </p:sp>
+      <p:pic>
+        <p:nvPicPr>
+          <p:cNvPr id="3" name="그림 2">
+            <a:extLst>
+              <a:ext uri="{FF2B5EF4-FFF2-40B4-BE49-F238E27FC236}">
+                <a16:creationId xmlns:a16="http://schemas.microsoft.com/office/drawing/2014/main" id="{C13D0E27-11D3-4517-87E0-1F9396F41B83}"/>
+              </a:ext>
+            </a:extLst>
+          </p:cNvPr>
+          <p:cNvPicPr>
+            <a:picLocks noChangeAspect="1"/>
+          </p:cNvPicPr>
+          <p:nvPr/>
+        </p:nvPicPr>
+        <p:blipFill>
+          <a:blip r:embed="rId2">
+            <a:extLst>
+              <a:ext uri="{28A0092B-C50C-407E-A947-70E740481C1C}">
+                <a14:useLocalDpi xmlns:a14="http://schemas.microsoft.com/office/drawing/2010/main" val="0"/>
+              </a:ext>
+            </a:extLst>
+          </a:blip>
+          <a:stretch>
+            <a:fillRect/>
+          </a:stretch>
+        </p:blipFill>
+        <p:spPr>
+          <a:xfrm>
+            <a:off x="3518996" y="1374015"/>
+            <a:ext cx="5070268" cy="4447665"/>
+          </a:xfrm>
+          <a:prstGeom prst="rect">
+            <a:avLst/>
+          </a:prstGeom>
+        </p:spPr>
+      </p:pic>
     </p:spTree>
     <p:extLst>
       <p:ext uri="{BB962C8B-B14F-4D97-AF65-F5344CB8AC3E}">
-        <p14:creationId xmlns:p14="http://schemas.microsoft.com/office/powerpoint/2010/main" val="336655071"/>
+        <p14:creationId xmlns:p14="http://schemas.microsoft.com/office/powerpoint/2010/main" val="944039596"/>
       </p:ext>
     </p:extLst>
   </p:cSld>
@@ -7628,14 +7318,20 @@
       </p:grpSpPr>
       <p:sp>
         <p:nvSpPr>
-          <p:cNvPr id="6" name="TextBox 5"/>
+          <p:cNvPr id="3" name="TextBox 2">
+            <a:extLst>
+              <a:ext uri="{FF2B5EF4-FFF2-40B4-BE49-F238E27FC236}">
+                <a16:creationId xmlns:a16="http://schemas.microsoft.com/office/drawing/2014/main" id="{62BF8E07-BEF5-4AC5-92E2-97513FF42373}"/>
+              </a:ext>
+            </a:extLst>
+          </p:cNvPr>
           <p:cNvSpPr txBox="1"/>
           <p:nvPr/>
         </p:nvSpPr>
         <p:spPr>
           <a:xfrm>
-            <a:off x="816858" y="795219"/>
-            <a:ext cx="2631281" cy="515526"/>
+            <a:off x="993878" y="646335"/>
+            <a:ext cx="2631281" cy="553998"/>
           </a:xfrm>
           <a:prstGeom prst="rect">
             <a:avLst/>
@@ -7654,299 +7350,372 @@
               </a:lnSpc>
             </a:pPr>
             <a:r>
-              <a:rPr lang="ko-KR" altLang="en-US" sz="3500" spc="-150" dirty="0">
-                <a:solidFill>
-                  <a:schemeClr val="bg1"/>
-                </a:solidFill>
-                <a:latin typeface="배달의민족 주아" panose="02020603020101020101" pitchFamily="18" charset="-127"/>
-                <a:ea typeface="배달의민족 주아" panose="02020603020101020101" pitchFamily="18" charset="-127"/>
-              </a:rPr>
-              <a:t>게임</a:t>
-            </a:r>
-            <a:r>
-              <a:rPr lang="en-US" altLang="ko-KR" sz="3500" spc="-150" dirty="0">
-                <a:solidFill>
-                  <a:schemeClr val="bg1"/>
-                </a:solidFill>
-                <a:latin typeface="배달의민족 주아" panose="02020603020101020101" pitchFamily="18" charset="-127"/>
-                <a:ea typeface="배달의민족 주아" panose="02020603020101020101" pitchFamily="18" charset="-127"/>
-              </a:rPr>
-              <a:t> </a:t>
-            </a:r>
-            <a:r>
-              <a:rPr lang="ko-KR" altLang="en-US" sz="3500" spc="-150" dirty="0">
-                <a:solidFill>
-                  <a:schemeClr val="bg1"/>
-                </a:solidFill>
-                <a:latin typeface="배달의민족 주아" panose="02020603020101020101" pitchFamily="18" charset="-127"/>
-                <a:ea typeface="배달의민족 주아" panose="02020603020101020101" pitchFamily="18" charset="-127"/>
-              </a:rPr>
-              <a:t>시연 영상</a:t>
-            </a:r>
-            <a:endParaRPr lang="en-US" altLang="ko-KR" sz="3500" spc="-150" dirty="0">
-              <a:solidFill>
-                <a:schemeClr val="bg1"/>
-              </a:solidFill>
-              <a:latin typeface="배달의민족 주아" panose="02020603020101020101" pitchFamily="18" charset="-127"/>
-              <a:ea typeface="배달의민족 주아" panose="02020603020101020101" pitchFamily="18" charset="-127"/>
-            </a:endParaRPr>
-          </a:p>
-        </p:txBody>
-      </p:sp>
-      <p:sp>
-        <p:nvSpPr>
-          <p:cNvPr id="7" name="Rectangle 6"/>
-          <p:cNvSpPr/>
+              <a:rPr lang="en-US" altLang="ko-KR" sz="4500" spc="-150" dirty="0">
+                <a:solidFill>
+                  <a:schemeClr val="bg1"/>
+                </a:solidFill>
+                <a:latin typeface="배달의민족 주아" panose="02020603020101020101" pitchFamily="18" charset="-127"/>
+                <a:ea typeface="배달의민족 주아" panose="02020603020101020101" pitchFamily="18" charset="-127"/>
+              </a:rPr>
+              <a:t>game.py</a:t>
+            </a:r>
+          </a:p>
+        </p:txBody>
+      </p:sp>
+      <p:sp>
+        <p:nvSpPr>
+          <p:cNvPr id="4" name="TextBox 3">
+            <a:extLst>
+              <a:ext uri="{FF2B5EF4-FFF2-40B4-BE49-F238E27FC236}">
+                <a16:creationId xmlns:a16="http://schemas.microsoft.com/office/drawing/2014/main" id="{D5CC1F70-E3B6-4839-9912-E2B363B3A3BA}"/>
+              </a:ext>
+            </a:extLst>
+          </p:cNvPr>
+          <p:cNvSpPr txBox="1"/>
           <p:nvPr/>
         </p:nvSpPr>
         <p:spPr>
           <a:xfrm>
-            <a:off x="705277" y="3253368"/>
-            <a:ext cx="2521500" cy="2246769"/>
-          </a:xfrm>
-          <a:prstGeom prst="rect">
-            <a:avLst/>
-          </a:prstGeom>
-        </p:spPr>
-        <p:txBody>
-          <a:bodyPr wrap="square">
+            <a:off x="809239" y="1910083"/>
+            <a:ext cx="5398131" cy="515526"/>
+          </a:xfrm>
+          <a:prstGeom prst="rect">
+            <a:avLst/>
+          </a:prstGeom>
+          <a:noFill/>
+        </p:spPr>
+        <p:txBody>
+          <a:bodyPr wrap="square" rtlCol="0">
             <a:spAutoFit/>
           </a:bodyPr>
           <a:lstStyle/>
           <a:p>
-            <a:r>
-              <a:rPr lang="en-US" altLang="ko-KR" sz="2000" dirty="0">
-                <a:solidFill>
-                  <a:schemeClr val="bg1"/>
-                </a:solidFill>
-                <a:latin typeface="배달의민족 주아" panose="02020603020101020101" pitchFamily="18" charset="-127"/>
-                <a:ea typeface="배달의민족 주아" panose="02020603020101020101" pitchFamily="18" charset="-127"/>
-              </a:rPr>
-              <a:t>1. New Game! </a:t>
-            </a:r>
-            <a:r>
-              <a:rPr lang="ko-KR" altLang="en-US" sz="2000" dirty="0">
-                <a:solidFill>
-                  <a:schemeClr val="bg1"/>
-                </a:solidFill>
-                <a:latin typeface="배달의민족 주아" panose="02020603020101020101" pitchFamily="18" charset="-127"/>
-                <a:ea typeface="배달의민족 주아" panose="02020603020101020101" pitchFamily="18" charset="-127"/>
-              </a:rPr>
-              <a:t>버튼</a:t>
-            </a:r>
-            <a:r>
-              <a:rPr lang="en-US" altLang="ko-KR" sz="2000" dirty="0">
-                <a:solidFill>
-                  <a:schemeClr val="bg1"/>
-                </a:solidFill>
-                <a:latin typeface="배달의민족 주아" panose="02020603020101020101" pitchFamily="18" charset="-127"/>
-                <a:ea typeface="배달의민족 주아" panose="02020603020101020101" pitchFamily="18" charset="-127"/>
-              </a:rPr>
-              <a:t> </a:t>
-            </a:r>
-          </a:p>
-          <a:p>
-            <a:endParaRPr lang="en-US" altLang="ko-KR" sz="2000" dirty="0">
-              <a:solidFill>
-                <a:schemeClr val="bg1"/>
-              </a:solidFill>
-              <a:latin typeface="배달의민족 주아" panose="02020603020101020101" pitchFamily="18" charset="-127"/>
-              <a:ea typeface="배달의민족 주아" panose="02020603020101020101" pitchFamily="18" charset="-127"/>
-            </a:endParaRPr>
-          </a:p>
-          <a:p>
-            <a:r>
-              <a:rPr lang="en-US" altLang="ko-KR" sz="2000" dirty="0">
-                <a:solidFill>
-                  <a:schemeClr val="bg1"/>
-                </a:solidFill>
-                <a:latin typeface="배달의민족 주아" panose="02020603020101020101" pitchFamily="18" charset="-127"/>
-                <a:ea typeface="배달의민족 주아" panose="02020603020101020101" pitchFamily="18" charset="-127"/>
-              </a:rPr>
-              <a:t>2. File! </a:t>
-            </a:r>
-            <a:r>
-              <a:rPr lang="ko-KR" altLang="en-US" sz="2000" dirty="0">
-                <a:solidFill>
-                  <a:schemeClr val="bg1"/>
-                </a:solidFill>
-                <a:latin typeface="배달의민족 주아" panose="02020603020101020101" pitchFamily="18" charset="-127"/>
-                <a:ea typeface="배달의민족 주아" panose="02020603020101020101" pitchFamily="18" charset="-127"/>
-              </a:rPr>
-              <a:t>버튼</a:t>
-            </a:r>
-            <a:endParaRPr lang="en-US" altLang="ko-KR" sz="2000" dirty="0">
-              <a:solidFill>
-                <a:schemeClr val="bg1"/>
-              </a:solidFill>
-              <a:latin typeface="배달의민족 주아" panose="02020603020101020101" pitchFamily="18" charset="-127"/>
-              <a:ea typeface="배달의민족 주아" panose="02020603020101020101" pitchFamily="18" charset="-127"/>
-            </a:endParaRPr>
-          </a:p>
-          <a:p>
-            <a:endParaRPr lang="en-US" altLang="ko-KR" sz="2000" dirty="0">
-              <a:solidFill>
-                <a:schemeClr val="bg1"/>
-              </a:solidFill>
-              <a:latin typeface="배달의민족 주아" panose="02020603020101020101" pitchFamily="18" charset="-127"/>
-              <a:ea typeface="배달의민족 주아" panose="02020603020101020101" pitchFamily="18" charset="-127"/>
-            </a:endParaRPr>
-          </a:p>
-          <a:p>
-            <a:r>
-              <a:rPr lang="en-US" altLang="ko-KR" sz="2000" dirty="0">
-                <a:solidFill>
-                  <a:schemeClr val="bg1"/>
-                </a:solidFill>
-                <a:latin typeface="배달의민족 주아" panose="02020603020101020101" pitchFamily="18" charset="-127"/>
-                <a:ea typeface="배달의민족 주아" panose="02020603020101020101" pitchFamily="18" charset="-127"/>
-              </a:rPr>
-              <a:t>3. </a:t>
-            </a:r>
-            <a:r>
-              <a:rPr lang="ko-KR" altLang="en-US" sz="2000" dirty="0">
-                <a:solidFill>
-                  <a:schemeClr val="bg1"/>
-                </a:solidFill>
-                <a:latin typeface="배달의민족 주아" panose="02020603020101020101" pitchFamily="18" charset="-127"/>
-                <a:ea typeface="배달의민족 주아" panose="02020603020101020101" pitchFamily="18" charset="-127"/>
-              </a:rPr>
-              <a:t>목표를 못 맞춘 경우</a:t>
-            </a:r>
-            <a:endParaRPr lang="en-US" altLang="ko-KR" sz="2000" dirty="0">
-              <a:solidFill>
-                <a:schemeClr val="bg1"/>
-              </a:solidFill>
-              <a:latin typeface="배달의민족 주아" panose="02020603020101020101" pitchFamily="18" charset="-127"/>
-              <a:ea typeface="배달의민족 주아" panose="02020603020101020101" pitchFamily="18" charset="-127"/>
-            </a:endParaRPr>
-          </a:p>
-          <a:p>
-            <a:endParaRPr lang="en-US" altLang="ko-KR" sz="2000" dirty="0">
-              <a:solidFill>
-                <a:schemeClr val="bg1"/>
-              </a:solidFill>
-              <a:latin typeface="배달의민족 주아" panose="02020603020101020101" pitchFamily="18" charset="-127"/>
-              <a:ea typeface="배달의민족 주아" panose="02020603020101020101" pitchFamily="18" charset="-127"/>
-            </a:endParaRPr>
-          </a:p>
-          <a:p>
-            <a:r>
-              <a:rPr lang="en-US" altLang="ko-KR" sz="2000" dirty="0">
-                <a:solidFill>
-                  <a:schemeClr val="bg1"/>
-                </a:solidFill>
-                <a:latin typeface="배달의민족 주아" panose="02020603020101020101" pitchFamily="18" charset="-127"/>
-                <a:ea typeface="배달의민족 주아" panose="02020603020101020101" pitchFamily="18" charset="-127"/>
-              </a:rPr>
-              <a:t>4. </a:t>
-            </a:r>
-            <a:r>
-              <a:rPr lang="ko-KR" altLang="en-US" sz="2000" dirty="0">
-                <a:solidFill>
-                  <a:schemeClr val="bg1"/>
-                </a:solidFill>
-                <a:latin typeface="배달의민족 주아" panose="02020603020101020101" pitchFamily="18" charset="-127"/>
-                <a:ea typeface="배달의민족 주아" panose="02020603020101020101" pitchFamily="18" charset="-127"/>
-              </a:rPr>
-              <a:t>목표를 맞춘 경우</a:t>
-            </a:r>
-            <a:endParaRPr lang="en-US" altLang="ko-KR" sz="2000" dirty="0">
-              <a:solidFill>
-                <a:schemeClr val="bg1"/>
-              </a:solidFill>
-              <a:latin typeface="배달의민족 주아" panose="02020603020101020101" pitchFamily="18" charset="-127"/>
-              <a:ea typeface="배달의민족 주아" panose="02020603020101020101" pitchFamily="18" charset="-127"/>
-            </a:endParaRPr>
-          </a:p>
-        </p:txBody>
-      </p:sp>
-      <p:sp>
-        <p:nvSpPr>
-          <p:cNvPr id="10" name="Rectangle 9"/>
-          <p:cNvSpPr/>
-          <p:nvPr/>
-        </p:nvSpPr>
-        <p:spPr>
-          <a:xfrm>
-            <a:off x="3448139" y="1310745"/>
-            <a:ext cx="5196838" cy="4572000"/>
-          </a:xfrm>
-          <a:prstGeom prst="rect">
-            <a:avLst/>
-          </a:prstGeom>
-          <a:noFill/>
-          <a:ln w="127000">
-            <a:solidFill>
-              <a:schemeClr val="bg1"/>
-            </a:solidFill>
-          </a:ln>
-        </p:spPr>
-        <p:style>
-          <a:lnRef idx="2">
-            <a:schemeClr val="accent1">
-              <a:shade val="50000"/>
-            </a:schemeClr>
-          </a:lnRef>
-          <a:fillRef idx="1">
-            <a:schemeClr val="accent1"/>
-          </a:fillRef>
-          <a:effectRef idx="0">
-            <a:schemeClr val="accent1"/>
-          </a:effectRef>
-          <a:fontRef idx="minor">
-            <a:schemeClr val="lt1"/>
-          </a:fontRef>
-        </p:style>
-        <p:txBody>
-          <a:bodyPr rtlCol="0" anchor="ctr"/>
-          <a:lstStyle/>
-          <a:p>
-            <a:pPr algn="ctr"/>
-            <a:endParaRPr lang="ko-KR" altLang="en-US" dirty="0"/>
-          </a:p>
-        </p:txBody>
-      </p:sp>
-      <p:pic>
-        <p:nvPicPr>
-          <p:cNvPr id="3" name="그림 2">
+            <a:pPr>
+              <a:lnSpc>
+                <a:spcPts val="3000"/>
+              </a:lnSpc>
+            </a:pPr>
+            <a:r>
+              <a:rPr lang="en-US" altLang="ko-KR" sz="3500" spc="-150" dirty="0">
+                <a:solidFill>
+                  <a:schemeClr val="bg1"/>
+                </a:solidFill>
+                <a:latin typeface="배달의민족 주아" panose="02020603020101020101" pitchFamily="18" charset="-127"/>
+                <a:ea typeface="배달의민족 주아" panose="02020603020101020101" pitchFamily="18" charset="-127"/>
+              </a:rPr>
+              <a:t>class </a:t>
+            </a:r>
+            <a:r>
+              <a:rPr lang="en-US" altLang="ko-KR" sz="3500" spc="-150" dirty="0" err="1">
+                <a:solidFill>
+                  <a:schemeClr val="bg1"/>
+                </a:solidFill>
+                <a:latin typeface="배달의민족 주아" panose="02020603020101020101" pitchFamily="18" charset="-127"/>
+                <a:ea typeface="배달의민족 주아" panose="02020603020101020101" pitchFamily="18" charset="-127"/>
+              </a:rPr>
+              <a:t>CannonGame</a:t>
+            </a:r>
+            <a:r>
+              <a:rPr lang="en-US" altLang="ko-KR" sz="3500" spc="-150" dirty="0">
+                <a:solidFill>
+                  <a:schemeClr val="bg1"/>
+                </a:solidFill>
+                <a:latin typeface="배달의민족 주아" panose="02020603020101020101" pitchFamily="18" charset="-127"/>
+                <a:ea typeface="배달의민족 주아" panose="02020603020101020101" pitchFamily="18" charset="-127"/>
+              </a:rPr>
+              <a:t>(</a:t>
+            </a:r>
+            <a:r>
+              <a:rPr lang="en-US" altLang="ko-KR" sz="3500" spc="-150" dirty="0" err="1">
+                <a:solidFill>
+                  <a:schemeClr val="bg1"/>
+                </a:solidFill>
+                <a:latin typeface="배달의민족 주아" panose="02020603020101020101" pitchFamily="18" charset="-127"/>
+                <a:ea typeface="배달의민족 주아" panose="02020603020101020101" pitchFamily="18" charset="-127"/>
+              </a:rPr>
+              <a:t>Qwidget</a:t>
+            </a:r>
+            <a:r>
+              <a:rPr lang="en-US" altLang="ko-KR" sz="3500" spc="-150" dirty="0">
+                <a:solidFill>
+                  <a:schemeClr val="bg1"/>
+                </a:solidFill>
+                <a:latin typeface="배달의민족 주아" panose="02020603020101020101" pitchFamily="18" charset="-127"/>
+                <a:ea typeface="배달의민족 주아" panose="02020603020101020101" pitchFamily="18" charset="-127"/>
+              </a:rPr>
+              <a:t>)</a:t>
+            </a:r>
+          </a:p>
+        </p:txBody>
+      </p:sp>
+      <p:sp>
+        <p:nvSpPr>
+          <p:cNvPr id="5" name="TextBox 4">
             <a:extLst>
               <a:ext uri="{FF2B5EF4-FFF2-40B4-BE49-F238E27FC236}">
-                <a16:creationId xmlns:a16="http://schemas.microsoft.com/office/drawing/2014/main" id="{C13D0E27-11D3-4517-87E0-1F9396F41B83}"/>
+                <a16:creationId xmlns:a16="http://schemas.microsoft.com/office/drawing/2014/main" id="{3583565E-7A5D-4BE8-A6FC-1B97D73C5238}"/>
               </a:ext>
             </a:extLst>
           </p:cNvPr>
-          <p:cNvPicPr>
-            <a:picLocks noChangeAspect="1"/>
-          </p:cNvPicPr>
+          <p:cNvSpPr txBox="1"/>
           <p:nvPr/>
-        </p:nvPicPr>
-        <p:blipFill>
-          <a:blip r:embed="rId2">
+        </p:nvSpPr>
+        <p:spPr>
+          <a:xfrm>
+            <a:off x="1673816" y="2660360"/>
+            <a:ext cx="5993077" cy="515526"/>
+          </a:xfrm>
+          <a:prstGeom prst="rect">
+            <a:avLst/>
+          </a:prstGeom>
+          <a:noFill/>
+        </p:spPr>
+        <p:txBody>
+          <a:bodyPr wrap="square" rtlCol="0">
+            <a:spAutoFit/>
+          </a:bodyPr>
+          <a:lstStyle/>
+          <a:p>
+            <a:pPr>
+              <a:lnSpc>
+                <a:spcPts val="3000"/>
+              </a:lnSpc>
+            </a:pPr>
+            <a:r>
+              <a:rPr lang="en-US" altLang="ko-KR" sz="3500" spc="-150" dirty="0">
+                <a:solidFill>
+                  <a:schemeClr val="bg1"/>
+                </a:solidFill>
+                <a:latin typeface="배달의민족 주아" panose="02020603020101020101" pitchFamily="18" charset="-127"/>
+                <a:ea typeface="배달의민족 주아" panose="02020603020101020101" pitchFamily="18" charset="-127"/>
+              </a:rPr>
+              <a:t>def __</a:t>
+            </a:r>
+            <a:r>
+              <a:rPr lang="en-US" altLang="ko-KR" sz="3500" spc="-150" dirty="0" err="1">
+                <a:solidFill>
+                  <a:schemeClr val="bg1"/>
+                </a:solidFill>
+                <a:latin typeface="배달의민족 주아" panose="02020603020101020101" pitchFamily="18" charset="-127"/>
+                <a:ea typeface="배달의민족 주아" panose="02020603020101020101" pitchFamily="18" charset="-127"/>
+              </a:rPr>
+              <a:t>init</a:t>
+            </a:r>
+            <a:r>
+              <a:rPr lang="en-US" altLang="ko-KR" sz="3500" spc="-150" dirty="0">
+                <a:solidFill>
+                  <a:schemeClr val="bg1"/>
+                </a:solidFill>
+                <a:latin typeface="배달의민족 주아" panose="02020603020101020101" pitchFamily="18" charset="-127"/>
+                <a:ea typeface="배달의민족 주아" panose="02020603020101020101" pitchFamily="18" charset="-127"/>
+              </a:rPr>
+              <a:t>__(self, parent = None)</a:t>
+            </a:r>
+          </a:p>
+        </p:txBody>
+      </p:sp>
+      <p:sp>
+        <p:nvSpPr>
+          <p:cNvPr id="6" name="TextBox 5">
             <a:extLst>
-              <a:ext uri="{28A0092B-C50C-407E-A947-70E740481C1C}">
-                <a14:useLocalDpi xmlns:a14="http://schemas.microsoft.com/office/drawing/2010/main" val="0"/>
+              <a:ext uri="{FF2B5EF4-FFF2-40B4-BE49-F238E27FC236}">
+                <a16:creationId xmlns:a16="http://schemas.microsoft.com/office/drawing/2014/main" id="{513A35D9-918A-43F2-B11A-FC3EA3167ADE}"/>
               </a:ext>
             </a:extLst>
-          </a:blip>
-          <a:stretch>
-            <a:fillRect/>
-          </a:stretch>
-        </p:blipFill>
-        <p:spPr>
-          <a:xfrm>
-            <a:off x="3519258" y="1374256"/>
-            <a:ext cx="5060862" cy="4453520"/>
-          </a:xfrm>
-          <a:prstGeom prst="rect">
-            <a:avLst/>
-          </a:prstGeom>
-        </p:spPr>
-      </p:pic>
+          </p:cNvPr>
+          <p:cNvSpPr txBox="1"/>
+          <p:nvPr/>
+        </p:nvSpPr>
+        <p:spPr>
+          <a:xfrm>
+            <a:off x="1673816" y="3707567"/>
+            <a:ext cx="5398131" cy="515526"/>
+          </a:xfrm>
+          <a:prstGeom prst="rect">
+            <a:avLst/>
+          </a:prstGeom>
+          <a:noFill/>
+        </p:spPr>
+        <p:txBody>
+          <a:bodyPr wrap="square" rtlCol="0">
+            <a:spAutoFit/>
+          </a:bodyPr>
+          <a:lstStyle/>
+          <a:p>
+            <a:pPr>
+              <a:lnSpc>
+                <a:spcPts val="3000"/>
+              </a:lnSpc>
+            </a:pPr>
+            <a:r>
+              <a:rPr lang="en-US" altLang="ko-KR" sz="3500" spc="-150" dirty="0">
+                <a:solidFill>
+                  <a:schemeClr val="bg1"/>
+                </a:solidFill>
+                <a:latin typeface="배달의민족 주아" panose="02020603020101020101" pitchFamily="18" charset="-127"/>
+                <a:ea typeface="배달의민족 주아" panose="02020603020101020101" pitchFamily="18" charset="-127"/>
+              </a:rPr>
+              <a:t>def </a:t>
+            </a:r>
+            <a:r>
+              <a:rPr lang="en-US" altLang="ko-KR" sz="3500" spc="-150" dirty="0" err="1">
+                <a:solidFill>
+                  <a:schemeClr val="bg1"/>
+                </a:solidFill>
+                <a:latin typeface="배달의민족 주아" panose="02020603020101020101" pitchFamily="18" charset="-127"/>
+                <a:ea typeface="배달의민족 주아" panose="02020603020101020101" pitchFamily="18" charset="-127"/>
+              </a:rPr>
+              <a:t>btnNewGameClicked</a:t>
+            </a:r>
+            <a:r>
+              <a:rPr lang="en-US" altLang="ko-KR" sz="3500" spc="-150" dirty="0">
+                <a:solidFill>
+                  <a:schemeClr val="bg1"/>
+                </a:solidFill>
+                <a:latin typeface="배달의민족 주아" panose="02020603020101020101" pitchFamily="18" charset="-127"/>
+                <a:ea typeface="배달의민족 주아" panose="02020603020101020101" pitchFamily="18" charset="-127"/>
+              </a:rPr>
+              <a:t>(self)</a:t>
+            </a:r>
+          </a:p>
+        </p:txBody>
+      </p:sp>
+      <p:sp>
+        <p:nvSpPr>
+          <p:cNvPr id="7" name="TextBox 6">
+            <a:extLst>
+              <a:ext uri="{FF2B5EF4-FFF2-40B4-BE49-F238E27FC236}">
+                <a16:creationId xmlns:a16="http://schemas.microsoft.com/office/drawing/2014/main" id="{6EB5A3DD-127C-45DB-92B0-577B2EF1828C}"/>
+              </a:ext>
+            </a:extLst>
+          </p:cNvPr>
+          <p:cNvSpPr txBox="1"/>
+          <p:nvPr/>
+        </p:nvSpPr>
+        <p:spPr>
+          <a:xfrm>
+            <a:off x="1673816" y="5696139"/>
+            <a:ext cx="5398131" cy="515526"/>
+          </a:xfrm>
+          <a:prstGeom prst="rect">
+            <a:avLst/>
+          </a:prstGeom>
+          <a:noFill/>
+        </p:spPr>
+        <p:txBody>
+          <a:bodyPr wrap="square" rtlCol="0">
+            <a:spAutoFit/>
+          </a:bodyPr>
+          <a:lstStyle/>
+          <a:p>
+            <a:pPr>
+              <a:lnSpc>
+                <a:spcPts val="3000"/>
+              </a:lnSpc>
+            </a:pPr>
+            <a:r>
+              <a:rPr lang="en-US" altLang="ko-KR" sz="3500" spc="-150" dirty="0">
+                <a:solidFill>
+                  <a:schemeClr val="bg1"/>
+                </a:solidFill>
+                <a:latin typeface="배달의민족 주아" panose="02020603020101020101" pitchFamily="18" charset="-127"/>
+                <a:ea typeface="배달의민족 주아" panose="02020603020101020101" pitchFamily="18" charset="-127"/>
+              </a:rPr>
+              <a:t>def </a:t>
+            </a:r>
+            <a:r>
+              <a:rPr lang="en-US" altLang="ko-KR" sz="3500" spc="-150" dirty="0" err="1">
+                <a:solidFill>
+                  <a:schemeClr val="bg1"/>
+                </a:solidFill>
+                <a:latin typeface="배달의민족 주아" panose="02020603020101020101" pitchFamily="18" charset="-127"/>
+                <a:ea typeface="배달의민족 주아" panose="02020603020101020101" pitchFamily="18" charset="-127"/>
+              </a:rPr>
+              <a:t>keyPressEvent</a:t>
+            </a:r>
+            <a:r>
+              <a:rPr lang="en-US" altLang="ko-KR" sz="3500" spc="-150" dirty="0">
+                <a:solidFill>
+                  <a:schemeClr val="bg1"/>
+                </a:solidFill>
+                <a:latin typeface="배달의민족 주아" panose="02020603020101020101" pitchFamily="18" charset="-127"/>
+                <a:ea typeface="배달의민족 주아" panose="02020603020101020101" pitchFamily="18" charset="-127"/>
+              </a:rPr>
+              <a:t>(self, e)</a:t>
+            </a:r>
+          </a:p>
+        </p:txBody>
+      </p:sp>
+      <p:sp>
+        <p:nvSpPr>
+          <p:cNvPr id="8" name="TextBox 7">
+            <a:extLst>
+              <a:ext uri="{FF2B5EF4-FFF2-40B4-BE49-F238E27FC236}">
+                <a16:creationId xmlns:a16="http://schemas.microsoft.com/office/drawing/2014/main" id="{3DB2B59C-C4B0-4B48-A298-4306025D8835}"/>
+              </a:ext>
+            </a:extLst>
+          </p:cNvPr>
+          <p:cNvSpPr txBox="1"/>
+          <p:nvPr/>
+        </p:nvSpPr>
+        <p:spPr>
+          <a:xfrm>
+            <a:off x="1673815" y="4648932"/>
+            <a:ext cx="5398131" cy="515526"/>
+          </a:xfrm>
+          <a:prstGeom prst="rect">
+            <a:avLst/>
+          </a:prstGeom>
+          <a:noFill/>
+        </p:spPr>
+        <p:txBody>
+          <a:bodyPr wrap="square" rtlCol="0">
+            <a:spAutoFit/>
+          </a:bodyPr>
+          <a:lstStyle/>
+          <a:p>
+            <a:pPr>
+              <a:lnSpc>
+                <a:spcPts val="3000"/>
+              </a:lnSpc>
+            </a:pPr>
+            <a:r>
+              <a:rPr lang="en-US" altLang="ko-KR" sz="3500" spc="-150" dirty="0">
+                <a:solidFill>
+                  <a:schemeClr val="bg1"/>
+                </a:solidFill>
+                <a:latin typeface="배달의민족 주아" panose="02020603020101020101" pitchFamily="18" charset="-127"/>
+                <a:ea typeface="배달의민족 주아" panose="02020603020101020101" pitchFamily="18" charset="-127"/>
+              </a:rPr>
+              <a:t>def </a:t>
+            </a:r>
+            <a:r>
+              <a:rPr lang="en-US" altLang="ko-KR" sz="3500" spc="-150" dirty="0" err="1">
+                <a:solidFill>
+                  <a:schemeClr val="bg1"/>
+                </a:solidFill>
+                <a:latin typeface="배달의민족 주아" panose="02020603020101020101" pitchFamily="18" charset="-127"/>
+                <a:ea typeface="배달의민족 주아" panose="02020603020101020101" pitchFamily="18" charset="-127"/>
+              </a:rPr>
+              <a:t>btnFireClicked</a:t>
+            </a:r>
+            <a:r>
+              <a:rPr lang="en-US" altLang="ko-KR" sz="3500" spc="-150" dirty="0">
+                <a:solidFill>
+                  <a:schemeClr val="bg1"/>
+                </a:solidFill>
+                <a:latin typeface="배달의민족 주아" panose="02020603020101020101" pitchFamily="18" charset="-127"/>
+                <a:ea typeface="배달의민족 주아" panose="02020603020101020101" pitchFamily="18" charset="-127"/>
+              </a:rPr>
+              <a:t>(self)</a:t>
+            </a:r>
+          </a:p>
+        </p:txBody>
+      </p:sp>
     </p:spTree>
     <p:extLst>
       <p:ext uri="{BB962C8B-B14F-4D97-AF65-F5344CB8AC3E}">
-        <p14:creationId xmlns:p14="http://schemas.microsoft.com/office/powerpoint/2010/main" val="3042070258"/>
+        <p14:creationId xmlns:p14="http://schemas.microsoft.com/office/powerpoint/2010/main" val="682507962"/>
       </p:ext>
     </p:extLst>
   </p:cSld>
@@ -7975,14 +7744,20 @@
       </p:grpSpPr>
       <p:sp>
         <p:nvSpPr>
-          <p:cNvPr id="6" name="TextBox 5"/>
+          <p:cNvPr id="3" name="TextBox 2">
+            <a:extLst>
+              <a:ext uri="{FF2B5EF4-FFF2-40B4-BE49-F238E27FC236}">
+                <a16:creationId xmlns:a16="http://schemas.microsoft.com/office/drawing/2014/main" id="{62BF8E07-BEF5-4AC5-92E2-97513FF42373}"/>
+              </a:ext>
+            </a:extLst>
+          </p:cNvPr>
           <p:cNvSpPr txBox="1"/>
           <p:nvPr/>
         </p:nvSpPr>
         <p:spPr>
           <a:xfrm>
-            <a:off x="816858" y="795219"/>
-            <a:ext cx="2631281" cy="515526"/>
+            <a:off x="993878" y="646335"/>
+            <a:ext cx="2631281" cy="553998"/>
           </a:xfrm>
           <a:prstGeom prst="rect">
             <a:avLst/>
@@ -8001,15 +7776,51 @@
               </a:lnSpc>
             </a:pPr>
             <a:r>
-              <a:rPr lang="ko-KR" altLang="en-US" sz="3500" spc="-150" dirty="0">
-                <a:solidFill>
-                  <a:schemeClr val="bg1"/>
-                </a:solidFill>
-                <a:latin typeface="배달의민족 주아" panose="02020603020101020101" pitchFamily="18" charset="-127"/>
-                <a:ea typeface="배달의민족 주아" panose="02020603020101020101" pitchFamily="18" charset="-127"/>
-              </a:rPr>
-              <a:t>게임</a:t>
-            </a:r>
+              <a:rPr lang="en-US" altLang="ko-KR" sz="4500" spc="-150" dirty="0">
+                <a:solidFill>
+                  <a:schemeClr val="bg1"/>
+                </a:solidFill>
+                <a:latin typeface="배달의민족 주아" panose="02020603020101020101" pitchFamily="18" charset="-127"/>
+                <a:ea typeface="배달의민족 주아" panose="02020603020101020101" pitchFamily="18" charset="-127"/>
+              </a:rPr>
+              <a:t>fire.py</a:t>
+            </a:r>
+          </a:p>
+        </p:txBody>
+      </p:sp>
+      <p:sp>
+        <p:nvSpPr>
+          <p:cNvPr id="4" name="TextBox 3">
+            <a:extLst>
+              <a:ext uri="{FF2B5EF4-FFF2-40B4-BE49-F238E27FC236}">
+                <a16:creationId xmlns:a16="http://schemas.microsoft.com/office/drawing/2014/main" id="{D5CC1F70-E3B6-4839-9912-E2B363B3A3BA}"/>
+              </a:ext>
+            </a:extLst>
+          </p:cNvPr>
+          <p:cNvSpPr txBox="1"/>
+          <p:nvPr/>
+        </p:nvSpPr>
+        <p:spPr>
+          <a:xfrm>
+            <a:off x="571847" y="1631516"/>
+            <a:ext cx="5398131" cy="515526"/>
+          </a:xfrm>
+          <a:prstGeom prst="rect">
+            <a:avLst/>
+          </a:prstGeom>
+          <a:noFill/>
+        </p:spPr>
+        <p:txBody>
+          <a:bodyPr wrap="square" rtlCol="0">
+            <a:spAutoFit/>
+          </a:bodyPr>
+          <a:lstStyle/>
+          <a:p>
+            <a:pPr>
+              <a:lnSpc>
+                <a:spcPts val="3000"/>
+              </a:lnSpc>
+            </a:pPr>
             <a:r>
               <a:rPr lang="en-US" altLang="ko-KR" sz="3500" spc="-150" dirty="0">
                 <a:solidFill>
@@ -8018,19 +7829,128 @@
                 <a:latin typeface="배달의민족 주아" panose="02020603020101020101" pitchFamily="18" charset="-127"/>
                 <a:ea typeface="배달의민족 주아" panose="02020603020101020101" pitchFamily="18" charset="-127"/>
               </a:rPr>
-              <a:t> </a:t>
-            </a:r>
-            <a:r>
-              <a:rPr lang="ko-KR" altLang="en-US" sz="3500" spc="-150" dirty="0">
-                <a:solidFill>
-                  <a:schemeClr val="bg1"/>
-                </a:solidFill>
-                <a:latin typeface="배달의민족 주아" panose="02020603020101020101" pitchFamily="18" charset="-127"/>
-                <a:ea typeface="배달의민족 주아" panose="02020603020101020101" pitchFamily="18" charset="-127"/>
-              </a:rPr>
-              <a:t>시연 영상</a:t>
-            </a:r>
-            <a:endParaRPr lang="en-US" altLang="ko-KR" sz="3500" spc="-150" dirty="0">
+              <a:t>class Fire</a:t>
+            </a:r>
+          </a:p>
+        </p:txBody>
+      </p:sp>
+      <p:sp>
+        <p:nvSpPr>
+          <p:cNvPr id="5" name="TextBox 4">
+            <a:extLst>
+              <a:ext uri="{FF2B5EF4-FFF2-40B4-BE49-F238E27FC236}">
+                <a16:creationId xmlns:a16="http://schemas.microsoft.com/office/drawing/2014/main" id="{3583565E-7A5D-4BE8-A6FC-1B97D73C5238}"/>
+              </a:ext>
+            </a:extLst>
+          </p:cNvPr>
+          <p:cNvSpPr txBox="1"/>
+          <p:nvPr/>
+        </p:nvSpPr>
+        <p:spPr>
+          <a:xfrm>
+            <a:off x="1436424" y="2381793"/>
+            <a:ext cx="5993077" cy="515526"/>
+          </a:xfrm>
+          <a:prstGeom prst="rect">
+            <a:avLst/>
+          </a:prstGeom>
+          <a:noFill/>
+        </p:spPr>
+        <p:txBody>
+          <a:bodyPr wrap="square" rtlCol="0">
+            <a:spAutoFit/>
+          </a:bodyPr>
+          <a:lstStyle/>
+          <a:p>
+            <a:pPr>
+              <a:lnSpc>
+                <a:spcPts val="3000"/>
+              </a:lnSpc>
+            </a:pPr>
+            <a:r>
+              <a:rPr lang="en-US" altLang="ko-KR" sz="3500" spc="-150" dirty="0">
+                <a:solidFill>
+                  <a:schemeClr val="bg1"/>
+                </a:solidFill>
+                <a:latin typeface="배달의민족 주아" panose="02020603020101020101" pitchFamily="18" charset="-127"/>
+                <a:ea typeface="배달의민족 주아" panose="02020603020101020101" pitchFamily="18" charset="-127"/>
+              </a:rPr>
+              <a:t>def __</a:t>
+            </a:r>
+            <a:r>
+              <a:rPr lang="en-US" altLang="ko-KR" sz="3500" spc="-150" dirty="0" err="1">
+                <a:solidFill>
+                  <a:schemeClr val="bg1"/>
+                </a:solidFill>
+                <a:latin typeface="배달의민족 주아" panose="02020603020101020101" pitchFamily="18" charset="-127"/>
+                <a:ea typeface="배달의민족 주아" panose="02020603020101020101" pitchFamily="18" charset="-127"/>
+              </a:rPr>
+              <a:t>init</a:t>
+            </a:r>
+            <a:r>
+              <a:rPr lang="en-US" altLang="ko-KR" sz="3500" spc="-150" dirty="0">
+                <a:solidFill>
+                  <a:schemeClr val="bg1"/>
+                </a:solidFill>
+                <a:latin typeface="배달의민족 주아" panose="02020603020101020101" pitchFamily="18" charset="-127"/>
+                <a:ea typeface="배달의민족 주아" panose="02020603020101020101" pitchFamily="18" charset="-127"/>
+              </a:rPr>
+              <a:t>__(self)</a:t>
+            </a:r>
+          </a:p>
+        </p:txBody>
+      </p:sp>
+      <p:sp>
+        <p:nvSpPr>
+          <p:cNvPr id="6" name="TextBox 5">
+            <a:extLst>
+              <a:ext uri="{FF2B5EF4-FFF2-40B4-BE49-F238E27FC236}">
+                <a16:creationId xmlns:a16="http://schemas.microsoft.com/office/drawing/2014/main" id="{513A35D9-918A-43F2-B11A-FC3EA3167ADE}"/>
+              </a:ext>
+            </a:extLst>
+          </p:cNvPr>
+          <p:cNvSpPr txBox="1"/>
+          <p:nvPr/>
+        </p:nvSpPr>
+        <p:spPr>
+          <a:xfrm>
+            <a:off x="1436423" y="3429000"/>
+            <a:ext cx="8226324" cy="3208571"/>
+          </a:xfrm>
+          <a:prstGeom prst="rect">
+            <a:avLst/>
+          </a:prstGeom>
+          <a:noFill/>
+        </p:spPr>
+        <p:txBody>
+          <a:bodyPr wrap="square" rtlCol="0">
+            <a:spAutoFit/>
+          </a:bodyPr>
+          <a:lstStyle/>
+          <a:p>
+            <a:pPr>
+              <a:lnSpc>
+                <a:spcPts val="3000"/>
+              </a:lnSpc>
+            </a:pPr>
+            <a:r>
+              <a:rPr lang="en-US" altLang="ko-KR" sz="3500" spc="-150" dirty="0">
+                <a:solidFill>
+                  <a:schemeClr val="bg1"/>
+                </a:solidFill>
+                <a:latin typeface="배달의민족 주아" panose="02020603020101020101" pitchFamily="18" charset="-127"/>
+                <a:ea typeface="배달의민족 주아" panose="02020603020101020101" pitchFamily="18" charset="-127"/>
+              </a:rPr>
+              <a:t>def parabola(self, angle, power)</a:t>
+            </a:r>
+          </a:p>
+          <a:p>
+            <a:pPr>
+              <a:lnSpc>
+                <a:spcPts val="3000"/>
+              </a:lnSpc>
+            </a:pPr>
+            <a:endParaRPr lang="en-US" altLang="ko-KR" sz="1000" spc="-150" dirty="0">
               <a:solidFill>
                 <a:schemeClr val="bg1"/>
               </a:solidFill>
@@ -8038,262 +7958,244 @@
               <a:ea typeface="배달의민족 주아" panose="02020603020101020101" pitchFamily="18" charset="-127"/>
             </a:endParaRPr>
           </a:p>
-        </p:txBody>
-      </p:sp>
-      <p:sp>
-        <p:nvSpPr>
-          <p:cNvPr id="7" name="Rectangle 6"/>
-          <p:cNvSpPr/>
-          <p:nvPr/>
-        </p:nvSpPr>
-        <p:spPr>
-          <a:xfrm>
-            <a:off x="705277" y="3253368"/>
-            <a:ext cx="2521500" cy="2246769"/>
-          </a:xfrm>
-          <a:prstGeom prst="rect">
-            <a:avLst/>
-          </a:prstGeom>
-        </p:spPr>
-        <p:txBody>
-          <a:bodyPr wrap="square">
-            <a:spAutoFit/>
-          </a:bodyPr>
-          <a:lstStyle/>
-          <a:p>
-            <a:r>
-              <a:rPr lang="en-US" altLang="ko-KR" sz="2000" dirty="0">
-                <a:solidFill>
-                  <a:srgbClr val="FFFF00"/>
-                </a:solidFill>
-                <a:latin typeface="배달의민족 주아" panose="02020603020101020101" pitchFamily="18" charset="-127"/>
-                <a:ea typeface="배달의민족 주아" panose="02020603020101020101" pitchFamily="18" charset="-127"/>
-              </a:rPr>
-              <a:t>1. New Game! </a:t>
-            </a:r>
-            <a:r>
-              <a:rPr lang="ko-KR" altLang="en-US" sz="2000" dirty="0">
-                <a:solidFill>
-                  <a:srgbClr val="FFFF00"/>
-                </a:solidFill>
-                <a:latin typeface="배달의민족 주아" panose="02020603020101020101" pitchFamily="18" charset="-127"/>
-                <a:ea typeface="배달의민족 주아" panose="02020603020101020101" pitchFamily="18" charset="-127"/>
-              </a:rPr>
-              <a:t>버튼</a:t>
-            </a:r>
-            <a:r>
-              <a:rPr lang="en-US" altLang="ko-KR" sz="2000" dirty="0">
-                <a:solidFill>
-                  <a:srgbClr val="FFFF00"/>
-                </a:solidFill>
-                <a:latin typeface="배달의민족 주아" panose="02020603020101020101" pitchFamily="18" charset="-127"/>
-                <a:ea typeface="배달의민족 주아" panose="02020603020101020101" pitchFamily="18" charset="-127"/>
-              </a:rPr>
-              <a:t> </a:t>
-            </a:r>
-          </a:p>
-          <a:p>
-            <a:endParaRPr lang="en-US" altLang="ko-KR" sz="2000" dirty="0">
-              <a:solidFill>
-                <a:schemeClr val="bg1"/>
-              </a:solidFill>
-              <a:latin typeface="배달의민족 주아" panose="02020603020101020101" pitchFamily="18" charset="-127"/>
-              <a:ea typeface="배달의민족 주아" panose="02020603020101020101" pitchFamily="18" charset="-127"/>
-            </a:endParaRPr>
-          </a:p>
-          <a:p>
-            <a:r>
-              <a:rPr lang="en-US" altLang="ko-KR" sz="2000" dirty="0">
-                <a:solidFill>
-                  <a:schemeClr val="bg1"/>
-                </a:solidFill>
-                <a:latin typeface="배달의민족 주아" panose="02020603020101020101" pitchFamily="18" charset="-127"/>
-                <a:ea typeface="배달의민족 주아" panose="02020603020101020101" pitchFamily="18" charset="-127"/>
-              </a:rPr>
-              <a:t>2. File! </a:t>
-            </a:r>
-            <a:r>
-              <a:rPr lang="ko-KR" altLang="en-US" sz="2000" dirty="0">
-                <a:solidFill>
-                  <a:schemeClr val="bg1"/>
-                </a:solidFill>
-                <a:latin typeface="배달의민족 주아" panose="02020603020101020101" pitchFamily="18" charset="-127"/>
-                <a:ea typeface="배달의민족 주아" panose="02020603020101020101" pitchFamily="18" charset="-127"/>
-              </a:rPr>
-              <a:t>버튼</a:t>
-            </a:r>
-            <a:endParaRPr lang="en-US" altLang="ko-KR" sz="2000" dirty="0">
-              <a:solidFill>
-                <a:schemeClr val="bg1"/>
-              </a:solidFill>
-              <a:latin typeface="배달의민족 주아" panose="02020603020101020101" pitchFamily="18" charset="-127"/>
-              <a:ea typeface="배달의민족 주아" panose="02020603020101020101" pitchFamily="18" charset="-127"/>
-            </a:endParaRPr>
-          </a:p>
-          <a:p>
-            <a:endParaRPr lang="en-US" altLang="ko-KR" sz="2000" dirty="0">
-              <a:solidFill>
-                <a:schemeClr val="bg1"/>
-              </a:solidFill>
-              <a:latin typeface="배달의민족 주아" panose="02020603020101020101" pitchFamily="18" charset="-127"/>
-              <a:ea typeface="배달의민족 주아" panose="02020603020101020101" pitchFamily="18" charset="-127"/>
-            </a:endParaRPr>
-          </a:p>
-          <a:p>
-            <a:r>
-              <a:rPr lang="en-US" altLang="ko-KR" sz="2000" dirty="0">
-                <a:solidFill>
-                  <a:schemeClr val="bg1"/>
-                </a:solidFill>
-                <a:latin typeface="배달의민족 주아" panose="02020603020101020101" pitchFamily="18" charset="-127"/>
-                <a:ea typeface="배달의민족 주아" panose="02020603020101020101" pitchFamily="18" charset="-127"/>
-              </a:rPr>
-              <a:t>3. </a:t>
-            </a:r>
-            <a:r>
-              <a:rPr lang="ko-KR" altLang="en-US" sz="2000" dirty="0">
-                <a:solidFill>
-                  <a:schemeClr val="bg1"/>
-                </a:solidFill>
-                <a:latin typeface="배달의민족 주아" panose="02020603020101020101" pitchFamily="18" charset="-127"/>
-                <a:ea typeface="배달의민족 주아" panose="02020603020101020101" pitchFamily="18" charset="-127"/>
-              </a:rPr>
-              <a:t>목표를 못 맞춘 경우</a:t>
-            </a:r>
-            <a:endParaRPr lang="en-US" altLang="ko-KR" sz="2000" dirty="0">
-              <a:solidFill>
-                <a:schemeClr val="bg1"/>
-              </a:solidFill>
-              <a:latin typeface="배달의민족 주아" panose="02020603020101020101" pitchFamily="18" charset="-127"/>
-              <a:ea typeface="배달의민족 주아" panose="02020603020101020101" pitchFamily="18" charset="-127"/>
-            </a:endParaRPr>
-          </a:p>
-          <a:p>
-            <a:endParaRPr lang="en-US" altLang="ko-KR" sz="2000" dirty="0">
-              <a:solidFill>
-                <a:schemeClr val="bg1"/>
-              </a:solidFill>
-              <a:latin typeface="배달의민족 주아" panose="02020603020101020101" pitchFamily="18" charset="-127"/>
-              <a:ea typeface="배달의민족 주아" panose="02020603020101020101" pitchFamily="18" charset="-127"/>
-            </a:endParaRPr>
-          </a:p>
-          <a:p>
-            <a:r>
-              <a:rPr lang="en-US" altLang="ko-KR" sz="2000" dirty="0">
-                <a:solidFill>
-                  <a:schemeClr val="bg1"/>
-                </a:solidFill>
-                <a:latin typeface="배달의민족 주아" panose="02020603020101020101" pitchFamily="18" charset="-127"/>
-                <a:ea typeface="배달의민족 주아" panose="02020603020101020101" pitchFamily="18" charset="-127"/>
-              </a:rPr>
-              <a:t>4. </a:t>
-            </a:r>
-            <a:r>
-              <a:rPr lang="ko-KR" altLang="en-US" sz="2000" dirty="0">
-                <a:solidFill>
-                  <a:schemeClr val="bg1"/>
-                </a:solidFill>
-                <a:latin typeface="배달의민족 주아" panose="02020603020101020101" pitchFamily="18" charset="-127"/>
-                <a:ea typeface="배달의민족 주아" panose="02020603020101020101" pitchFamily="18" charset="-127"/>
-              </a:rPr>
-              <a:t>목표를 맞춘 경우</a:t>
-            </a:r>
-            <a:endParaRPr lang="en-US" altLang="ko-KR" sz="2000" dirty="0">
-              <a:solidFill>
-                <a:schemeClr val="bg1"/>
-              </a:solidFill>
-              <a:latin typeface="배달의민족 주아" panose="02020603020101020101" pitchFamily="18" charset="-127"/>
-              <a:ea typeface="배달의민족 주아" panose="02020603020101020101" pitchFamily="18" charset="-127"/>
-            </a:endParaRPr>
-          </a:p>
-        </p:txBody>
-      </p:sp>
-      <p:sp>
-        <p:nvSpPr>
-          <p:cNvPr id="10" name="Rectangle 9"/>
-          <p:cNvSpPr/>
-          <p:nvPr/>
-        </p:nvSpPr>
-        <p:spPr>
-          <a:xfrm>
-            <a:off x="3448139" y="1310745"/>
-            <a:ext cx="5196838" cy="4572000"/>
-          </a:xfrm>
-          <a:prstGeom prst="rect">
-            <a:avLst/>
-          </a:prstGeom>
-          <a:noFill/>
-          <a:ln w="127000">
-            <a:solidFill>
-              <a:schemeClr val="bg1"/>
-            </a:solidFill>
-          </a:ln>
-        </p:spPr>
-        <p:style>
-          <a:lnRef idx="2">
-            <a:schemeClr val="accent1">
-              <a:shade val="50000"/>
-            </a:schemeClr>
-          </a:lnRef>
-          <a:fillRef idx="1">
-            <a:schemeClr val="accent1"/>
-          </a:fillRef>
-          <a:effectRef idx="0">
-            <a:schemeClr val="accent1"/>
-          </a:effectRef>
-          <a:fontRef idx="minor">
-            <a:schemeClr val="lt1"/>
-          </a:fontRef>
-        </p:style>
-        <p:txBody>
-          <a:bodyPr rtlCol="0" anchor="ctr"/>
-          <a:lstStyle/>
-          <a:p>
-            <a:pPr algn="ctr"/>
-            <a:endParaRPr lang="ko-KR" altLang="en-US" dirty="0"/>
-          </a:p>
-        </p:txBody>
-      </p:sp>
-      <p:pic>
-        <p:nvPicPr>
-          <p:cNvPr id="3" name="그림 2">
-            <a:extLst>
-              <a:ext uri="{FF2B5EF4-FFF2-40B4-BE49-F238E27FC236}">
-                <a16:creationId xmlns:a16="http://schemas.microsoft.com/office/drawing/2014/main" id="{C13D0E27-11D3-4517-87E0-1F9396F41B83}"/>
-              </a:ext>
-            </a:extLst>
-          </p:cNvPr>
-          <p:cNvPicPr>
-            <a:picLocks noChangeAspect="1"/>
-          </p:cNvPicPr>
-          <p:nvPr/>
-        </p:nvPicPr>
-        <p:blipFill>
-          <a:blip r:embed="rId2">
-            <a:extLst>
-              <a:ext uri="{28A0092B-C50C-407E-A947-70E740481C1C}">
-                <a14:useLocalDpi xmlns:a14="http://schemas.microsoft.com/office/drawing/2010/main" val="0"/>
-              </a:ext>
-            </a:extLst>
-          </a:blip>
-          <a:stretch>
-            <a:fillRect/>
-          </a:stretch>
-        </p:blipFill>
-        <p:spPr>
-          <a:xfrm>
-            <a:off x="3515070" y="1376011"/>
-            <a:ext cx="5074193" cy="4439573"/>
-          </a:xfrm>
-          <a:prstGeom prst="rect">
-            <a:avLst/>
-          </a:prstGeom>
-        </p:spPr>
-      </p:pic>
+          <a:p>
+            <a:pPr>
+              <a:lnSpc>
+                <a:spcPts val="3000"/>
+              </a:lnSpc>
+            </a:pPr>
+            <a:r>
+              <a:rPr lang="en-US" altLang="ko-KR" sz="3500" spc="-150" dirty="0">
+                <a:solidFill>
+                  <a:schemeClr val="bg1"/>
+                </a:solidFill>
+                <a:latin typeface="배달의민족 주아" panose="02020603020101020101" pitchFamily="18" charset="-127"/>
+                <a:ea typeface="배달의민족 주아" panose="02020603020101020101" pitchFamily="18" charset="-127"/>
+              </a:rPr>
+              <a:t>    </a:t>
+            </a:r>
+            <a:r>
+              <a:rPr lang="en-US" altLang="ko-KR" spc="-150" dirty="0">
+                <a:solidFill>
+                  <a:schemeClr val="bg1"/>
+                </a:solidFill>
+                <a:latin typeface="배달의민족 주아" panose="02020603020101020101" pitchFamily="18" charset="-127"/>
+                <a:ea typeface="배달의민족 주아" panose="02020603020101020101" pitchFamily="18" charset="-127"/>
+              </a:rPr>
+              <a:t>while y &gt;= 0:</a:t>
+            </a:r>
+          </a:p>
+          <a:p>
+            <a:pPr>
+              <a:lnSpc>
+                <a:spcPts val="3000"/>
+              </a:lnSpc>
+            </a:pPr>
+            <a:r>
+              <a:rPr lang="en-US" altLang="ko-KR" spc="-150" dirty="0">
+                <a:solidFill>
+                  <a:schemeClr val="bg1"/>
+                </a:solidFill>
+                <a:latin typeface="배달의민족 주아" panose="02020603020101020101" pitchFamily="18" charset="-127"/>
+                <a:ea typeface="배달의민족 주아" panose="02020603020101020101" pitchFamily="18" charset="-127"/>
+              </a:rPr>
+              <a:t>          	x = int((power * </a:t>
+            </a:r>
+            <a:r>
+              <a:rPr lang="en-US" altLang="ko-KR" spc="-150" dirty="0" err="1">
+                <a:solidFill>
+                  <a:schemeClr val="bg1"/>
+                </a:solidFill>
+                <a:latin typeface="배달의민족 주아" panose="02020603020101020101" pitchFamily="18" charset="-127"/>
+                <a:ea typeface="배달의민족 주아" panose="02020603020101020101" pitchFamily="18" charset="-127"/>
+              </a:rPr>
+              <a:t>math.cos</a:t>
+            </a:r>
+            <a:r>
+              <a:rPr lang="en-US" altLang="ko-KR" spc="-150" dirty="0">
+                <a:solidFill>
+                  <a:schemeClr val="bg1"/>
+                </a:solidFill>
+                <a:latin typeface="배달의민족 주아" panose="02020603020101020101" pitchFamily="18" charset="-127"/>
+                <a:ea typeface="배달의민족 주아" panose="02020603020101020101" pitchFamily="18" charset="-127"/>
+              </a:rPr>
+              <a:t>(angle * </a:t>
+            </a:r>
+            <a:r>
+              <a:rPr lang="en-US" altLang="ko-KR" spc="-150" dirty="0" err="1">
+                <a:solidFill>
+                  <a:schemeClr val="bg1"/>
+                </a:solidFill>
+                <a:latin typeface="배달의민족 주아" panose="02020603020101020101" pitchFamily="18" charset="-127"/>
+                <a:ea typeface="배달의민족 주아" panose="02020603020101020101" pitchFamily="18" charset="-127"/>
+              </a:rPr>
+              <a:t>math.pi</a:t>
+            </a:r>
+            <a:r>
+              <a:rPr lang="en-US" altLang="ko-KR" spc="-150" dirty="0">
+                <a:solidFill>
+                  <a:schemeClr val="bg1"/>
+                </a:solidFill>
+                <a:latin typeface="배달의민족 주아" panose="02020603020101020101" pitchFamily="18" charset="-127"/>
+                <a:ea typeface="배달의민족 주아" panose="02020603020101020101" pitchFamily="18" charset="-127"/>
+              </a:rPr>
+              <a:t> / 180)) * t)</a:t>
+            </a:r>
+          </a:p>
+          <a:p>
+            <a:pPr>
+              <a:lnSpc>
+                <a:spcPts val="3000"/>
+              </a:lnSpc>
+            </a:pPr>
+            <a:r>
+              <a:rPr lang="en-US" altLang="ko-KR" spc="-150" dirty="0">
+                <a:solidFill>
+                  <a:schemeClr val="bg1"/>
+                </a:solidFill>
+                <a:latin typeface="배달의민족 주아" panose="02020603020101020101" pitchFamily="18" charset="-127"/>
+                <a:ea typeface="배달의민족 주아" panose="02020603020101020101" pitchFamily="18" charset="-127"/>
+              </a:rPr>
+              <a:t>          	y = int(((power * </a:t>
+            </a:r>
+            <a:r>
+              <a:rPr lang="en-US" altLang="ko-KR" spc="-150" dirty="0" err="1">
+                <a:solidFill>
+                  <a:schemeClr val="bg1"/>
+                </a:solidFill>
+                <a:latin typeface="배달의민족 주아" panose="02020603020101020101" pitchFamily="18" charset="-127"/>
+                <a:ea typeface="배달의민족 주아" panose="02020603020101020101" pitchFamily="18" charset="-127"/>
+              </a:rPr>
+              <a:t>math.sin</a:t>
+            </a:r>
+            <a:r>
+              <a:rPr lang="en-US" altLang="ko-KR" spc="-150" dirty="0">
+                <a:solidFill>
+                  <a:schemeClr val="bg1"/>
+                </a:solidFill>
+                <a:latin typeface="배달의민족 주아" panose="02020603020101020101" pitchFamily="18" charset="-127"/>
+                <a:ea typeface="배달의민족 주아" panose="02020603020101020101" pitchFamily="18" charset="-127"/>
+              </a:rPr>
+              <a:t>(angle * </a:t>
+            </a:r>
+            <a:r>
+              <a:rPr lang="en-US" altLang="ko-KR" spc="-150" dirty="0" err="1">
+                <a:solidFill>
+                  <a:schemeClr val="bg1"/>
+                </a:solidFill>
+                <a:latin typeface="배달의민족 주아" panose="02020603020101020101" pitchFamily="18" charset="-127"/>
+                <a:ea typeface="배달의민족 주아" panose="02020603020101020101" pitchFamily="18" charset="-127"/>
+              </a:rPr>
+              <a:t>math.pi</a:t>
+            </a:r>
+            <a:r>
+              <a:rPr lang="en-US" altLang="ko-KR" spc="-150" dirty="0">
+                <a:solidFill>
+                  <a:schemeClr val="bg1"/>
+                </a:solidFill>
+                <a:latin typeface="배달의민족 주아" panose="02020603020101020101" pitchFamily="18" charset="-127"/>
+                <a:ea typeface="배달의민족 주아" panose="02020603020101020101" pitchFamily="18" charset="-127"/>
+              </a:rPr>
+              <a:t> / 180)) * t) - (0.5 * g * t * t))</a:t>
+            </a:r>
+          </a:p>
+          <a:p>
+            <a:pPr>
+              <a:lnSpc>
+                <a:spcPts val="3000"/>
+              </a:lnSpc>
+            </a:pPr>
+            <a:r>
+              <a:rPr lang="en-US" altLang="ko-KR" spc="-150" dirty="0">
+                <a:solidFill>
+                  <a:schemeClr val="bg1"/>
+                </a:solidFill>
+                <a:latin typeface="배달의민족 주아" panose="02020603020101020101" pitchFamily="18" charset="-127"/>
+                <a:ea typeface="배달의민족 주아" panose="02020603020101020101" pitchFamily="18" charset="-127"/>
+              </a:rPr>
+              <a:t>          	</a:t>
+            </a:r>
+            <a:r>
+              <a:rPr lang="en-US" altLang="ko-KR" spc="-150" dirty="0" err="1">
+                <a:solidFill>
+                  <a:schemeClr val="bg1"/>
+                </a:solidFill>
+                <a:latin typeface="배달의민족 주아" panose="02020603020101020101" pitchFamily="18" charset="-127"/>
+                <a:ea typeface="배달의민족 주아" panose="02020603020101020101" pitchFamily="18" charset="-127"/>
+              </a:rPr>
+              <a:t>pointlist.append</a:t>
+            </a:r>
+            <a:r>
+              <a:rPr lang="en-US" altLang="ko-KR" spc="-150" dirty="0">
+                <a:solidFill>
+                  <a:schemeClr val="bg1"/>
+                </a:solidFill>
+                <a:latin typeface="배달의민족 주아" panose="02020603020101020101" pitchFamily="18" charset="-127"/>
+                <a:ea typeface="배달의민족 주아" panose="02020603020101020101" pitchFamily="18" charset="-127"/>
+              </a:rPr>
+              <a:t>((x//20, y//20)) if y//20 &gt;= -2 else </a:t>
+            </a:r>
+            <a:r>
+              <a:rPr lang="en-US" altLang="ko-KR" spc="-150" dirty="0" err="1">
+                <a:solidFill>
+                  <a:schemeClr val="bg1"/>
+                </a:solidFill>
+                <a:latin typeface="배달의민족 주아" panose="02020603020101020101" pitchFamily="18" charset="-127"/>
+                <a:ea typeface="배달의민족 주아" panose="02020603020101020101" pitchFamily="18" charset="-127"/>
+              </a:rPr>
+              <a:t>pointlist.append</a:t>
+            </a:r>
+            <a:r>
+              <a:rPr lang="en-US" altLang="ko-KR" spc="-150" dirty="0">
+                <a:solidFill>
+                  <a:schemeClr val="bg1"/>
+                </a:solidFill>
+                <a:latin typeface="배달의민족 주아" panose="02020603020101020101" pitchFamily="18" charset="-127"/>
+                <a:ea typeface="배달의민족 주아" panose="02020603020101020101" pitchFamily="18" charset="-127"/>
+              </a:rPr>
+              <a:t>((x//20, -2))</a:t>
+            </a:r>
+          </a:p>
+          <a:p>
+            <a:pPr>
+              <a:lnSpc>
+                <a:spcPts val="3000"/>
+              </a:lnSpc>
+            </a:pPr>
+            <a:r>
+              <a:rPr lang="en-US" altLang="ko-KR" spc="-150" dirty="0">
+                <a:solidFill>
+                  <a:schemeClr val="bg1"/>
+                </a:solidFill>
+                <a:latin typeface="배달의민족 주아" panose="02020603020101020101" pitchFamily="18" charset="-127"/>
+                <a:ea typeface="배달의민족 주아" panose="02020603020101020101" pitchFamily="18" charset="-127"/>
+              </a:rPr>
+              <a:t>          	t += 1</a:t>
+            </a:r>
+          </a:p>
+          <a:p>
+            <a:pPr>
+              <a:lnSpc>
+                <a:spcPts val="3000"/>
+              </a:lnSpc>
+            </a:pPr>
+            <a:r>
+              <a:rPr lang="en-US" altLang="ko-KR" sz="3500" spc="-150" dirty="0">
+                <a:solidFill>
+                  <a:schemeClr val="bg1"/>
+                </a:solidFill>
+                <a:latin typeface="배달의민족 주아" panose="02020603020101020101" pitchFamily="18" charset="-127"/>
+                <a:ea typeface="배달의민족 주아" panose="02020603020101020101" pitchFamily="18" charset="-127"/>
+              </a:rPr>
+              <a:t>	</a:t>
+            </a:r>
+          </a:p>
+        </p:txBody>
+      </p:sp>
     </p:spTree>
     <p:extLst>
       <p:ext uri="{BB962C8B-B14F-4D97-AF65-F5344CB8AC3E}">
-        <p14:creationId xmlns:p14="http://schemas.microsoft.com/office/powerpoint/2010/main" val="1270712176"/>
+        <p14:creationId xmlns:p14="http://schemas.microsoft.com/office/powerpoint/2010/main" val="1147141036"/>
       </p:ext>
     </p:extLst>
   </p:cSld>
@@ -8322,14 +8224,20 @@
       </p:grpSpPr>
       <p:sp>
         <p:nvSpPr>
-          <p:cNvPr id="6" name="TextBox 5"/>
+          <p:cNvPr id="3" name="TextBox 2">
+            <a:extLst>
+              <a:ext uri="{FF2B5EF4-FFF2-40B4-BE49-F238E27FC236}">
+                <a16:creationId xmlns:a16="http://schemas.microsoft.com/office/drawing/2014/main" id="{62BF8E07-BEF5-4AC5-92E2-97513FF42373}"/>
+              </a:ext>
+            </a:extLst>
+          </p:cNvPr>
           <p:cNvSpPr txBox="1"/>
           <p:nvPr/>
         </p:nvSpPr>
         <p:spPr>
           <a:xfrm>
-            <a:off x="816858" y="795219"/>
-            <a:ext cx="2631281" cy="515526"/>
+            <a:off x="993878" y="646335"/>
+            <a:ext cx="2631281" cy="553998"/>
           </a:xfrm>
           <a:prstGeom prst="rect">
             <a:avLst/>
@@ -8348,299 +8256,464 @@
               </a:lnSpc>
             </a:pPr>
             <a:r>
-              <a:rPr lang="ko-KR" altLang="en-US" sz="3500" spc="-150" dirty="0">
-                <a:solidFill>
-                  <a:schemeClr val="bg1"/>
-                </a:solidFill>
-                <a:latin typeface="배달의민족 주아" panose="02020603020101020101" pitchFamily="18" charset="-127"/>
-                <a:ea typeface="배달의민족 주아" panose="02020603020101020101" pitchFamily="18" charset="-127"/>
-              </a:rPr>
-              <a:t>게임</a:t>
-            </a:r>
-            <a:r>
-              <a:rPr lang="en-US" altLang="ko-KR" sz="3500" spc="-150" dirty="0">
-                <a:solidFill>
-                  <a:schemeClr val="bg1"/>
-                </a:solidFill>
-                <a:latin typeface="배달의민족 주아" panose="02020603020101020101" pitchFamily="18" charset="-127"/>
-                <a:ea typeface="배달의민족 주아" panose="02020603020101020101" pitchFamily="18" charset="-127"/>
-              </a:rPr>
-              <a:t> </a:t>
-            </a:r>
-            <a:r>
-              <a:rPr lang="ko-KR" altLang="en-US" sz="3500" spc="-150" dirty="0">
-                <a:solidFill>
-                  <a:schemeClr val="bg1"/>
-                </a:solidFill>
-                <a:latin typeface="배달의민족 주아" panose="02020603020101020101" pitchFamily="18" charset="-127"/>
-                <a:ea typeface="배달의민족 주아" panose="02020603020101020101" pitchFamily="18" charset="-127"/>
-              </a:rPr>
-              <a:t>시연 영상</a:t>
-            </a:r>
-            <a:endParaRPr lang="en-US" altLang="ko-KR" sz="3500" spc="-150" dirty="0">
-              <a:solidFill>
-                <a:schemeClr val="bg1"/>
-              </a:solidFill>
-              <a:latin typeface="배달의민족 주아" panose="02020603020101020101" pitchFamily="18" charset="-127"/>
-              <a:ea typeface="배달의민족 주아" panose="02020603020101020101" pitchFamily="18" charset="-127"/>
-            </a:endParaRPr>
-          </a:p>
-        </p:txBody>
-      </p:sp>
-      <p:sp>
-        <p:nvSpPr>
-          <p:cNvPr id="7" name="Rectangle 6"/>
-          <p:cNvSpPr/>
+              <a:rPr lang="en-US" altLang="ko-KR" sz="4500" spc="-150" dirty="0">
+                <a:solidFill>
+                  <a:schemeClr val="bg1"/>
+                </a:solidFill>
+                <a:latin typeface="배달의민족 주아" panose="02020603020101020101" pitchFamily="18" charset="-127"/>
+                <a:ea typeface="배달의민족 주아" panose="02020603020101020101" pitchFamily="18" charset="-127"/>
+              </a:rPr>
+              <a:t>cannon.py</a:t>
+            </a:r>
+          </a:p>
+        </p:txBody>
+      </p:sp>
+      <p:sp>
+        <p:nvSpPr>
+          <p:cNvPr id="4" name="TextBox 3">
+            <a:extLst>
+              <a:ext uri="{FF2B5EF4-FFF2-40B4-BE49-F238E27FC236}">
+                <a16:creationId xmlns:a16="http://schemas.microsoft.com/office/drawing/2014/main" id="{D5CC1F70-E3B6-4839-9912-E2B363B3A3BA}"/>
+              </a:ext>
+            </a:extLst>
+          </p:cNvPr>
+          <p:cNvSpPr txBox="1"/>
           <p:nvPr/>
         </p:nvSpPr>
         <p:spPr>
           <a:xfrm>
-            <a:off x="705277" y="3253368"/>
-            <a:ext cx="2521500" cy="2246769"/>
-          </a:xfrm>
-          <a:prstGeom prst="rect">
-            <a:avLst/>
-          </a:prstGeom>
-        </p:spPr>
-        <p:txBody>
-          <a:bodyPr wrap="square">
+            <a:off x="527886" y="1514429"/>
+            <a:ext cx="5398131" cy="515526"/>
+          </a:xfrm>
+          <a:prstGeom prst="rect">
+            <a:avLst/>
+          </a:prstGeom>
+          <a:noFill/>
+        </p:spPr>
+        <p:txBody>
+          <a:bodyPr wrap="square" rtlCol="0">
             <a:spAutoFit/>
           </a:bodyPr>
           <a:lstStyle/>
           <a:p>
-            <a:r>
-              <a:rPr lang="en-US" altLang="ko-KR" sz="2000" dirty="0">
-                <a:solidFill>
-                  <a:schemeClr val="bg1"/>
-                </a:solidFill>
-                <a:latin typeface="배달의민족 주아" panose="02020603020101020101" pitchFamily="18" charset="-127"/>
-                <a:ea typeface="배달의민족 주아" panose="02020603020101020101" pitchFamily="18" charset="-127"/>
-              </a:rPr>
-              <a:t>1. New Game! </a:t>
-            </a:r>
-            <a:r>
-              <a:rPr lang="ko-KR" altLang="en-US" sz="2000" dirty="0">
-                <a:solidFill>
-                  <a:schemeClr val="bg1"/>
-                </a:solidFill>
-                <a:latin typeface="배달의민족 주아" panose="02020603020101020101" pitchFamily="18" charset="-127"/>
-                <a:ea typeface="배달의민족 주아" panose="02020603020101020101" pitchFamily="18" charset="-127"/>
-              </a:rPr>
-              <a:t>버튼</a:t>
-            </a:r>
-            <a:r>
-              <a:rPr lang="en-US" altLang="ko-KR" sz="2000" dirty="0">
-                <a:solidFill>
-                  <a:schemeClr val="bg1"/>
-                </a:solidFill>
-                <a:latin typeface="배달의민족 주아" panose="02020603020101020101" pitchFamily="18" charset="-127"/>
-                <a:ea typeface="배달의민족 주아" panose="02020603020101020101" pitchFamily="18" charset="-127"/>
-              </a:rPr>
-              <a:t> </a:t>
-            </a:r>
-          </a:p>
-          <a:p>
-            <a:endParaRPr lang="en-US" altLang="ko-KR" sz="2000" dirty="0">
-              <a:solidFill>
-                <a:schemeClr val="bg1"/>
-              </a:solidFill>
-              <a:latin typeface="배달의민족 주아" panose="02020603020101020101" pitchFamily="18" charset="-127"/>
-              <a:ea typeface="배달의민족 주아" panose="02020603020101020101" pitchFamily="18" charset="-127"/>
-            </a:endParaRPr>
-          </a:p>
-          <a:p>
-            <a:r>
-              <a:rPr lang="en-US" altLang="ko-KR" sz="2000" dirty="0">
-                <a:solidFill>
-                  <a:srgbClr val="FFFF00"/>
-                </a:solidFill>
-                <a:latin typeface="배달의민족 주아" panose="02020603020101020101" pitchFamily="18" charset="-127"/>
-                <a:ea typeface="배달의민족 주아" panose="02020603020101020101" pitchFamily="18" charset="-127"/>
-              </a:rPr>
-              <a:t>2. File! </a:t>
-            </a:r>
-            <a:r>
-              <a:rPr lang="ko-KR" altLang="en-US" sz="2000" dirty="0">
-                <a:solidFill>
-                  <a:srgbClr val="FFFF00"/>
-                </a:solidFill>
-                <a:latin typeface="배달의민족 주아" panose="02020603020101020101" pitchFamily="18" charset="-127"/>
-                <a:ea typeface="배달의민족 주아" panose="02020603020101020101" pitchFamily="18" charset="-127"/>
-              </a:rPr>
-              <a:t>버튼</a:t>
-            </a:r>
-            <a:endParaRPr lang="en-US" altLang="ko-KR" sz="2000" dirty="0">
-              <a:solidFill>
-                <a:srgbClr val="FFFF00"/>
-              </a:solidFill>
-              <a:latin typeface="배달의민족 주아" panose="02020603020101020101" pitchFamily="18" charset="-127"/>
-              <a:ea typeface="배달의민족 주아" panose="02020603020101020101" pitchFamily="18" charset="-127"/>
-            </a:endParaRPr>
-          </a:p>
-          <a:p>
-            <a:endParaRPr lang="en-US" altLang="ko-KR" sz="2000" dirty="0">
-              <a:solidFill>
-                <a:schemeClr val="bg1"/>
-              </a:solidFill>
-              <a:latin typeface="배달의민족 주아" panose="02020603020101020101" pitchFamily="18" charset="-127"/>
-              <a:ea typeface="배달의민족 주아" panose="02020603020101020101" pitchFamily="18" charset="-127"/>
-            </a:endParaRPr>
-          </a:p>
-          <a:p>
-            <a:r>
-              <a:rPr lang="en-US" altLang="ko-KR" sz="2000" dirty="0">
-                <a:solidFill>
-                  <a:schemeClr val="bg1"/>
-                </a:solidFill>
-                <a:latin typeface="배달의민족 주아" panose="02020603020101020101" pitchFamily="18" charset="-127"/>
-                <a:ea typeface="배달의민족 주아" panose="02020603020101020101" pitchFamily="18" charset="-127"/>
-              </a:rPr>
-              <a:t>3. </a:t>
-            </a:r>
-            <a:r>
-              <a:rPr lang="ko-KR" altLang="en-US" sz="2000" dirty="0">
-                <a:solidFill>
-                  <a:schemeClr val="bg1"/>
-                </a:solidFill>
-                <a:latin typeface="배달의민족 주아" panose="02020603020101020101" pitchFamily="18" charset="-127"/>
-                <a:ea typeface="배달의민족 주아" panose="02020603020101020101" pitchFamily="18" charset="-127"/>
-              </a:rPr>
-              <a:t>목표를 못 맞춘 경우</a:t>
-            </a:r>
-            <a:endParaRPr lang="en-US" altLang="ko-KR" sz="2000" dirty="0">
-              <a:solidFill>
-                <a:schemeClr val="bg1"/>
-              </a:solidFill>
-              <a:latin typeface="배달의민족 주아" panose="02020603020101020101" pitchFamily="18" charset="-127"/>
-              <a:ea typeface="배달의민족 주아" panose="02020603020101020101" pitchFamily="18" charset="-127"/>
-            </a:endParaRPr>
-          </a:p>
-          <a:p>
-            <a:endParaRPr lang="en-US" altLang="ko-KR" sz="2000" dirty="0">
-              <a:solidFill>
-                <a:schemeClr val="bg1"/>
-              </a:solidFill>
-              <a:latin typeface="배달의민족 주아" panose="02020603020101020101" pitchFamily="18" charset="-127"/>
-              <a:ea typeface="배달의민족 주아" panose="02020603020101020101" pitchFamily="18" charset="-127"/>
-            </a:endParaRPr>
-          </a:p>
-          <a:p>
-            <a:r>
-              <a:rPr lang="en-US" altLang="ko-KR" sz="2000" dirty="0">
-                <a:solidFill>
-                  <a:schemeClr val="bg1"/>
-                </a:solidFill>
-                <a:latin typeface="배달의민족 주아" panose="02020603020101020101" pitchFamily="18" charset="-127"/>
-                <a:ea typeface="배달의민족 주아" panose="02020603020101020101" pitchFamily="18" charset="-127"/>
-              </a:rPr>
-              <a:t>4. </a:t>
-            </a:r>
-            <a:r>
-              <a:rPr lang="ko-KR" altLang="en-US" sz="2000" dirty="0">
-                <a:solidFill>
-                  <a:schemeClr val="bg1"/>
-                </a:solidFill>
-                <a:latin typeface="배달의민족 주아" panose="02020603020101020101" pitchFamily="18" charset="-127"/>
-                <a:ea typeface="배달의민족 주아" panose="02020603020101020101" pitchFamily="18" charset="-127"/>
-              </a:rPr>
-              <a:t>목표를 맞춘 경우</a:t>
-            </a:r>
-            <a:endParaRPr lang="en-US" altLang="ko-KR" sz="2000" dirty="0">
-              <a:solidFill>
-                <a:schemeClr val="bg1"/>
-              </a:solidFill>
-              <a:latin typeface="배달의민족 주아" panose="02020603020101020101" pitchFamily="18" charset="-127"/>
-              <a:ea typeface="배달의민족 주아" panose="02020603020101020101" pitchFamily="18" charset="-127"/>
-            </a:endParaRPr>
-          </a:p>
-        </p:txBody>
-      </p:sp>
-      <p:sp>
-        <p:nvSpPr>
-          <p:cNvPr id="10" name="Rectangle 9"/>
-          <p:cNvSpPr/>
-          <p:nvPr/>
-        </p:nvSpPr>
-        <p:spPr>
-          <a:xfrm>
-            <a:off x="3448139" y="1310745"/>
-            <a:ext cx="5196838" cy="4572000"/>
-          </a:xfrm>
-          <a:prstGeom prst="rect">
-            <a:avLst/>
-          </a:prstGeom>
-          <a:noFill/>
-          <a:ln w="127000">
-            <a:solidFill>
-              <a:schemeClr val="bg1"/>
-            </a:solidFill>
-          </a:ln>
-        </p:spPr>
-        <p:style>
-          <a:lnRef idx="2">
-            <a:schemeClr val="accent1">
-              <a:shade val="50000"/>
-            </a:schemeClr>
-          </a:lnRef>
-          <a:fillRef idx="1">
-            <a:schemeClr val="accent1"/>
-          </a:fillRef>
-          <a:effectRef idx="0">
-            <a:schemeClr val="accent1"/>
-          </a:effectRef>
-          <a:fontRef idx="minor">
-            <a:schemeClr val="lt1"/>
-          </a:fontRef>
-        </p:style>
-        <p:txBody>
-          <a:bodyPr rtlCol="0" anchor="ctr"/>
-          <a:lstStyle/>
-          <a:p>
-            <a:pPr algn="ctr"/>
-            <a:endParaRPr lang="ko-KR" altLang="en-US" dirty="0"/>
-          </a:p>
-        </p:txBody>
-      </p:sp>
-      <p:pic>
-        <p:nvPicPr>
-          <p:cNvPr id="3" name="그림 2">
+            <a:pPr>
+              <a:lnSpc>
+                <a:spcPts val="3000"/>
+              </a:lnSpc>
+            </a:pPr>
+            <a:r>
+              <a:rPr lang="en-US" altLang="ko-KR" sz="3500" spc="-150" dirty="0">
+                <a:solidFill>
+                  <a:schemeClr val="bg1"/>
+                </a:solidFill>
+                <a:latin typeface="배달의민족 주아" panose="02020603020101020101" pitchFamily="18" charset="-127"/>
+                <a:ea typeface="배달의민족 주아" panose="02020603020101020101" pitchFamily="18" charset="-127"/>
+              </a:rPr>
+              <a:t>class Cannon</a:t>
+            </a:r>
+          </a:p>
+        </p:txBody>
+      </p:sp>
+      <p:sp>
+        <p:nvSpPr>
+          <p:cNvPr id="5" name="TextBox 4">
             <a:extLst>
               <a:ext uri="{FF2B5EF4-FFF2-40B4-BE49-F238E27FC236}">
-                <a16:creationId xmlns:a16="http://schemas.microsoft.com/office/drawing/2014/main" id="{C13D0E27-11D3-4517-87E0-1F9396F41B83}"/>
+                <a16:creationId xmlns:a16="http://schemas.microsoft.com/office/drawing/2014/main" id="{3583565E-7A5D-4BE8-A6FC-1B97D73C5238}"/>
               </a:ext>
             </a:extLst>
           </p:cNvPr>
-          <p:cNvPicPr>
-            <a:picLocks noChangeAspect="1"/>
-          </p:cNvPicPr>
+          <p:cNvSpPr txBox="1"/>
           <p:nvPr/>
-        </p:nvPicPr>
-        <p:blipFill>
-          <a:blip r:embed="rId2">
-            <a:extLst>
-              <a:ext uri="{28A0092B-C50C-407E-A947-70E740481C1C}">
-                <a14:useLocalDpi xmlns:a14="http://schemas.microsoft.com/office/drawing/2010/main" val="0"/>
-              </a:ext>
-            </a:extLst>
-          </a:blip>
-          <a:stretch>
-            <a:fillRect/>
-          </a:stretch>
-        </p:blipFill>
-        <p:spPr>
-          <a:xfrm>
-            <a:off x="3516683" y="1376958"/>
-            <a:ext cx="5066485" cy="4450818"/>
-          </a:xfrm>
-          <a:prstGeom prst="rect">
-            <a:avLst/>
-          </a:prstGeom>
-        </p:spPr>
-      </p:pic>
+        </p:nvSpPr>
+        <p:spPr>
+          <a:xfrm>
+            <a:off x="1031978" y="2029955"/>
+            <a:ext cx="7698784" cy="4297330"/>
+          </a:xfrm>
+          <a:prstGeom prst="rect">
+            <a:avLst/>
+          </a:prstGeom>
+          <a:noFill/>
+        </p:spPr>
+        <p:txBody>
+          <a:bodyPr wrap="square" rtlCol="0">
+            <a:spAutoFit/>
+          </a:bodyPr>
+          <a:lstStyle/>
+          <a:p>
+            <a:pPr>
+              <a:lnSpc>
+                <a:spcPts val="3000"/>
+              </a:lnSpc>
+            </a:pPr>
+            <a:r>
+              <a:rPr lang="en-US" altLang="ko-KR" spc="-150" dirty="0">
+                <a:solidFill>
+                  <a:schemeClr val="bg1"/>
+                </a:solidFill>
+                <a:latin typeface="배달의민족 주아" panose="02020603020101020101" pitchFamily="18" charset="-127"/>
+                <a:ea typeface="배달의민족 주아" panose="02020603020101020101" pitchFamily="18" charset="-127"/>
+              </a:rPr>
+              <a:t>def __</a:t>
+            </a:r>
+            <a:r>
+              <a:rPr lang="en-US" altLang="ko-KR" spc="-150" dirty="0" err="1">
+                <a:solidFill>
+                  <a:schemeClr val="bg1"/>
+                </a:solidFill>
+                <a:latin typeface="배달의민족 주아" panose="02020603020101020101" pitchFamily="18" charset="-127"/>
+                <a:ea typeface="배달의민족 주아" panose="02020603020101020101" pitchFamily="18" charset="-127"/>
+              </a:rPr>
+              <a:t>init</a:t>
+            </a:r>
+            <a:r>
+              <a:rPr lang="en-US" altLang="ko-KR" spc="-150" dirty="0">
+                <a:solidFill>
+                  <a:schemeClr val="bg1"/>
+                </a:solidFill>
+                <a:latin typeface="배달의민족 주아" panose="02020603020101020101" pitchFamily="18" charset="-127"/>
+                <a:ea typeface="배달의민족 주아" panose="02020603020101020101" pitchFamily="18" charset="-127"/>
+              </a:rPr>
+              <a:t>__(self, target):</a:t>
+            </a:r>
+          </a:p>
+          <a:p>
+            <a:pPr>
+              <a:lnSpc>
+                <a:spcPts val="3000"/>
+              </a:lnSpc>
+            </a:pPr>
+            <a:r>
+              <a:rPr lang="en-US" altLang="ko-KR" spc="-150" dirty="0">
+                <a:solidFill>
+                  <a:schemeClr val="bg1"/>
+                </a:solidFill>
+                <a:latin typeface="배달의민족 주아" panose="02020603020101020101" pitchFamily="18" charset="-127"/>
+                <a:ea typeface="배달의민족 주아" panose="02020603020101020101" pitchFamily="18" charset="-127"/>
+              </a:rPr>
+              <a:t>        # </a:t>
+            </a:r>
+            <a:r>
+              <a:rPr lang="ko-KR" altLang="en-US" spc="-150" dirty="0">
+                <a:solidFill>
+                  <a:schemeClr val="bg1"/>
+                </a:solidFill>
+                <a:latin typeface="배달의민족 주아" panose="02020603020101020101" pitchFamily="18" charset="-127"/>
+                <a:ea typeface="배달의민족 주아" panose="02020603020101020101" pitchFamily="18" charset="-127"/>
+              </a:rPr>
+              <a:t>게임에서의 초기 행렬 설정</a:t>
+            </a:r>
+            <a:r>
+              <a:rPr lang="en-US" altLang="ko-KR" spc="-150" dirty="0">
+                <a:solidFill>
+                  <a:schemeClr val="bg1"/>
+                </a:solidFill>
+                <a:latin typeface="배달의민족 주아" panose="02020603020101020101" pitchFamily="18" charset="-127"/>
+                <a:ea typeface="배달의민족 주아" panose="02020603020101020101" pitchFamily="18" charset="-127"/>
+              </a:rPr>
+              <a:t>(row, column)</a:t>
+            </a:r>
+          </a:p>
+          <a:p>
+            <a:pPr>
+              <a:lnSpc>
+                <a:spcPts val="3000"/>
+              </a:lnSpc>
+            </a:pPr>
+            <a:r>
+              <a:rPr lang="en-US" altLang="ko-KR" spc="-150" dirty="0">
+                <a:solidFill>
+                  <a:schemeClr val="bg1"/>
+                </a:solidFill>
+                <a:latin typeface="배달의민족 주아" panose="02020603020101020101" pitchFamily="18" charset="-127"/>
+                <a:ea typeface="배달의민족 주아" panose="02020603020101020101" pitchFamily="18" charset="-127"/>
+              </a:rPr>
+              <a:t>        </a:t>
+            </a:r>
+            <a:r>
+              <a:rPr lang="en-US" altLang="ko-KR" spc="-150" dirty="0" err="1">
+                <a:solidFill>
+                  <a:schemeClr val="bg1"/>
+                </a:solidFill>
+                <a:latin typeface="배달의민족 주아" panose="02020603020101020101" pitchFamily="18" charset="-127"/>
+                <a:ea typeface="배달의민족 주아" panose="02020603020101020101" pitchFamily="18" charset="-127"/>
+              </a:rPr>
+              <a:t>self.totalListLine</a:t>
+            </a:r>
+            <a:r>
+              <a:rPr lang="en-US" altLang="ko-KR" spc="-150" dirty="0">
+                <a:solidFill>
+                  <a:schemeClr val="bg1"/>
+                </a:solidFill>
+                <a:latin typeface="배달의민족 주아" panose="02020603020101020101" pitchFamily="18" charset="-127"/>
+                <a:ea typeface="배달의민족 주아" panose="02020603020101020101" pitchFamily="18" charset="-127"/>
+              </a:rPr>
+              <a:t> = []</a:t>
+            </a:r>
+          </a:p>
+          <a:p>
+            <a:pPr>
+              <a:lnSpc>
+                <a:spcPts val="3000"/>
+              </a:lnSpc>
+            </a:pPr>
+            <a:r>
+              <a:rPr lang="en-US" altLang="ko-KR" spc="-150" dirty="0">
+                <a:solidFill>
+                  <a:schemeClr val="bg1"/>
+                </a:solidFill>
+                <a:latin typeface="배달의민족 주아" panose="02020603020101020101" pitchFamily="18" charset="-127"/>
+                <a:ea typeface="배달의민족 주아" panose="02020603020101020101" pitchFamily="18" charset="-127"/>
+              </a:rPr>
+              <a:t>        # (30 * 80) matrix, (0, 0) ~ (29, 79)■</a:t>
+            </a:r>
+          </a:p>
+          <a:p>
+            <a:pPr>
+              <a:lnSpc>
+                <a:spcPts val="3000"/>
+              </a:lnSpc>
+            </a:pPr>
+            <a:r>
+              <a:rPr lang="en-US" altLang="ko-KR" spc="-150" dirty="0">
+                <a:solidFill>
+                  <a:schemeClr val="bg1"/>
+                </a:solidFill>
+                <a:latin typeface="배달의민족 주아" panose="02020603020101020101" pitchFamily="18" charset="-127"/>
+                <a:ea typeface="배달의민족 주아" panose="02020603020101020101" pitchFamily="18" charset="-127"/>
+              </a:rPr>
+              <a:t>        for _ in range(26):</a:t>
+            </a:r>
+          </a:p>
+          <a:p>
+            <a:pPr>
+              <a:lnSpc>
+                <a:spcPts val="3000"/>
+              </a:lnSpc>
+            </a:pPr>
+            <a:r>
+              <a:rPr lang="en-US" altLang="ko-KR" spc="-150" dirty="0">
+                <a:solidFill>
+                  <a:schemeClr val="bg1"/>
+                </a:solidFill>
+                <a:latin typeface="배달의민족 주아" panose="02020603020101020101" pitchFamily="18" charset="-127"/>
+                <a:ea typeface="배달의민족 주아" panose="02020603020101020101" pitchFamily="18" charset="-127"/>
+              </a:rPr>
+              <a:t>            </a:t>
+            </a:r>
+            <a:r>
+              <a:rPr lang="en-US" altLang="ko-KR" spc="-150" dirty="0" err="1">
+                <a:solidFill>
+                  <a:schemeClr val="bg1"/>
+                </a:solidFill>
+                <a:latin typeface="배달의민족 주아" panose="02020603020101020101" pitchFamily="18" charset="-127"/>
+                <a:ea typeface="배달의민족 주아" panose="02020603020101020101" pitchFamily="18" charset="-127"/>
+              </a:rPr>
+              <a:t>self.totalListLine.append</a:t>
+            </a:r>
+            <a:r>
+              <a:rPr lang="en-US" altLang="ko-KR" spc="-150" dirty="0">
+                <a:solidFill>
+                  <a:schemeClr val="bg1"/>
+                </a:solidFill>
+                <a:latin typeface="배달의민족 주아" panose="02020603020101020101" pitchFamily="18" charset="-127"/>
+                <a:ea typeface="배달의민족 주아" panose="02020603020101020101" pitchFamily="18" charset="-127"/>
+              </a:rPr>
+              <a:t>([' '] * 80)  # column </a:t>
+            </a:r>
+            <a:r>
+              <a:rPr lang="ko-KR" altLang="en-US" spc="-150" dirty="0">
+                <a:solidFill>
+                  <a:schemeClr val="bg1"/>
+                </a:solidFill>
+                <a:latin typeface="배달의민족 주아" panose="02020603020101020101" pitchFamily="18" charset="-127"/>
+                <a:ea typeface="배달의민족 주아" panose="02020603020101020101" pitchFamily="18" charset="-127"/>
+              </a:rPr>
+              <a:t>의 개수</a:t>
+            </a:r>
+          </a:p>
+          <a:p>
+            <a:pPr>
+              <a:lnSpc>
+                <a:spcPts val="3000"/>
+              </a:lnSpc>
+            </a:pPr>
+            <a:r>
+              <a:rPr lang="ko-KR" altLang="en-US" spc="-150" dirty="0">
+                <a:solidFill>
+                  <a:schemeClr val="bg1"/>
+                </a:solidFill>
+                <a:latin typeface="배달의민족 주아" panose="02020603020101020101" pitchFamily="18" charset="-127"/>
+                <a:ea typeface="배달의민족 주아" panose="02020603020101020101" pitchFamily="18" charset="-127"/>
+              </a:rPr>
+              <a:t>        </a:t>
+            </a:r>
+            <a:r>
+              <a:rPr lang="en-US" altLang="ko-KR" spc="-150" dirty="0">
+                <a:solidFill>
+                  <a:schemeClr val="bg1"/>
+                </a:solidFill>
+                <a:latin typeface="배달의민족 주아" panose="02020603020101020101" pitchFamily="18" charset="-127"/>
+                <a:ea typeface="배달의민족 주아" panose="02020603020101020101" pitchFamily="18" charset="-127"/>
+              </a:rPr>
+              <a:t>else:</a:t>
+            </a:r>
+          </a:p>
+          <a:p>
+            <a:pPr>
+              <a:lnSpc>
+                <a:spcPts val="3000"/>
+              </a:lnSpc>
+            </a:pPr>
+            <a:r>
+              <a:rPr lang="en-US" altLang="ko-KR" spc="-150" dirty="0">
+                <a:solidFill>
+                  <a:schemeClr val="bg1"/>
+                </a:solidFill>
+                <a:latin typeface="배달의민족 주아" panose="02020603020101020101" pitchFamily="18" charset="-127"/>
+                <a:ea typeface="배달의민족 주아" panose="02020603020101020101" pitchFamily="18" charset="-127"/>
+              </a:rPr>
+              <a:t>            </a:t>
+            </a:r>
+            <a:r>
+              <a:rPr lang="en-US" altLang="ko-KR" spc="-150" dirty="0" err="1">
+                <a:solidFill>
+                  <a:schemeClr val="bg1"/>
+                </a:solidFill>
+                <a:latin typeface="배달의민족 주아" panose="02020603020101020101" pitchFamily="18" charset="-127"/>
+                <a:ea typeface="배달의민족 주아" panose="02020603020101020101" pitchFamily="18" charset="-127"/>
+              </a:rPr>
+              <a:t>self.totalListLine.append</a:t>
+            </a:r>
+            <a:r>
+              <a:rPr lang="en-US" altLang="ko-KR" spc="-150" dirty="0">
+                <a:solidFill>
+                  <a:schemeClr val="bg1"/>
+                </a:solidFill>
+                <a:latin typeface="배달의민족 주아" panose="02020603020101020101" pitchFamily="18" charset="-127"/>
+                <a:ea typeface="배달의민족 주아" panose="02020603020101020101" pitchFamily="18" charset="-127"/>
+              </a:rPr>
+              <a:t>([' '] * 5 + ['/', '_'] + [' '] * 73)</a:t>
+            </a:r>
+          </a:p>
+          <a:p>
+            <a:pPr>
+              <a:lnSpc>
+                <a:spcPts val="3000"/>
+              </a:lnSpc>
+            </a:pPr>
+            <a:r>
+              <a:rPr lang="en-US" altLang="ko-KR" spc="-150" dirty="0">
+                <a:solidFill>
+                  <a:schemeClr val="bg1"/>
+                </a:solidFill>
+                <a:latin typeface="배달의민족 주아" panose="02020603020101020101" pitchFamily="18" charset="-127"/>
+                <a:ea typeface="배달의민족 주아" panose="02020603020101020101" pitchFamily="18" charset="-127"/>
+              </a:rPr>
+              <a:t>            </a:t>
+            </a:r>
+            <a:r>
+              <a:rPr lang="en-US" altLang="ko-KR" spc="-150" dirty="0" err="1">
+                <a:solidFill>
+                  <a:schemeClr val="bg1"/>
+                </a:solidFill>
+                <a:latin typeface="배달의민족 주아" panose="02020603020101020101" pitchFamily="18" charset="-127"/>
+                <a:ea typeface="배달의민족 주아" panose="02020603020101020101" pitchFamily="18" charset="-127"/>
+              </a:rPr>
+              <a:t>self.totalListLine.append</a:t>
+            </a:r>
+            <a:r>
+              <a:rPr lang="en-US" altLang="ko-KR" spc="-150" dirty="0">
+                <a:solidFill>
+                  <a:schemeClr val="bg1"/>
+                </a:solidFill>
+                <a:latin typeface="배달의민족 주아" panose="02020603020101020101" pitchFamily="18" charset="-127"/>
+                <a:ea typeface="배달의민족 주아" panose="02020603020101020101" pitchFamily="18" charset="-127"/>
+              </a:rPr>
+              <a:t>([' '] * 3 + ['|', '\"', '\"', '\"', '\\', '-', '='] + [' '] * 70)</a:t>
+            </a:r>
+          </a:p>
+          <a:p>
+            <a:pPr>
+              <a:lnSpc>
+                <a:spcPts val="3000"/>
+              </a:lnSpc>
+            </a:pPr>
+            <a:r>
+              <a:rPr lang="en-US" altLang="ko-KR" spc="-150" dirty="0">
+                <a:solidFill>
+                  <a:schemeClr val="bg1"/>
+                </a:solidFill>
+                <a:latin typeface="배달의민족 주아" panose="02020603020101020101" pitchFamily="18" charset="-127"/>
+                <a:ea typeface="배달의민족 주아" panose="02020603020101020101" pitchFamily="18" charset="-127"/>
+              </a:rPr>
+              <a:t>            </a:t>
+            </a:r>
+            <a:r>
+              <a:rPr lang="en-US" altLang="ko-KR" spc="-150" dirty="0" err="1">
+                <a:solidFill>
+                  <a:schemeClr val="bg1"/>
+                </a:solidFill>
+                <a:latin typeface="배달의민족 주아" panose="02020603020101020101" pitchFamily="18" charset="-127"/>
+                <a:ea typeface="배달의민족 주아" panose="02020603020101020101" pitchFamily="18" charset="-127"/>
+              </a:rPr>
+              <a:t>self.totalListLine.append</a:t>
+            </a:r>
+            <a:r>
+              <a:rPr lang="en-US" altLang="ko-KR" spc="-150" dirty="0">
+                <a:solidFill>
+                  <a:schemeClr val="bg1"/>
+                </a:solidFill>
+                <a:latin typeface="배달의민족 주아" panose="02020603020101020101" pitchFamily="18" charset="-127"/>
+                <a:ea typeface="배달의민족 주아" panose="02020603020101020101" pitchFamily="18" charset="-127"/>
+              </a:rPr>
+              <a:t>([' '] * 3 + ['(', '_' * 4, ')'] + [' '] * 70)</a:t>
+            </a:r>
+          </a:p>
+          <a:p>
+            <a:pPr>
+              <a:lnSpc>
+                <a:spcPts val="3000"/>
+              </a:lnSpc>
+            </a:pPr>
+            <a:r>
+              <a:rPr lang="en-US" altLang="ko-KR" spc="-150" dirty="0">
+                <a:solidFill>
+                  <a:schemeClr val="bg1"/>
+                </a:solidFill>
+                <a:latin typeface="배달의민족 주아" panose="02020603020101020101" pitchFamily="18" charset="-127"/>
+                <a:ea typeface="배달의민족 주아" panose="02020603020101020101" pitchFamily="18" charset="-127"/>
+              </a:rPr>
+              <a:t>            </a:t>
+            </a:r>
+            <a:r>
+              <a:rPr lang="en-US" altLang="ko-KR" spc="-150" dirty="0" err="1">
+                <a:solidFill>
+                  <a:schemeClr val="bg1"/>
+                </a:solidFill>
+                <a:latin typeface="배달의민족 주아" panose="02020603020101020101" pitchFamily="18" charset="-127"/>
+                <a:ea typeface="배달의민족 주아" panose="02020603020101020101" pitchFamily="18" charset="-127"/>
+              </a:rPr>
+              <a:t>self.totalListLine.append</a:t>
+            </a:r>
+            <a:r>
+              <a:rPr lang="en-US" altLang="ko-KR" spc="-150" dirty="0">
+                <a:solidFill>
+                  <a:schemeClr val="bg1"/>
+                </a:solidFill>
+                <a:latin typeface="배달의민족 주아" panose="02020603020101020101" pitchFamily="18" charset="-127"/>
+                <a:ea typeface="배달의민족 주아" panose="02020603020101020101" pitchFamily="18" charset="-127"/>
+              </a:rPr>
+              <a:t>(['▀'] * 80)</a:t>
+            </a:r>
+          </a:p>
+        </p:txBody>
+      </p:sp>
     </p:spTree>
     <p:extLst>
       <p:ext uri="{BB962C8B-B14F-4D97-AF65-F5344CB8AC3E}">
-        <p14:creationId xmlns:p14="http://schemas.microsoft.com/office/powerpoint/2010/main" val="227682316"/>
+        <p14:creationId xmlns:p14="http://schemas.microsoft.com/office/powerpoint/2010/main" val="4257013011"/>
       </p:ext>
     </p:extLst>
   </p:cSld>
@@ -8669,14 +8742,20 @@
       </p:grpSpPr>
       <p:sp>
         <p:nvSpPr>
-          <p:cNvPr id="6" name="TextBox 5"/>
+          <p:cNvPr id="3" name="TextBox 2">
+            <a:extLst>
+              <a:ext uri="{FF2B5EF4-FFF2-40B4-BE49-F238E27FC236}">
+                <a16:creationId xmlns:a16="http://schemas.microsoft.com/office/drawing/2014/main" id="{62BF8E07-BEF5-4AC5-92E2-97513FF42373}"/>
+              </a:ext>
+            </a:extLst>
+          </p:cNvPr>
           <p:cNvSpPr txBox="1"/>
           <p:nvPr/>
         </p:nvSpPr>
         <p:spPr>
           <a:xfrm>
-            <a:off x="816858" y="795219"/>
-            <a:ext cx="2631281" cy="515526"/>
+            <a:off x="993878" y="646335"/>
+            <a:ext cx="2631281" cy="553998"/>
           </a:xfrm>
           <a:prstGeom prst="rect">
             <a:avLst/>
@@ -8695,299 +8774,286 @@
               </a:lnSpc>
             </a:pPr>
             <a:r>
-              <a:rPr lang="ko-KR" altLang="en-US" sz="3500" spc="-150" dirty="0">
-                <a:solidFill>
-                  <a:schemeClr val="bg1"/>
-                </a:solidFill>
-                <a:latin typeface="배달의민족 주아" panose="02020603020101020101" pitchFamily="18" charset="-127"/>
-                <a:ea typeface="배달의민족 주아" panose="02020603020101020101" pitchFamily="18" charset="-127"/>
-              </a:rPr>
-              <a:t>게임</a:t>
-            </a:r>
-            <a:r>
-              <a:rPr lang="en-US" altLang="ko-KR" sz="3500" spc="-150" dirty="0">
-                <a:solidFill>
-                  <a:schemeClr val="bg1"/>
-                </a:solidFill>
-                <a:latin typeface="배달의민족 주아" panose="02020603020101020101" pitchFamily="18" charset="-127"/>
-                <a:ea typeface="배달의민족 주아" panose="02020603020101020101" pitchFamily="18" charset="-127"/>
-              </a:rPr>
-              <a:t> </a:t>
-            </a:r>
-            <a:r>
-              <a:rPr lang="ko-KR" altLang="en-US" sz="3500" spc="-150" dirty="0">
-                <a:solidFill>
-                  <a:schemeClr val="bg1"/>
-                </a:solidFill>
-                <a:latin typeface="배달의민족 주아" panose="02020603020101020101" pitchFamily="18" charset="-127"/>
-                <a:ea typeface="배달의민족 주아" panose="02020603020101020101" pitchFamily="18" charset="-127"/>
-              </a:rPr>
-              <a:t>시연 영상</a:t>
-            </a:r>
-            <a:endParaRPr lang="en-US" altLang="ko-KR" sz="3500" spc="-150" dirty="0">
-              <a:solidFill>
-                <a:schemeClr val="bg1"/>
-              </a:solidFill>
-              <a:latin typeface="배달의민족 주아" panose="02020603020101020101" pitchFamily="18" charset="-127"/>
-              <a:ea typeface="배달의민족 주아" panose="02020603020101020101" pitchFamily="18" charset="-127"/>
-            </a:endParaRPr>
-          </a:p>
-        </p:txBody>
-      </p:sp>
-      <p:sp>
-        <p:nvSpPr>
-          <p:cNvPr id="7" name="Rectangle 6"/>
-          <p:cNvSpPr/>
+              <a:rPr lang="en-US" altLang="ko-KR" sz="4500" spc="-150" dirty="0">
+                <a:solidFill>
+                  <a:schemeClr val="bg1"/>
+                </a:solidFill>
+                <a:latin typeface="배달의민족 주아" panose="02020603020101020101" pitchFamily="18" charset="-127"/>
+                <a:ea typeface="배달의민족 주아" panose="02020603020101020101" pitchFamily="18" charset="-127"/>
+              </a:rPr>
+              <a:t>cannon.py</a:t>
+            </a:r>
+          </a:p>
+        </p:txBody>
+      </p:sp>
+      <p:sp>
+        <p:nvSpPr>
+          <p:cNvPr id="4" name="TextBox 3">
+            <a:extLst>
+              <a:ext uri="{FF2B5EF4-FFF2-40B4-BE49-F238E27FC236}">
+                <a16:creationId xmlns:a16="http://schemas.microsoft.com/office/drawing/2014/main" id="{D5CC1F70-E3B6-4839-9912-E2B363B3A3BA}"/>
+              </a:ext>
+            </a:extLst>
+          </p:cNvPr>
+          <p:cNvSpPr txBox="1"/>
           <p:nvPr/>
         </p:nvSpPr>
         <p:spPr>
           <a:xfrm>
-            <a:off x="705277" y="3253368"/>
-            <a:ext cx="2521500" cy="2246769"/>
-          </a:xfrm>
-          <a:prstGeom prst="rect">
-            <a:avLst/>
-          </a:prstGeom>
-        </p:spPr>
-        <p:txBody>
-          <a:bodyPr wrap="square">
+            <a:off x="527886" y="1514429"/>
+            <a:ext cx="5398131" cy="515526"/>
+          </a:xfrm>
+          <a:prstGeom prst="rect">
+            <a:avLst/>
+          </a:prstGeom>
+          <a:noFill/>
+        </p:spPr>
+        <p:txBody>
+          <a:bodyPr wrap="square" rtlCol="0">
             <a:spAutoFit/>
           </a:bodyPr>
           <a:lstStyle/>
           <a:p>
-            <a:r>
-              <a:rPr lang="en-US" altLang="ko-KR" sz="2000" dirty="0">
-                <a:solidFill>
-                  <a:schemeClr val="bg1"/>
-                </a:solidFill>
-                <a:latin typeface="배달의민족 주아" panose="02020603020101020101" pitchFamily="18" charset="-127"/>
-                <a:ea typeface="배달의민족 주아" panose="02020603020101020101" pitchFamily="18" charset="-127"/>
-              </a:rPr>
-              <a:t>1. New Game! </a:t>
-            </a:r>
-            <a:r>
-              <a:rPr lang="ko-KR" altLang="en-US" sz="2000" dirty="0">
-                <a:solidFill>
-                  <a:schemeClr val="bg1"/>
-                </a:solidFill>
-                <a:latin typeface="배달의민족 주아" panose="02020603020101020101" pitchFamily="18" charset="-127"/>
-                <a:ea typeface="배달의민족 주아" panose="02020603020101020101" pitchFamily="18" charset="-127"/>
-              </a:rPr>
-              <a:t>버튼</a:t>
-            </a:r>
-            <a:r>
-              <a:rPr lang="en-US" altLang="ko-KR" sz="2000" dirty="0">
-                <a:solidFill>
-                  <a:schemeClr val="bg1"/>
-                </a:solidFill>
-                <a:latin typeface="배달의민족 주아" panose="02020603020101020101" pitchFamily="18" charset="-127"/>
-                <a:ea typeface="배달의민족 주아" panose="02020603020101020101" pitchFamily="18" charset="-127"/>
-              </a:rPr>
-              <a:t> </a:t>
-            </a:r>
-          </a:p>
-          <a:p>
-            <a:endParaRPr lang="en-US" altLang="ko-KR" sz="2000" dirty="0">
-              <a:solidFill>
-                <a:schemeClr val="bg1"/>
-              </a:solidFill>
-              <a:latin typeface="배달의민족 주아" panose="02020603020101020101" pitchFamily="18" charset="-127"/>
-              <a:ea typeface="배달의민족 주아" panose="02020603020101020101" pitchFamily="18" charset="-127"/>
-            </a:endParaRPr>
-          </a:p>
-          <a:p>
-            <a:r>
-              <a:rPr lang="en-US" altLang="ko-KR" sz="2000" dirty="0">
-                <a:solidFill>
-                  <a:schemeClr val="bg1"/>
-                </a:solidFill>
-                <a:latin typeface="배달의민족 주아" panose="02020603020101020101" pitchFamily="18" charset="-127"/>
-                <a:ea typeface="배달의민족 주아" panose="02020603020101020101" pitchFamily="18" charset="-127"/>
-              </a:rPr>
-              <a:t>2. File! </a:t>
-            </a:r>
-            <a:r>
-              <a:rPr lang="ko-KR" altLang="en-US" sz="2000" dirty="0">
-                <a:solidFill>
-                  <a:schemeClr val="bg1"/>
-                </a:solidFill>
-                <a:latin typeface="배달의민족 주아" panose="02020603020101020101" pitchFamily="18" charset="-127"/>
-                <a:ea typeface="배달의민족 주아" panose="02020603020101020101" pitchFamily="18" charset="-127"/>
-              </a:rPr>
-              <a:t>버튼</a:t>
-            </a:r>
-            <a:endParaRPr lang="en-US" altLang="ko-KR" sz="2000" dirty="0">
-              <a:solidFill>
-                <a:schemeClr val="bg1"/>
-              </a:solidFill>
-              <a:latin typeface="배달의민족 주아" panose="02020603020101020101" pitchFamily="18" charset="-127"/>
-              <a:ea typeface="배달의민족 주아" panose="02020603020101020101" pitchFamily="18" charset="-127"/>
-            </a:endParaRPr>
-          </a:p>
-          <a:p>
-            <a:endParaRPr lang="en-US" altLang="ko-KR" sz="2000" dirty="0">
-              <a:solidFill>
-                <a:schemeClr val="bg1"/>
-              </a:solidFill>
-              <a:latin typeface="배달의민족 주아" panose="02020603020101020101" pitchFamily="18" charset="-127"/>
-              <a:ea typeface="배달의민족 주아" panose="02020603020101020101" pitchFamily="18" charset="-127"/>
-            </a:endParaRPr>
-          </a:p>
-          <a:p>
-            <a:r>
-              <a:rPr lang="en-US" altLang="ko-KR" sz="2000" dirty="0">
-                <a:solidFill>
-                  <a:srgbClr val="FFFF00"/>
-                </a:solidFill>
-                <a:latin typeface="배달의민족 주아" panose="02020603020101020101" pitchFamily="18" charset="-127"/>
-                <a:ea typeface="배달의민족 주아" panose="02020603020101020101" pitchFamily="18" charset="-127"/>
-              </a:rPr>
-              <a:t>3. </a:t>
-            </a:r>
-            <a:r>
-              <a:rPr lang="ko-KR" altLang="en-US" sz="2000" dirty="0">
-                <a:solidFill>
-                  <a:srgbClr val="FFFF00"/>
-                </a:solidFill>
-                <a:latin typeface="배달의민족 주아" panose="02020603020101020101" pitchFamily="18" charset="-127"/>
-                <a:ea typeface="배달의민족 주아" panose="02020603020101020101" pitchFamily="18" charset="-127"/>
-              </a:rPr>
-              <a:t>목표를 못 맞춘 경우</a:t>
-            </a:r>
-            <a:endParaRPr lang="en-US" altLang="ko-KR" sz="2000" dirty="0">
-              <a:solidFill>
-                <a:srgbClr val="FFFF00"/>
-              </a:solidFill>
-              <a:latin typeface="배달의민족 주아" panose="02020603020101020101" pitchFamily="18" charset="-127"/>
-              <a:ea typeface="배달의민족 주아" panose="02020603020101020101" pitchFamily="18" charset="-127"/>
-            </a:endParaRPr>
-          </a:p>
-          <a:p>
-            <a:endParaRPr lang="en-US" altLang="ko-KR" sz="2000" dirty="0">
-              <a:solidFill>
-                <a:schemeClr val="bg1"/>
-              </a:solidFill>
-              <a:latin typeface="배달의민족 주아" panose="02020603020101020101" pitchFamily="18" charset="-127"/>
-              <a:ea typeface="배달의민족 주아" panose="02020603020101020101" pitchFamily="18" charset="-127"/>
-            </a:endParaRPr>
-          </a:p>
-          <a:p>
-            <a:r>
-              <a:rPr lang="en-US" altLang="ko-KR" sz="2000" dirty="0">
-                <a:solidFill>
-                  <a:schemeClr val="bg1"/>
-                </a:solidFill>
-                <a:latin typeface="배달의민족 주아" panose="02020603020101020101" pitchFamily="18" charset="-127"/>
-                <a:ea typeface="배달의민족 주아" panose="02020603020101020101" pitchFamily="18" charset="-127"/>
-              </a:rPr>
-              <a:t>4. </a:t>
-            </a:r>
-            <a:r>
-              <a:rPr lang="ko-KR" altLang="en-US" sz="2000" dirty="0">
-                <a:solidFill>
-                  <a:schemeClr val="bg1"/>
-                </a:solidFill>
-                <a:latin typeface="배달의민족 주아" panose="02020603020101020101" pitchFamily="18" charset="-127"/>
-                <a:ea typeface="배달의민족 주아" panose="02020603020101020101" pitchFamily="18" charset="-127"/>
-              </a:rPr>
-              <a:t>목표를 맞춘 경우</a:t>
-            </a:r>
-            <a:endParaRPr lang="en-US" altLang="ko-KR" sz="2000" dirty="0">
-              <a:solidFill>
-                <a:schemeClr val="bg1"/>
-              </a:solidFill>
-              <a:latin typeface="배달의민족 주아" panose="02020603020101020101" pitchFamily="18" charset="-127"/>
-              <a:ea typeface="배달의민족 주아" panose="02020603020101020101" pitchFamily="18" charset="-127"/>
-            </a:endParaRPr>
-          </a:p>
-        </p:txBody>
-      </p:sp>
-      <p:sp>
-        <p:nvSpPr>
-          <p:cNvPr id="10" name="Rectangle 9"/>
-          <p:cNvSpPr/>
-          <p:nvPr/>
-        </p:nvSpPr>
-        <p:spPr>
-          <a:xfrm>
-            <a:off x="3448139" y="1310745"/>
-            <a:ext cx="5196838" cy="4572000"/>
-          </a:xfrm>
-          <a:prstGeom prst="rect">
-            <a:avLst/>
-          </a:prstGeom>
-          <a:noFill/>
-          <a:ln w="127000">
-            <a:solidFill>
-              <a:schemeClr val="bg1"/>
-            </a:solidFill>
-          </a:ln>
-        </p:spPr>
-        <p:style>
-          <a:lnRef idx="2">
-            <a:schemeClr val="accent1">
-              <a:shade val="50000"/>
-            </a:schemeClr>
-          </a:lnRef>
-          <a:fillRef idx="1">
-            <a:schemeClr val="accent1"/>
-          </a:fillRef>
-          <a:effectRef idx="0">
-            <a:schemeClr val="accent1"/>
-          </a:effectRef>
-          <a:fontRef idx="minor">
-            <a:schemeClr val="lt1"/>
-          </a:fontRef>
-        </p:style>
-        <p:txBody>
-          <a:bodyPr rtlCol="0" anchor="ctr"/>
-          <a:lstStyle/>
-          <a:p>
-            <a:pPr algn="ctr"/>
-            <a:endParaRPr lang="ko-KR" altLang="en-US" dirty="0"/>
-          </a:p>
-        </p:txBody>
-      </p:sp>
-      <p:pic>
-        <p:nvPicPr>
-          <p:cNvPr id="3" name="그림 2">
+            <a:pPr>
+              <a:lnSpc>
+                <a:spcPts val="3000"/>
+              </a:lnSpc>
+            </a:pPr>
+            <a:r>
+              <a:rPr lang="en-US" altLang="ko-KR" sz="3500" spc="-150" dirty="0">
+                <a:solidFill>
+                  <a:schemeClr val="bg1"/>
+                </a:solidFill>
+                <a:latin typeface="배달의민족 주아" panose="02020603020101020101" pitchFamily="18" charset="-127"/>
+                <a:ea typeface="배달의민족 주아" panose="02020603020101020101" pitchFamily="18" charset="-127"/>
+              </a:rPr>
+              <a:t>class Cannon</a:t>
+            </a:r>
+          </a:p>
+        </p:txBody>
+      </p:sp>
+      <p:sp>
+        <p:nvSpPr>
+          <p:cNvPr id="6" name="TextBox 5">
             <a:extLst>
               <a:ext uri="{FF2B5EF4-FFF2-40B4-BE49-F238E27FC236}">
-                <a16:creationId xmlns:a16="http://schemas.microsoft.com/office/drawing/2014/main" id="{2D47D949-7F7F-41AA-B51B-FAE51EE24A55}"/>
+                <a16:creationId xmlns:a16="http://schemas.microsoft.com/office/drawing/2014/main" id="{734E2F54-DC5C-41D6-A5DA-4E666AF0AFFE}"/>
               </a:ext>
             </a:extLst>
           </p:cNvPr>
-          <p:cNvPicPr>
-            <a:picLocks noChangeAspect="1"/>
-          </p:cNvPicPr>
+          <p:cNvSpPr txBox="1"/>
           <p:nvPr/>
-        </p:nvPicPr>
-        <p:blipFill>
-          <a:blip r:embed="rId2">
+        </p:nvSpPr>
+        <p:spPr>
+          <a:xfrm>
+            <a:off x="1673816" y="2660360"/>
+            <a:ext cx="5993077" cy="515526"/>
+          </a:xfrm>
+          <a:prstGeom prst="rect">
+            <a:avLst/>
+          </a:prstGeom>
+          <a:noFill/>
+        </p:spPr>
+        <p:txBody>
+          <a:bodyPr wrap="square" rtlCol="0">
+            <a:spAutoFit/>
+          </a:bodyPr>
+          <a:lstStyle/>
+          <a:p>
+            <a:pPr>
+              <a:lnSpc>
+                <a:spcPts val="3000"/>
+              </a:lnSpc>
+            </a:pPr>
+            <a:r>
+              <a:rPr lang="en-US" altLang="ko-KR" sz="3500" spc="-150" dirty="0">
+                <a:solidFill>
+                  <a:schemeClr val="bg1"/>
+                </a:solidFill>
+                <a:latin typeface="배달의민족 주아" panose="02020603020101020101" pitchFamily="18" charset="-127"/>
+                <a:ea typeface="배달의민족 주아" panose="02020603020101020101" pitchFamily="18" charset="-127"/>
+              </a:rPr>
+              <a:t>def </a:t>
+            </a:r>
+            <a:r>
+              <a:rPr lang="en-US" altLang="ko-KR" sz="3500" spc="-150" dirty="0" err="1">
+                <a:solidFill>
+                  <a:schemeClr val="bg1"/>
+                </a:solidFill>
+                <a:latin typeface="배달의민족 주아" panose="02020603020101020101" pitchFamily="18" charset="-127"/>
+                <a:ea typeface="배달의민족 주아" panose="02020603020101020101" pitchFamily="18" charset="-127"/>
+              </a:rPr>
+              <a:t>mapToString</a:t>
+            </a:r>
+            <a:r>
+              <a:rPr lang="en-US" altLang="ko-KR" sz="3500" spc="-150" dirty="0">
+                <a:solidFill>
+                  <a:schemeClr val="bg1"/>
+                </a:solidFill>
+                <a:latin typeface="배달의민족 주아" panose="02020603020101020101" pitchFamily="18" charset="-127"/>
+                <a:ea typeface="배달의민족 주아" panose="02020603020101020101" pitchFamily="18" charset="-127"/>
+              </a:rPr>
+              <a:t>(self, </a:t>
+            </a:r>
+            <a:r>
+              <a:rPr lang="en-US" altLang="ko-KR" sz="3500" spc="-150" dirty="0" err="1">
+                <a:solidFill>
+                  <a:schemeClr val="bg1"/>
+                </a:solidFill>
+                <a:latin typeface="배달의민족 주아" panose="02020603020101020101" pitchFamily="18" charset="-127"/>
+                <a:ea typeface="배달의민족 주아" panose="02020603020101020101" pitchFamily="18" charset="-127"/>
+              </a:rPr>
+              <a:t>myMap</a:t>
+            </a:r>
+            <a:r>
+              <a:rPr lang="en-US" altLang="ko-KR" sz="3500" spc="-150" dirty="0">
+                <a:solidFill>
+                  <a:schemeClr val="bg1"/>
+                </a:solidFill>
+                <a:latin typeface="배달의민족 주아" panose="02020603020101020101" pitchFamily="18" charset="-127"/>
+                <a:ea typeface="배달의민족 주아" panose="02020603020101020101" pitchFamily="18" charset="-127"/>
+              </a:rPr>
+              <a:t>)</a:t>
+            </a:r>
+          </a:p>
+        </p:txBody>
+      </p:sp>
+      <p:sp>
+        <p:nvSpPr>
+          <p:cNvPr id="7" name="TextBox 6">
             <a:extLst>
-              <a:ext uri="{28A0092B-C50C-407E-A947-70E740481C1C}">
-                <a14:useLocalDpi xmlns:a14="http://schemas.microsoft.com/office/drawing/2010/main" val="0"/>
+              <a:ext uri="{FF2B5EF4-FFF2-40B4-BE49-F238E27FC236}">
+                <a16:creationId xmlns:a16="http://schemas.microsoft.com/office/drawing/2014/main" id="{5362DC25-7290-4B66-A7D8-6D2D6F5D6739}"/>
               </a:ext>
             </a:extLst>
-          </a:blip>
-          <a:stretch>
-            <a:fillRect/>
-          </a:stretch>
-        </p:blipFill>
-        <p:spPr>
-          <a:xfrm>
-            <a:off x="3515350" y="1367896"/>
-            <a:ext cx="5065942" cy="4441818"/>
-          </a:xfrm>
-          <a:prstGeom prst="rect">
-            <a:avLst/>
-          </a:prstGeom>
-        </p:spPr>
-      </p:pic>
+          </p:cNvPr>
+          <p:cNvSpPr txBox="1"/>
+          <p:nvPr/>
+        </p:nvSpPr>
+        <p:spPr>
+          <a:xfrm>
+            <a:off x="1673816" y="3707567"/>
+            <a:ext cx="5398131" cy="515526"/>
+          </a:xfrm>
+          <a:prstGeom prst="rect">
+            <a:avLst/>
+          </a:prstGeom>
+          <a:noFill/>
+        </p:spPr>
+        <p:txBody>
+          <a:bodyPr wrap="square" rtlCol="0">
+            <a:spAutoFit/>
+          </a:bodyPr>
+          <a:lstStyle/>
+          <a:p>
+            <a:pPr>
+              <a:lnSpc>
+                <a:spcPts val="3000"/>
+              </a:lnSpc>
+            </a:pPr>
+            <a:r>
+              <a:rPr lang="en-US" altLang="ko-KR" sz="3500" spc="-150" dirty="0">
+                <a:solidFill>
+                  <a:schemeClr val="bg1"/>
+                </a:solidFill>
+                <a:latin typeface="배달의민족 주아" panose="02020603020101020101" pitchFamily="18" charset="-127"/>
+                <a:ea typeface="배달의민족 주아" panose="02020603020101020101" pitchFamily="18" charset="-127"/>
+              </a:rPr>
+              <a:t>def </a:t>
+            </a:r>
+            <a:r>
+              <a:rPr lang="en-US" altLang="ko-KR" sz="3500" spc="-150" dirty="0" err="1">
+                <a:solidFill>
+                  <a:schemeClr val="bg1"/>
+                </a:solidFill>
+                <a:latin typeface="배달의민족 주아" panose="02020603020101020101" pitchFamily="18" charset="-127"/>
+                <a:ea typeface="배달의민족 주아" panose="02020603020101020101" pitchFamily="18" charset="-127"/>
+              </a:rPr>
+              <a:t>initialMap</a:t>
+            </a:r>
+            <a:r>
+              <a:rPr lang="en-US" altLang="ko-KR" sz="3500" spc="-150" dirty="0">
+                <a:solidFill>
+                  <a:schemeClr val="bg1"/>
+                </a:solidFill>
+                <a:latin typeface="배달의민족 주아" panose="02020603020101020101" pitchFamily="18" charset="-127"/>
+                <a:ea typeface="배달의민족 주아" panose="02020603020101020101" pitchFamily="18" charset="-127"/>
+              </a:rPr>
+              <a:t>(self):</a:t>
+            </a:r>
+          </a:p>
+        </p:txBody>
+      </p:sp>
+      <p:sp>
+        <p:nvSpPr>
+          <p:cNvPr id="8" name="TextBox 7">
+            <a:extLst>
+              <a:ext uri="{FF2B5EF4-FFF2-40B4-BE49-F238E27FC236}">
+                <a16:creationId xmlns:a16="http://schemas.microsoft.com/office/drawing/2014/main" id="{F3A81B85-4641-4570-B5C0-AA634880127D}"/>
+              </a:ext>
+            </a:extLst>
+          </p:cNvPr>
+          <p:cNvSpPr txBox="1"/>
+          <p:nvPr/>
+        </p:nvSpPr>
+        <p:spPr>
+          <a:xfrm>
+            <a:off x="1673816" y="4754775"/>
+            <a:ext cx="5398131" cy="515526"/>
+          </a:xfrm>
+          <a:prstGeom prst="rect">
+            <a:avLst/>
+          </a:prstGeom>
+          <a:noFill/>
+        </p:spPr>
+        <p:txBody>
+          <a:bodyPr wrap="square" rtlCol="0">
+            <a:spAutoFit/>
+          </a:bodyPr>
+          <a:lstStyle/>
+          <a:p>
+            <a:pPr>
+              <a:lnSpc>
+                <a:spcPts val="3000"/>
+              </a:lnSpc>
+            </a:pPr>
+            <a:r>
+              <a:rPr lang="en-US" altLang="ko-KR" sz="3500" spc="-150" dirty="0">
+                <a:solidFill>
+                  <a:schemeClr val="bg1"/>
+                </a:solidFill>
+                <a:latin typeface="배달의민족 주아" panose="02020603020101020101" pitchFamily="18" charset="-127"/>
+                <a:ea typeface="배달의민족 주아" panose="02020603020101020101" pitchFamily="18" charset="-127"/>
+              </a:rPr>
+              <a:t>def </a:t>
+            </a:r>
+            <a:r>
+              <a:rPr lang="en-US" altLang="ko-KR" sz="3500" spc="-150" dirty="0" err="1">
+                <a:solidFill>
+                  <a:schemeClr val="bg1"/>
+                </a:solidFill>
+                <a:latin typeface="배달의민족 주아" panose="02020603020101020101" pitchFamily="18" charset="-127"/>
+                <a:ea typeface="배달의민족 주아" panose="02020603020101020101" pitchFamily="18" charset="-127"/>
+              </a:rPr>
+              <a:t>currentMap</a:t>
+            </a:r>
+            <a:r>
+              <a:rPr lang="en-US" altLang="ko-KR" sz="3500" spc="-150" dirty="0">
+                <a:solidFill>
+                  <a:schemeClr val="bg1"/>
+                </a:solidFill>
+                <a:latin typeface="배달의민족 주아" panose="02020603020101020101" pitchFamily="18" charset="-127"/>
+                <a:ea typeface="배달의민족 주아" panose="02020603020101020101" pitchFamily="18" charset="-127"/>
+              </a:rPr>
+              <a:t>(self, point)</a:t>
+            </a:r>
+          </a:p>
+        </p:txBody>
+      </p:sp>
     </p:spTree>
     <p:extLst>
       <p:ext uri="{BB962C8B-B14F-4D97-AF65-F5344CB8AC3E}">
-        <p14:creationId xmlns:p14="http://schemas.microsoft.com/office/powerpoint/2010/main" val="4226177266"/>
+        <p14:creationId xmlns:p14="http://schemas.microsoft.com/office/powerpoint/2010/main" val="4142396210"/>
       </p:ext>
     </p:extLst>
   </p:cSld>
